--- a/Slides/Week 3 - Lists, Stacks, Queues, Hash tables.pptx
+++ b/Slides/Week 3 - Lists, Stacks, Queues, Hash tables.pptx
@@ -5,7 +5,7 @@
     <p:sldMasterId id="2147483729" r:id="rId1"/>
   </p:sldMasterIdLst>
   <p:notesMasterIdLst>
-    <p:notesMasterId r:id="rId68"/>
+    <p:notesMasterId r:id="rId66"/>
   </p:notesMasterIdLst>
   <p:sldIdLst>
     <p:sldId id="256" r:id="rId2"/>
@@ -42,38 +42,36 @@
     <p:sldId id="295" r:id="rId33"/>
     <p:sldId id="296" r:id="rId34"/>
     <p:sldId id="294" r:id="rId35"/>
-    <p:sldId id="297" r:id="rId36"/>
-    <p:sldId id="299" r:id="rId37"/>
-    <p:sldId id="298" r:id="rId38"/>
-    <p:sldId id="301" r:id="rId39"/>
-    <p:sldId id="302" r:id="rId40"/>
-    <p:sldId id="331" r:id="rId41"/>
-    <p:sldId id="303" r:id="rId42"/>
-    <p:sldId id="332" r:id="rId43"/>
-    <p:sldId id="304" r:id="rId44"/>
-    <p:sldId id="305" r:id="rId45"/>
-    <p:sldId id="306" r:id="rId46"/>
-    <p:sldId id="307" r:id="rId47"/>
-    <p:sldId id="308" r:id="rId48"/>
-    <p:sldId id="309" r:id="rId49"/>
-    <p:sldId id="310" r:id="rId50"/>
-    <p:sldId id="333" r:id="rId51"/>
-    <p:sldId id="311" r:id="rId52"/>
-    <p:sldId id="312" r:id="rId53"/>
-    <p:sldId id="313" r:id="rId54"/>
-    <p:sldId id="334" r:id="rId55"/>
-    <p:sldId id="314" r:id="rId56"/>
-    <p:sldId id="315" r:id="rId57"/>
-    <p:sldId id="316" r:id="rId58"/>
-    <p:sldId id="317" r:id="rId59"/>
-    <p:sldId id="318" r:id="rId60"/>
-    <p:sldId id="319" r:id="rId61"/>
-    <p:sldId id="320" r:id="rId62"/>
-    <p:sldId id="321" r:id="rId63"/>
-    <p:sldId id="322" r:id="rId64"/>
-    <p:sldId id="323" r:id="rId65"/>
-    <p:sldId id="335" r:id="rId66"/>
-    <p:sldId id="324" r:id="rId67"/>
+    <p:sldId id="299" r:id="rId36"/>
+    <p:sldId id="298" r:id="rId37"/>
+    <p:sldId id="301" r:id="rId38"/>
+    <p:sldId id="302" r:id="rId39"/>
+    <p:sldId id="331" r:id="rId40"/>
+    <p:sldId id="303" r:id="rId41"/>
+    <p:sldId id="332" r:id="rId42"/>
+    <p:sldId id="304" r:id="rId43"/>
+    <p:sldId id="305" r:id="rId44"/>
+    <p:sldId id="306" r:id="rId45"/>
+    <p:sldId id="307" r:id="rId46"/>
+    <p:sldId id="308" r:id="rId47"/>
+    <p:sldId id="309" r:id="rId48"/>
+    <p:sldId id="310" r:id="rId49"/>
+    <p:sldId id="333" r:id="rId50"/>
+    <p:sldId id="311" r:id="rId51"/>
+    <p:sldId id="312" r:id="rId52"/>
+    <p:sldId id="313" r:id="rId53"/>
+    <p:sldId id="334" r:id="rId54"/>
+    <p:sldId id="314" r:id="rId55"/>
+    <p:sldId id="315" r:id="rId56"/>
+    <p:sldId id="316" r:id="rId57"/>
+    <p:sldId id="317" r:id="rId58"/>
+    <p:sldId id="318" r:id="rId59"/>
+    <p:sldId id="319" r:id="rId60"/>
+    <p:sldId id="320" r:id="rId61"/>
+    <p:sldId id="321" r:id="rId62"/>
+    <p:sldId id="323" r:id="rId63"/>
+    <p:sldId id="335" r:id="rId64"/>
+    <p:sldId id="324" r:id="rId65"/>
   </p:sldIdLst>
   <p:sldSz cx="12192000" cy="6858000"/>
   <p:notesSz cx="6858000" cy="9144000"/>
@@ -262,7 +260,7 @@
           <a:p>
             <a:fld id="{F314420D-16BA-4EDC-9A71-800590EAD5A3}" type="datetimeFigureOut">
               <a:rPr lang="en-GB" smtClean="0"/>
-              <a:t>24/11/2015</a:t>
+              <a:t>27/11/2015</a:t>
             </a:fld>
             <a:endParaRPr lang="en-GB"/>
           </a:p>
@@ -421,7 +419,7 @@
           <a:p>
             <a:fld id="{29573B9A-66FB-4A63-BCD5-E140B9429FD2}" type="slidenum">
               <a:rPr lang="en-GB" smtClean="0"/>
-              <a:t>‹nr.›</a:t>
+              <a:t>‹#›</a:t>
             </a:fld>
             <a:endParaRPr lang="en-GB"/>
           </a:p>
@@ -839,148 +837,14 @@
           <a:lstStyle/>
           <a:p>
             <a:r>
-              <a:rPr lang="en-US" sz="1200" b="0" i="0" kern="1200" dirty="0" smtClean="0">
-                <a:solidFill>
-                  <a:schemeClr val="tx1"/>
-                </a:solidFill>
-                <a:effectLst/>
-                <a:latin typeface="+mn-lt"/>
-                <a:ea typeface="+mn-ea"/>
-                <a:cs typeface="+mn-cs"/>
-              </a:rPr>
-              <a:t>The simplest application of a stack is to </a:t>
-            </a:r>
-            <a:r>
-              <a:rPr lang="en-US" sz="1200" b="1" i="0" kern="1200" dirty="0" smtClean="0">
-                <a:solidFill>
-                  <a:schemeClr val="tx1"/>
-                </a:solidFill>
-                <a:effectLst/>
-                <a:latin typeface="+mn-lt"/>
-                <a:ea typeface="+mn-ea"/>
-                <a:cs typeface="+mn-cs"/>
-              </a:rPr>
-              <a:t>reverse a word</a:t>
-            </a:r>
-            <a:r>
-              <a:rPr lang="en-US" sz="1200" b="0" i="0" kern="1200" dirty="0" smtClean="0">
-                <a:solidFill>
-                  <a:schemeClr val="tx1"/>
-                </a:solidFill>
-                <a:effectLst/>
-                <a:latin typeface="+mn-lt"/>
-                <a:ea typeface="+mn-ea"/>
-                <a:cs typeface="+mn-cs"/>
-              </a:rPr>
-              <a:t>. You push a given word to stack - letter by letter - and then pop letters from the stack.</a:t>
-            </a:r>
-          </a:p>
-          <a:p>
-            <a:r>
-              <a:rPr lang="en-US" sz="1200" b="0" i="0" kern="1200" dirty="0" smtClean="0">
-                <a:solidFill>
-                  <a:schemeClr val="tx1"/>
-                </a:solidFill>
-                <a:effectLst/>
-                <a:latin typeface="+mn-lt"/>
-                <a:ea typeface="+mn-ea"/>
-                <a:cs typeface="+mn-cs"/>
-              </a:rPr>
-              <a:t>Another application is an </a:t>
-            </a:r>
-            <a:r>
-              <a:rPr lang="en-US" sz="1200" b="1" i="0" kern="1200" dirty="0" smtClean="0">
-                <a:solidFill>
-                  <a:schemeClr val="tx1"/>
-                </a:solidFill>
-                <a:effectLst/>
-                <a:latin typeface="+mn-lt"/>
-                <a:ea typeface="+mn-ea"/>
-                <a:cs typeface="+mn-cs"/>
-              </a:rPr>
-              <a:t>"undo" mechanism </a:t>
-            </a:r>
-            <a:r>
-              <a:rPr lang="en-US" sz="1200" b="0" i="0" kern="1200" dirty="0" smtClean="0">
-                <a:solidFill>
-                  <a:schemeClr val="tx1"/>
-                </a:solidFill>
-                <a:effectLst/>
-                <a:latin typeface="+mn-lt"/>
-                <a:ea typeface="+mn-ea"/>
-                <a:cs typeface="+mn-cs"/>
-              </a:rPr>
-              <a:t>in text editors; this operation is accomplished by keeping all text changes in a stack.</a:t>
-            </a:r>
-          </a:p>
-          <a:p>
-            <a:pPr marL="0" marR="0" indent="0" algn="l" defTabSz="914400" rtl="0" eaLnBrk="1" fontAlgn="auto" latinLnBrk="0" hangingPunct="1">
-              <a:lnSpc>
-                <a:spcPct val="100000"/>
-              </a:lnSpc>
-              <a:spcBef>
-                <a:spcPts val="0"/>
-              </a:spcBef>
-              <a:spcAft>
-                <a:spcPts val="0"/>
-              </a:spcAft>
-              <a:buClrTx/>
-              <a:buSzTx/>
-              <a:buFontTx/>
-              <a:buNone/>
-              <a:tabLst/>
-              <a:defRPr/>
-            </a:pPr>
-            <a:r>
-              <a:rPr lang="en-US" sz="1200" b="1" i="0" kern="1200" dirty="0" smtClean="0">
-                <a:solidFill>
-                  <a:schemeClr val="tx1"/>
-                </a:solidFill>
-                <a:effectLst/>
-                <a:latin typeface="+mn-lt"/>
-                <a:ea typeface="+mn-ea"/>
-                <a:cs typeface="+mn-cs"/>
-              </a:rPr>
-              <a:t>Backtracking</a:t>
-            </a:r>
-            <a:r>
-              <a:rPr lang="en-US" sz="1200" b="0" i="0" kern="1200" dirty="0" smtClean="0">
-                <a:solidFill>
-                  <a:schemeClr val="tx1"/>
-                </a:solidFill>
-                <a:effectLst/>
-                <a:latin typeface="+mn-lt"/>
-                <a:ea typeface="+mn-ea"/>
-                <a:cs typeface="+mn-cs"/>
-              </a:rPr>
-              <a:t>. This is a process when you need to access the most recent data element in a series of elements. Think of a labyrinth or maze - how do you find a way from an entrance to an exit? Once you reach a dead end, you must backtrack. But backtrack to where? to the previous choice point. Therefore, at each choice point you store on a stack all possible choices. Then backtracking simply means popping a next choice from the stack.</a:t>
-            </a:r>
-          </a:p>
-          <a:p>
-            <a:r>
-              <a:rPr lang="en-GB" sz="1200" b="0" i="0" kern="1200" dirty="0" smtClean="0">
-                <a:solidFill>
-                  <a:schemeClr val="tx1"/>
-                </a:solidFill>
-                <a:effectLst/>
-                <a:latin typeface="+mn-lt"/>
-                <a:ea typeface="+mn-ea"/>
-                <a:cs typeface="+mn-cs"/>
-              </a:rPr>
-              <a:t>Language processing</a:t>
-            </a:r>
-            <a:endParaRPr lang="en-US" sz="1200" b="0" i="0" kern="1200" dirty="0" smtClean="0">
-              <a:solidFill>
-                <a:schemeClr val="tx1"/>
-              </a:solidFill>
-              <a:effectLst/>
-              <a:latin typeface="+mn-lt"/>
-              <a:ea typeface="+mn-ea"/>
-              <a:cs typeface="+mn-cs"/>
-            </a:endParaRPr>
-          </a:p>
-          <a:p>
-            <a:endParaRPr lang="en-GB" dirty="0"/>
+              <a:rPr lang="en-US" dirty="0" smtClean="0"/>
+              <a:t>Possibly</a:t>
+            </a:r>
+            <a:r>
+              <a:rPr lang="en-US" baseline="0" dirty="0" smtClean="0"/>
+              <a:t> show an implementation of lists in C#</a:t>
+            </a:r>
+            <a:endParaRPr lang="it-IT" dirty="0"/>
           </a:p>
         </p:txBody>
       </p:sp>
@@ -1001,7 +865,7 @@
           <a:p>
             <a:fld id="{29573B9A-66FB-4A63-BCD5-E140B9429FD2}" type="slidenum">
               <a:rPr lang="en-GB" smtClean="0"/>
-              <a:t>22</a:t>
+              <a:t>5</a:t>
             </a:fld>
             <a:endParaRPr lang="en-GB"/>
           </a:p>
@@ -1010,7 +874,7 @@
     </p:spTree>
     <p:extLst>
       <p:ext uri="{BB962C8B-B14F-4D97-AF65-F5344CB8AC3E}">
-        <p14:creationId xmlns:p14="http://schemas.microsoft.com/office/powerpoint/2010/main" val="3886535332"/>
+        <p14:creationId xmlns:p14="http://schemas.microsoft.com/office/powerpoint/2010/main" val="1100438059"/>
       </p:ext>
     </p:extLst>
   </p:cSld>
@@ -1039,7 +903,7 @@
       </p:grpSpPr>
       <p:sp>
         <p:nvSpPr>
-          <p:cNvPr id="2" name="Tijdelijke aanduiding voor dia-afbeelding 1"/>
+          <p:cNvPr id="2" name="Slide Image Placeholder 1"/>
           <p:cNvSpPr>
             <a:spLocks noGrp="1" noRot="1" noChangeAspect="1"/>
           </p:cNvSpPr>
@@ -1051,7 +915,7 @@
       </p:sp>
       <p:sp>
         <p:nvSpPr>
-          <p:cNvPr id="3" name="Tijdelijke aanduiding voor notities 2"/>
+          <p:cNvPr id="3" name="Notes Placeholder 2"/>
           <p:cNvSpPr>
             <a:spLocks noGrp="1"/>
           </p:cNvSpPr>
@@ -1074,29 +938,145 @@
                 <a:ea typeface="+mn-ea"/>
                 <a:cs typeface="+mn-cs"/>
               </a:rPr>
-              <a:t>A low load factor is not especially beneficial. As the load factor approaches 0, the proportion of unused areas in the hash table increases, but there is not necessarily any reduction in search cost. This results in wasted memory.</a:t>
-            </a:r>
-          </a:p>
-          <a:p>
-            <a:r>
-              <a:rPr lang="en-US" dirty="0" smtClean="0"/>
-              <a:t>The </a:t>
-            </a:r>
-            <a:r>
-              <a:rPr lang="en-US" dirty="0" err="1" smtClean="0"/>
-              <a:t>HashMap</a:t>
-            </a:r>
-            <a:r>
-              <a:rPr lang="en-US" dirty="0" smtClean="0"/>
-              <a:t> class automatically resizes its hash table when the load factor reaches a specific threshold value. This threshold value can be set when the hash table is created, using the constructor.</a:t>
-            </a:r>
-            <a:endParaRPr lang="nl-NL" dirty="0"/>
-          </a:p>
-        </p:txBody>
-      </p:sp>
-      <p:sp>
-        <p:nvSpPr>
-          <p:cNvPr id="4" name="Tijdelijke aanduiding voor dianummer 3"/>
+              <a:t>The simplest application of a stack is to </a:t>
+            </a:r>
+            <a:r>
+              <a:rPr lang="en-US" sz="1200" b="1" i="0" kern="1200" dirty="0" smtClean="0">
+                <a:solidFill>
+                  <a:schemeClr val="tx1"/>
+                </a:solidFill>
+                <a:effectLst/>
+                <a:latin typeface="+mn-lt"/>
+                <a:ea typeface="+mn-ea"/>
+                <a:cs typeface="+mn-cs"/>
+              </a:rPr>
+              <a:t>reverse a word</a:t>
+            </a:r>
+            <a:r>
+              <a:rPr lang="en-US" sz="1200" b="0" i="0" kern="1200" dirty="0" smtClean="0">
+                <a:solidFill>
+                  <a:schemeClr val="tx1"/>
+                </a:solidFill>
+                <a:effectLst/>
+                <a:latin typeface="+mn-lt"/>
+                <a:ea typeface="+mn-ea"/>
+                <a:cs typeface="+mn-cs"/>
+              </a:rPr>
+              <a:t>. You push a given word to stack - letter by letter - and then pop letters from the stack.</a:t>
+            </a:r>
+          </a:p>
+          <a:p>
+            <a:r>
+              <a:rPr lang="en-US" sz="1200" b="0" i="0" kern="1200" dirty="0" smtClean="0">
+                <a:solidFill>
+                  <a:schemeClr val="tx1"/>
+                </a:solidFill>
+                <a:effectLst/>
+                <a:latin typeface="+mn-lt"/>
+                <a:ea typeface="+mn-ea"/>
+                <a:cs typeface="+mn-cs"/>
+              </a:rPr>
+              <a:t>Another application is an </a:t>
+            </a:r>
+            <a:r>
+              <a:rPr lang="en-US" sz="1200" b="1" i="0" kern="1200" dirty="0" smtClean="0">
+                <a:solidFill>
+                  <a:schemeClr val="tx1"/>
+                </a:solidFill>
+                <a:effectLst/>
+                <a:latin typeface="+mn-lt"/>
+                <a:ea typeface="+mn-ea"/>
+                <a:cs typeface="+mn-cs"/>
+              </a:rPr>
+              <a:t>"undo" mechanism </a:t>
+            </a:r>
+            <a:r>
+              <a:rPr lang="en-US" sz="1200" b="0" i="0" kern="1200" dirty="0" smtClean="0">
+                <a:solidFill>
+                  <a:schemeClr val="tx1"/>
+                </a:solidFill>
+                <a:effectLst/>
+                <a:latin typeface="+mn-lt"/>
+                <a:ea typeface="+mn-ea"/>
+                <a:cs typeface="+mn-cs"/>
+              </a:rPr>
+              <a:t>in text editors; this operation is accomplished by keeping all text changes in a stack.</a:t>
+            </a:r>
+          </a:p>
+          <a:p>
+            <a:pPr marL="0" marR="0" indent="0" algn="l" defTabSz="914400" rtl="0" eaLnBrk="1" fontAlgn="auto" latinLnBrk="0" hangingPunct="1">
+              <a:lnSpc>
+                <a:spcPct val="100000"/>
+              </a:lnSpc>
+              <a:spcBef>
+                <a:spcPts val="0"/>
+              </a:spcBef>
+              <a:spcAft>
+                <a:spcPts val="0"/>
+              </a:spcAft>
+              <a:buClrTx/>
+              <a:buSzTx/>
+              <a:buFontTx/>
+              <a:buNone/>
+              <a:tabLst/>
+              <a:defRPr/>
+            </a:pPr>
+            <a:r>
+              <a:rPr lang="en-US" sz="1200" b="1" i="0" kern="1200" dirty="0" smtClean="0">
+                <a:solidFill>
+                  <a:schemeClr val="tx1"/>
+                </a:solidFill>
+                <a:effectLst/>
+                <a:latin typeface="+mn-lt"/>
+                <a:ea typeface="+mn-ea"/>
+                <a:cs typeface="+mn-cs"/>
+              </a:rPr>
+              <a:t>Backtracking</a:t>
+            </a:r>
+            <a:r>
+              <a:rPr lang="en-US" sz="1200" b="0" i="0" kern="1200" dirty="0" smtClean="0">
+                <a:solidFill>
+                  <a:schemeClr val="tx1"/>
+                </a:solidFill>
+                <a:effectLst/>
+                <a:latin typeface="+mn-lt"/>
+                <a:ea typeface="+mn-ea"/>
+                <a:cs typeface="+mn-cs"/>
+              </a:rPr>
+              <a:t>. This is a process when you need to access the most recent data element in a series of elements. Think of a labyrinth or maze - how do you find a way from an entrance to an exit? Once you reach a dead end, you must backtrack. But backtrack to where? to the previous choice point. Therefore, at each choice point you store on a stack all possible choices. Then backtracking simply means popping a next choice from the stack.</a:t>
+            </a:r>
+          </a:p>
+          <a:p>
+            <a:r>
+              <a:rPr lang="en-GB" sz="1200" b="0" i="0" kern="1200" dirty="0" smtClean="0">
+                <a:solidFill>
+                  <a:schemeClr val="tx1"/>
+                </a:solidFill>
+                <a:effectLst/>
+                <a:latin typeface="+mn-lt"/>
+                <a:ea typeface="+mn-ea"/>
+                <a:cs typeface="+mn-cs"/>
+              </a:rPr>
+              <a:t>Language processing</a:t>
+            </a:r>
+            <a:endParaRPr lang="en-US" sz="1200" b="0" i="0" kern="1200" dirty="0" smtClean="0">
+              <a:solidFill>
+                <a:schemeClr val="tx1"/>
+              </a:solidFill>
+              <a:effectLst/>
+              <a:latin typeface="+mn-lt"/>
+              <a:ea typeface="+mn-ea"/>
+              <a:cs typeface="+mn-cs"/>
+            </a:endParaRPr>
+          </a:p>
+          <a:p>
+            <a:endParaRPr lang="en-GB" dirty="0"/>
+          </a:p>
+        </p:txBody>
+      </p:sp>
+      <p:sp>
+        <p:nvSpPr>
+          <p:cNvPr id="4" name="Slide Number Placeholder 3"/>
           <p:cNvSpPr>
             <a:spLocks noGrp="1"/>
           </p:cNvSpPr>
@@ -1111,7 +1091,7 @@
           <a:p>
             <a:fld id="{29573B9A-66FB-4A63-BCD5-E140B9429FD2}" type="slidenum">
               <a:rPr lang="en-GB" smtClean="0"/>
-              <a:t>46</a:t>
+              <a:t>22</a:t>
             </a:fld>
             <a:endParaRPr lang="en-GB"/>
           </a:p>
@@ -1120,7 +1100,7 @@
     </p:spTree>
     <p:extLst>
       <p:ext uri="{BB962C8B-B14F-4D97-AF65-F5344CB8AC3E}">
-        <p14:creationId xmlns:p14="http://schemas.microsoft.com/office/powerpoint/2010/main" val="500352870"/>
+        <p14:creationId xmlns:p14="http://schemas.microsoft.com/office/powerpoint/2010/main" val="3886535332"/>
       </p:ext>
     </p:extLst>
   </p:cSld>
@@ -1149,7 +1129,7 @@
       </p:grpSpPr>
       <p:sp>
         <p:nvSpPr>
-          <p:cNvPr id="2" name="Tijdelijke aanduiding voor dia-afbeelding 1"/>
+          <p:cNvPr id="2" name="Slide Image Placeholder 1"/>
           <p:cNvSpPr>
             <a:spLocks noGrp="1" noRot="1" noChangeAspect="1"/>
           </p:cNvSpPr>
@@ -1161,7 +1141,7 @@
       </p:sp>
       <p:sp>
         <p:nvSpPr>
-          <p:cNvPr id="3" name="Tijdelijke aanduiding voor notities 2"/>
+          <p:cNvPr id="3" name="Notes Placeholder 2"/>
           <p:cNvSpPr>
             <a:spLocks noGrp="1"/>
           </p:cNvSpPr>
@@ -1176,15 +1156,19 @@
           <a:p>
             <a:r>
               <a:rPr lang="en-US" dirty="0" smtClean="0"/>
-              <a:t>For example, if 2,450 keys are hashed into a million buckets, even with a perfectly uniform random distribution, according to the birthday problem there is approximately a 95% chance of at least two of the keys being hashed to the same slot.</a:t>
-            </a:r>
-            <a:endParaRPr lang="nl-NL" dirty="0"/>
-          </a:p>
-        </p:txBody>
-      </p:sp>
-      <p:sp>
-        <p:nvSpPr>
-          <p:cNvPr id="4" name="Tijdelijke aanduiding voor dianummer 3"/>
+              <a:t>A</a:t>
+            </a:r>
+            <a:r>
+              <a:rPr lang="en-US" baseline="0" dirty="0" smtClean="0"/>
+              <a:t> nice example of the stack use would be the implementation of the “back” and “next” button in a browser.</a:t>
+            </a:r>
+            <a:endParaRPr lang="it-IT" dirty="0"/>
+          </a:p>
+        </p:txBody>
+      </p:sp>
+      <p:sp>
+        <p:nvSpPr>
+          <p:cNvPr id="4" name="Slide Number Placeholder 3"/>
           <p:cNvSpPr>
             <a:spLocks noGrp="1"/>
           </p:cNvSpPr>
@@ -1199,7 +1183,7 @@
           <a:p>
             <a:fld id="{29573B9A-66FB-4A63-BCD5-E140B9429FD2}" type="slidenum">
               <a:rPr lang="en-GB" smtClean="0"/>
-              <a:t>47</a:t>
+              <a:t>26</a:t>
             </a:fld>
             <a:endParaRPr lang="en-GB"/>
           </a:p>
@@ -1208,7 +1192,7 @@
     </p:spTree>
     <p:extLst>
       <p:ext uri="{BB962C8B-B14F-4D97-AF65-F5344CB8AC3E}">
-        <p14:creationId xmlns:p14="http://schemas.microsoft.com/office/powerpoint/2010/main" val="547453435"/>
+        <p14:creationId xmlns:p14="http://schemas.microsoft.com/office/powerpoint/2010/main" val="589363931"/>
       </p:ext>
     </p:extLst>
   </p:cSld>
@@ -1237,6 +1221,204 @@
       </p:grpSpPr>
       <p:sp>
         <p:nvSpPr>
+          <p:cNvPr id="2" name="Tijdelijke aanduiding voor dia-afbeelding 1"/>
+          <p:cNvSpPr>
+            <a:spLocks noGrp="1" noRot="1" noChangeAspect="1"/>
+          </p:cNvSpPr>
+          <p:nvPr>
+            <p:ph type="sldImg"/>
+          </p:nvPr>
+        </p:nvSpPr>
+        <p:spPr/>
+      </p:sp>
+      <p:sp>
+        <p:nvSpPr>
+          <p:cNvPr id="3" name="Tijdelijke aanduiding voor notities 2"/>
+          <p:cNvSpPr>
+            <a:spLocks noGrp="1"/>
+          </p:cNvSpPr>
+          <p:nvPr>
+            <p:ph type="body" idx="1"/>
+          </p:nvPr>
+        </p:nvSpPr>
+        <p:spPr/>
+        <p:txBody>
+          <a:bodyPr/>
+          <a:lstStyle/>
+          <a:p>
+            <a:r>
+              <a:rPr lang="en-US" sz="1200" b="0" i="0" kern="1200" dirty="0" smtClean="0">
+                <a:solidFill>
+                  <a:schemeClr val="tx1"/>
+                </a:solidFill>
+                <a:effectLst/>
+                <a:latin typeface="+mn-lt"/>
+                <a:ea typeface="+mn-ea"/>
+                <a:cs typeface="+mn-cs"/>
+              </a:rPr>
+              <a:t>A low load factor is not especially beneficial. As the load factor approaches 0, the proportion of unused areas in the hash table increases, but there is not necessarily any reduction in search cost. This results in wasted memory.</a:t>
+            </a:r>
+          </a:p>
+          <a:p>
+            <a:r>
+              <a:rPr lang="en-US" dirty="0" smtClean="0"/>
+              <a:t>The </a:t>
+            </a:r>
+            <a:r>
+              <a:rPr lang="en-US" dirty="0" err="1" smtClean="0"/>
+              <a:t>HashMap</a:t>
+            </a:r>
+            <a:r>
+              <a:rPr lang="en-US" dirty="0" smtClean="0"/>
+              <a:t> class automatically resizes its hash table when the load factor reaches a specific threshold value. This threshold value can be set when the hash table is created, using the constructor.</a:t>
+            </a:r>
+            <a:endParaRPr lang="nl-NL" dirty="0"/>
+          </a:p>
+        </p:txBody>
+      </p:sp>
+      <p:sp>
+        <p:nvSpPr>
+          <p:cNvPr id="4" name="Tijdelijke aanduiding voor dianummer 3"/>
+          <p:cNvSpPr>
+            <a:spLocks noGrp="1"/>
+          </p:cNvSpPr>
+          <p:nvPr>
+            <p:ph type="sldNum" sz="quarter" idx="10"/>
+          </p:nvPr>
+        </p:nvSpPr>
+        <p:spPr/>
+        <p:txBody>
+          <a:bodyPr/>
+          <a:lstStyle/>
+          <a:p>
+            <a:fld id="{29573B9A-66FB-4A63-BCD5-E140B9429FD2}" type="slidenum">
+              <a:rPr lang="en-GB" smtClean="0"/>
+              <a:t>45</a:t>
+            </a:fld>
+            <a:endParaRPr lang="en-GB"/>
+          </a:p>
+        </p:txBody>
+      </p:sp>
+    </p:spTree>
+    <p:extLst>
+      <p:ext uri="{BB962C8B-B14F-4D97-AF65-F5344CB8AC3E}">
+        <p14:creationId xmlns:p14="http://schemas.microsoft.com/office/powerpoint/2010/main" val="500352870"/>
+      </p:ext>
+    </p:extLst>
+  </p:cSld>
+  <p:clrMapOvr>
+    <a:masterClrMapping/>
+  </p:clrMapOvr>
+</p:notes>
+</file>
+
+<file path=ppt/notesSlides/notesSlide8.xml><?xml version="1.0" encoding="utf-8"?>
+<p:notes xmlns:a="http://schemas.openxmlformats.org/drawingml/2006/main" xmlns:r="http://schemas.openxmlformats.org/officeDocument/2006/relationships" xmlns:p="http://schemas.openxmlformats.org/presentationml/2006/main">
+  <p:cSld>
+    <p:spTree>
+      <p:nvGrpSpPr>
+        <p:cNvPr id="1" name=""/>
+        <p:cNvGrpSpPr/>
+        <p:nvPr/>
+      </p:nvGrpSpPr>
+      <p:grpSpPr>
+        <a:xfrm>
+          <a:off x="0" y="0"/>
+          <a:ext cx="0" cy="0"/>
+          <a:chOff x="0" y="0"/>
+          <a:chExt cx="0" cy="0"/>
+        </a:xfrm>
+      </p:grpSpPr>
+      <p:sp>
+        <p:nvSpPr>
+          <p:cNvPr id="2" name="Tijdelijke aanduiding voor dia-afbeelding 1"/>
+          <p:cNvSpPr>
+            <a:spLocks noGrp="1" noRot="1" noChangeAspect="1"/>
+          </p:cNvSpPr>
+          <p:nvPr>
+            <p:ph type="sldImg"/>
+          </p:nvPr>
+        </p:nvSpPr>
+        <p:spPr/>
+      </p:sp>
+      <p:sp>
+        <p:nvSpPr>
+          <p:cNvPr id="3" name="Tijdelijke aanduiding voor notities 2"/>
+          <p:cNvSpPr>
+            <a:spLocks noGrp="1"/>
+          </p:cNvSpPr>
+          <p:nvPr>
+            <p:ph type="body" idx="1"/>
+          </p:nvPr>
+        </p:nvSpPr>
+        <p:spPr/>
+        <p:txBody>
+          <a:bodyPr/>
+          <a:lstStyle/>
+          <a:p>
+            <a:r>
+              <a:rPr lang="en-US" dirty="0" smtClean="0"/>
+              <a:t>For example, if 2,450 keys are hashed into a million buckets, even with a perfectly uniform random distribution, according to the birthday problem there is approximately a 95% chance of at least two of the keys being hashed to the same slot.</a:t>
+            </a:r>
+            <a:endParaRPr lang="nl-NL" dirty="0"/>
+          </a:p>
+        </p:txBody>
+      </p:sp>
+      <p:sp>
+        <p:nvSpPr>
+          <p:cNvPr id="4" name="Tijdelijke aanduiding voor dianummer 3"/>
+          <p:cNvSpPr>
+            <a:spLocks noGrp="1"/>
+          </p:cNvSpPr>
+          <p:nvPr>
+            <p:ph type="sldNum" sz="quarter" idx="10"/>
+          </p:nvPr>
+        </p:nvSpPr>
+        <p:spPr/>
+        <p:txBody>
+          <a:bodyPr/>
+          <a:lstStyle/>
+          <a:p>
+            <a:fld id="{29573B9A-66FB-4A63-BCD5-E140B9429FD2}" type="slidenum">
+              <a:rPr lang="en-GB" smtClean="0"/>
+              <a:t>46</a:t>
+            </a:fld>
+            <a:endParaRPr lang="en-GB"/>
+          </a:p>
+        </p:txBody>
+      </p:sp>
+    </p:spTree>
+    <p:extLst>
+      <p:ext uri="{BB962C8B-B14F-4D97-AF65-F5344CB8AC3E}">
+        <p14:creationId xmlns:p14="http://schemas.microsoft.com/office/powerpoint/2010/main" val="547453435"/>
+      </p:ext>
+    </p:extLst>
+  </p:cSld>
+  <p:clrMapOvr>
+    <a:masterClrMapping/>
+  </p:clrMapOvr>
+</p:notes>
+</file>
+
+<file path=ppt/notesSlides/notesSlide9.xml><?xml version="1.0" encoding="utf-8"?>
+<p:notes xmlns:a="http://schemas.openxmlformats.org/drawingml/2006/main" xmlns:r="http://schemas.openxmlformats.org/officeDocument/2006/relationships" xmlns:p="http://schemas.openxmlformats.org/presentationml/2006/main">
+  <p:cSld>
+    <p:spTree>
+      <p:nvGrpSpPr>
+        <p:cNvPr id="1" name=""/>
+        <p:cNvGrpSpPr/>
+        <p:nvPr/>
+      </p:nvGrpSpPr>
+      <p:grpSpPr>
+        <a:xfrm>
+          <a:off x="0" y="0"/>
+          <a:ext cx="0" cy="0"/>
+          <a:chOff x="0" y="0"/>
+          <a:chExt cx="0" cy="0"/>
+        </a:xfrm>
+      </p:grpSpPr>
+      <p:sp>
+        <p:nvSpPr>
           <p:cNvPr id="2" name="Slide Image Placeholder 1"/>
           <p:cNvSpPr>
             <a:spLocks noGrp="1" noRot="1" noChangeAspect="1"/>
@@ -1287,7 +1469,7 @@
           <a:p>
             <a:fld id="{29573B9A-66FB-4A63-BCD5-E140B9429FD2}" type="slidenum">
               <a:rPr lang="en-GB" smtClean="0"/>
-              <a:t>65</a:t>
+              <a:t>63</a:t>
             </a:fld>
             <a:endParaRPr lang="en-GB"/>
           </a:p>
@@ -2032,7 +2214,7 @@
           <a:p>
             <a:fld id="{BCD7F523-0192-4754-9803-3EB8E230C6D8}" type="datetime1">
               <a:rPr lang="en-GB" smtClean="0"/>
-              <a:t>24/11/2015</a:t>
+              <a:t>27/11/2015</a:t>
             </a:fld>
             <a:endParaRPr lang="en-GB"/>
           </a:p>
@@ -2078,7 +2260,7 @@
           <a:p>
             <a:fld id="{A3AAA307-BC5C-435E-9F75-3D6007B651A5}" type="slidenum">
               <a:rPr lang="en-GB" smtClean="0"/>
-              <a:t>‹nr.›</a:t>
+              <a:t>‹#›</a:t>
             </a:fld>
             <a:endParaRPr lang="en-GB"/>
           </a:p>
@@ -2287,7 +2469,7 @@
           <a:p>
             <a:fld id="{6C968527-41C1-4E09-8058-9492CA25C7B3}" type="datetime1">
               <a:rPr lang="en-GB" smtClean="0"/>
-              <a:t>24/11/2015</a:t>
+              <a:t>27/11/2015</a:t>
             </a:fld>
             <a:endParaRPr lang="en-GB"/>
           </a:p>
@@ -2333,7 +2515,7 @@
           <a:p>
             <a:fld id="{A3AAA307-BC5C-435E-9F75-3D6007B651A5}" type="slidenum">
               <a:rPr lang="en-GB" smtClean="0"/>
-              <a:t>‹nr.›</a:t>
+              <a:t>‹#›</a:t>
             </a:fld>
             <a:endParaRPr lang="en-GB"/>
           </a:p>
@@ -2605,7 +2787,7 @@
           <a:p>
             <a:fld id="{FD386904-A57D-4763-8D05-876498B5C3FA}" type="datetime1">
               <a:rPr lang="en-GB" smtClean="0"/>
-              <a:t>24/11/2015</a:t>
+              <a:t>27/11/2015</a:t>
             </a:fld>
             <a:endParaRPr lang="en-GB"/>
           </a:p>
@@ -2651,7 +2833,7 @@
           <a:p>
             <a:fld id="{A3AAA307-BC5C-435E-9F75-3D6007B651A5}" type="slidenum">
               <a:rPr lang="en-GB" smtClean="0"/>
-              <a:t>‹nr.›</a:t>
+              <a:t>‹#›</a:t>
             </a:fld>
             <a:endParaRPr lang="en-GB"/>
           </a:p>
@@ -2936,7 +3118,7 @@
           <a:p>
             <a:fld id="{E84DEBF8-DB46-438D-8577-A1ABD21E8A8E}" type="datetime1">
               <a:rPr lang="en-GB" smtClean="0"/>
-              <a:t>24/11/2015</a:t>
+              <a:t>27/11/2015</a:t>
             </a:fld>
             <a:endParaRPr lang="en-GB"/>
           </a:p>
@@ -2982,7 +3164,7 @@
           <a:p>
             <a:fld id="{A3AAA307-BC5C-435E-9F75-3D6007B651A5}" type="slidenum">
               <a:rPr lang="en-GB" smtClean="0"/>
-              <a:t>‹nr.›</a:t>
+              <a:t>‹#›</a:t>
             </a:fld>
             <a:endParaRPr lang="en-GB"/>
           </a:p>
@@ -3254,7 +3436,7 @@
           <a:p>
             <a:fld id="{985FFA6F-4E44-4FFF-8438-72F8C12480C0}" type="datetime1">
               <a:rPr lang="en-GB" smtClean="0"/>
-              <a:t>24/11/2015</a:t>
+              <a:t>27/11/2015</a:t>
             </a:fld>
             <a:endParaRPr lang="en-GB"/>
           </a:p>
@@ -3300,7 +3482,7 @@
           <a:p>
             <a:fld id="{A3AAA307-BC5C-435E-9F75-3D6007B651A5}" type="slidenum">
               <a:rPr lang="en-GB" smtClean="0"/>
-              <a:t>‹nr.›</a:t>
+              <a:t>‹#›</a:t>
             </a:fld>
             <a:endParaRPr lang="en-GB"/>
           </a:p>
@@ -3645,7 +3827,7 @@
           <a:p>
             <a:fld id="{0FE2A402-423D-46A5-A84B-DE8AE28FF9A2}" type="datetime1">
               <a:rPr lang="en-GB" smtClean="0"/>
-              <a:t>24/11/2015</a:t>
+              <a:t>27/11/2015</a:t>
             </a:fld>
             <a:endParaRPr lang="en-GB"/>
           </a:p>
@@ -3691,7 +3873,7 @@
           <a:p>
             <a:fld id="{A3AAA307-BC5C-435E-9F75-3D6007B651A5}" type="slidenum">
               <a:rPr lang="en-GB" smtClean="0"/>
-              <a:t>‹nr.›</a:t>
+              <a:t>‹#›</a:t>
             </a:fld>
             <a:endParaRPr lang="en-GB"/>
           </a:p>
@@ -3819,7 +4001,7 @@
           <a:p>
             <a:fld id="{CABAFFD1-C744-4D75-8698-084F48DC1B34}" type="datetime1">
               <a:rPr lang="en-GB" smtClean="0"/>
-              <a:t>24/11/2015</a:t>
+              <a:t>27/11/2015</a:t>
             </a:fld>
             <a:endParaRPr lang="en-GB"/>
           </a:p>
@@ -3865,7 +4047,7 @@
           <a:p>
             <a:fld id="{A3AAA307-BC5C-435E-9F75-3D6007B651A5}" type="slidenum">
               <a:rPr lang="en-GB" smtClean="0"/>
-              <a:t>‹nr.›</a:t>
+              <a:t>‹#›</a:t>
             </a:fld>
             <a:endParaRPr lang="en-GB"/>
           </a:p>
@@ -4003,7 +4185,7 @@
           <a:p>
             <a:fld id="{DDA8C081-BC04-4297-BB91-711CD8835088}" type="datetime1">
               <a:rPr lang="en-GB" smtClean="0"/>
-              <a:t>24/11/2015</a:t>
+              <a:t>27/11/2015</a:t>
             </a:fld>
             <a:endParaRPr lang="en-GB"/>
           </a:p>
@@ -4049,7 +4231,7 @@
           <a:p>
             <a:fld id="{A3AAA307-BC5C-435E-9F75-3D6007B651A5}" type="slidenum">
               <a:rPr lang="en-GB" smtClean="0"/>
-              <a:t>‹nr.›</a:t>
+              <a:t>‹#›</a:t>
             </a:fld>
             <a:endParaRPr lang="en-GB"/>
           </a:p>
@@ -4177,7 +4359,7 @@
           <a:p>
             <a:fld id="{4B980FDB-A4CD-4E5B-BA6C-465188180A5C}" type="datetime1">
               <a:rPr lang="en-GB" smtClean="0"/>
-              <a:t>24/11/2015</a:t>
+              <a:t>27/11/2015</a:t>
             </a:fld>
             <a:endParaRPr lang="en-GB"/>
           </a:p>
@@ -4223,7 +4405,7 @@
           <a:p>
             <a:fld id="{A3AAA307-BC5C-435E-9F75-3D6007B651A5}" type="slidenum">
               <a:rPr lang="en-GB" smtClean="0"/>
-              <a:t>‹nr.›</a:t>
+              <a:t>‹#›</a:t>
             </a:fld>
             <a:endParaRPr lang="en-GB"/>
           </a:p>
@@ -4428,7 +4610,7 @@
           <a:p>
             <a:fld id="{31207884-C9B3-4942-B890-F2D12B5BDB87}" type="datetime1">
               <a:rPr lang="en-GB" smtClean="0"/>
-              <a:t>24/11/2015</a:t>
+              <a:t>27/11/2015</a:t>
             </a:fld>
             <a:endParaRPr lang="en-GB"/>
           </a:p>
@@ -4474,7 +4656,7 @@
           <a:p>
             <a:fld id="{A3AAA307-BC5C-435E-9F75-3D6007B651A5}" type="slidenum">
               <a:rPr lang="en-GB" smtClean="0"/>
-              <a:t>‹nr.›</a:t>
+              <a:t>‹#›</a:t>
             </a:fld>
             <a:endParaRPr lang="en-GB"/>
           </a:p>
@@ -4664,7 +4846,7 @@
           <a:p>
             <a:fld id="{1C75798C-1DA7-40AA-A620-785252D8497D}" type="datetime1">
               <a:rPr lang="en-GB" smtClean="0"/>
-              <a:t>24/11/2015</a:t>
+              <a:t>27/11/2015</a:t>
             </a:fld>
             <a:endParaRPr lang="en-GB"/>
           </a:p>
@@ -4710,7 +4892,7 @@
           <a:p>
             <a:fld id="{A3AAA307-BC5C-435E-9F75-3D6007B651A5}" type="slidenum">
               <a:rPr lang="en-GB" smtClean="0"/>
-              <a:t>‹nr.›</a:t>
+              <a:t>‹#›</a:t>
             </a:fld>
             <a:endParaRPr lang="en-GB"/>
           </a:p>
@@ -5042,7 +5224,7 @@
           <a:p>
             <a:fld id="{B66453DC-107F-4A9A-BEF0-76791AC6B4A0}" type="datetime1">
               <a:rPr lang="en-GB" smtClean="0"/>
-              <a:t>24/11/2015</a:t>
+              <a:t>27/11/2015</a:t>
             </a:fld>
             <a:endParaRPr lang="en-GB"/>
           </a:p>
@@ -5088,7 +5270,7 @@
           <a:p>
             <a:fld id="{A3AAA307-BC5C-435E-9F75-3D6007B651A5}" type="slidenum">
               <a:rPr lang="en-GB" smtClean="0"/>
-              <a:t>‹nr.›</a:t>
+              <a:t>‹#›</a:t>
             </a:fld>
             <a:endParaRPr lang="en-GB"/>
           </a:p>
@@ -5169,7 +5351,7 @@
           <a:p>
             <a:fld id="{25162955-98BD-452E-B71D-5F12575AB8BF}" type="datetime1">
               <a:rPr lang="en-GB" smtClean="0"/>
-              <a:t>24/11/2015</a:t>
+              <a:t>27/11/2015</a:t>
             </a:fld>
             <a:endParaRPr lang="en-GB"/>
           </a:p>
@@ -5215,7 +5397,7 @@
           <a:p>
             <a:fld id="{A3AAA307-BC5C-435E-9F75-3D6007B651A5}" type="slidenum">
               <a:rPr lang="en-GB" smtClean="0"/>
-              <a:t>‹nr.›</a:t>
+              <a:t>‹#›</a:t>
             </a:fld>
             <a:endParaRPr lang="en-GB"/>
           </a:p>
@@ -5268,7 +5450,7 @@
           <a:p>
             <a:fld id="{06EADDA7-FDA9-485A-86A5-FF5B5DD69C2D}" type="datetime1">
               <a:rPr lang="en-GB" smtClean="0"/>
-              <a:t>24/11/2015</a:t>
+              <a:t>27/11/2015</a:t>
             </a:fld>
             <a:endParaRPr lang="en-GB"/>
           </a:p>
@@ -5314,7 +5496,7 @@
           <a:p>
             <a:fld id="{A3AAA307-BC5C-435E-9F75-3D6007B651A5}" type="slidenum">
               <a:rPr lang="en-GB" smtClean="0"/>
-              <a:t>‹nr.›</a:t>
+              <a:t>‹#›</a:t>
             </a:fld>
             <a:endParaRPr lang="en-GB"/>
           </a:p>
@@ -5527,7 +5709,7 @@
           <a:p>
             <a:fld id="{E2B93D5D-7FC4-4D8A-9BAD-C98F79CE46DC}" type="datetime1">
               <a:rPr lang="en-GB" smtClean="0"/>
-              <a:t>24/11/2015</a:t>
+              <a:t>27/11/2015</a:t>
             </a:fld>
             <a:endParaRPr lang="en-GB"/>
           </a:p>
@@ -5573,7 +5755,7 @@
           <a:p>
             <a:fld id="{A3AAA307-BC5C-435E-9F75-3D6007B651A5}" type="slidenum">
               <a:rPr lang="en-GB" smtClean="0"/>
-              <a:t>‹nr.›</a:t>
+              <a:t>‹#›</a:t>
             </a:fld>
             <a:endParaRPr lang="en-GB"/>
           </a:p>
@@ -5794,7 +5976,7 @@
           <a:p>
             <a:fld id="{D55A4A97-4E5F-46D7-9647-5FE6B0C346BC}" type="datetime1">
               <a:rPr lang="en-GB" smtClean="0"/>
-              <a:t>24/11/2015</a:t>
+              <a:t>27/11/2015</a:t>
             </a:fld>
             <a:endParaRPr lang="en-GB"/>
           </a:p>
@@ -5840,7 +6022,7 @@
           <a:p>
             <a:fld id="{A3AAA307-BC5C-435E-9F75-3D6007B651A5}" type="slidenum">
               <a:rPr lang="en-GB" smtClean="0"/>
-              <a:t>‹nr.›</a:t>
+              <a:t>‹#›</a:t>
             </a:fld>
             <a:endParaRPr lang="en-GB"/>
           </a:p>
@@ -6543,7 +6725,7 @@
           <a:p>
             <a:fld id="{3B83D8CA-1F22-463B-9C68-D73A516EA308}" type="datetime1">
               <a:rPr lang="en-GB" smtClean="0"/>
-              <a:t>24/11/2015</a:t>
+              <a:t>27/11/2015</a:t>
             </a:fld>
             <a:endParaRPr lang="en-GB"/>
           </a:p>
@@ -6625,7 +6807,7 @@
           <a:p>
             <a:fld id="{A3AAA307-BC5C-435E-9F75-3D6007B651A5}" type="slidenum">
               <a:rPr lang="en-GB" smtClean="0"/>
-              <a:t>‹nr.›</a:t>
+              <a:t>‹#›</a:t>
             </a:fld>
             <a:endParaRPr lang="en-GB"/>
           </a:p>
@@ -17142,7 +17324,7 @@
           <p:nvPr/>
         </p:nvPicPr>
         <p:blipFill>
-          <a:blip r:embed="rId2">
+          <a:blip r:embed="rId3">
             <a:extLst>
               <a:ext uri="{28A0092B-C50C-407E-A947-70E740481C1C}">
                 <a14:useLocalDpi xmlns:a14="http://schemas.microsoft.com/office/drawing/2010/main" val="0"/>
@@ -20059,218 +20241,6 @@
           <a:p>
             <a:r>
               <a:rPr lang="en-GB" dirty="0" smtClean="0"/>
-              <a:t>Lists, stacks, queues in the JCF </a:t>
-            </a:r>
-            <a:endParaRPr lang="en-GB" dirty="0"/>
-          </a:p>
-        </p:txBody>
-      </p:sp>
-      <p:sp>
-        <p:nvSpPr>
-          <p:cNvPr id="3" name="Content Placeholder 2"/>
-          <p:cNvSpPr>
-            <a:spLocks noGrp="1"/>
-          </p:cNvSpPr>
-          <p:nvPr>
-            <p:ph idx="1"/>
-          </p:nvPr>
-        </p:nvSpPr>
-        <p:spPr/>
-        <p:txBody>
-          <a:bodyPr/>
-          <a:lstStyle/>
-          <a:p>
-            <a:r>
-              <a:rPr lang="en-GB" dirty="0">
-                <a:hlinkClick r:id="rId2"/>
-              </a:rPr>
-              <a:t>http://en.wikipedia.org/wiki/Java_collections_framework</a:t>
-            </a:r>
-            <a:endParaRPr lang="en-GB" dirty="0" smtClean="0">
-              <a:hlinkClick r:id="rId2"/>
-            </a:endParaRPr>
-          </a:p>
-          <a:p>
-            <a:endParaRPr lang="en-GB" dirty="0">
-              <a:hlinkClick r:id="rId2"/>
-            </a:endParaRPr>
-          </a:p>
-          <a:p>
-            <a:r>
-              <a:rPr lang="en-GB" dirty="0" smtClean="0">
-                <a:hlinkClick r:id="rId2"/>
-              </a:rPr>
-              <a:t>http</a:t>
-            </a:r>
-            <a:r>
-              <a:rPr lang="en-GB" dirty="0">
-                <a:hlinkClick r:id="rId2"/>
-              </a:rPr>
-              <a:t>://</a:t>
-            </a:r>
-            <a:r>
-              <a:rPr lang="en-GB" dirty="0" smtClean="0">
-                <a:hlinkClick r:id="rId2"/>
-              </a:rPr>
-              <a:t>newton.ncc.edu/grahamf/csc130/JCF.pdf</a:t>
-            </a:r>
-            <a:r>
-              <a:rPr lang="en-GB" dirty="0" smtClean="0"/>
-              <a:t> </a:t>
-            </a:r>
-          </a:p>
-          <a:p>
-            <a:pPr marL="0" indent="0">
-              <a:buNone/>
-            </a:pPr>
-            <a:endParaRPr lang="en-GB" dirty="0"/>
-          </a:p>
-          <a:p>
-            <a:r>
-              <a:rPr lang="en-GB" dirty="0">
-                <a:hlinkClick r:id="rId3"/>
-              </a:rPr>
-              <a:t>http://</a:t>
-            </a:r>
-            <a:r>
-              <a:rPr lang="en-GB" dirty="0" smtClean="0">
-                <a:hlinkClick r:id="rId3"/>
-              </a:rPr>
-              <a:t>docs.oracle.com/javase/8/docs/api/java/util/Stack.html</a:t>
-            </a:r>
-            <a:endParaRPr lang="en-GB" dirty="0" smtClean="0"/>
-          </a:p>
-          <a:p>
-            <a:r>
-              <a:rPr lang="en-GB" dirty="0">
-                <a:hlinkClick r:id="rId4"/>
-              </a:rPr>
-              <a:t>http://</a:t>
-            </a:r>
-            <a:r>
-              <a:rPr lang="en-GB" dirty="0" smtClean="0">
-                <a:hlinkClick r:id="rId4"/>
-              </a:rPr>
-              <a:t>docs.oracle.com/javase/8/docs/api/java/util/Queue.html</a:t>
-            </a:r>
-            <a:endParaRPr lang="en-GB" dirty="0" smtClean="0"/>
-          </a:p>
-          <a:p>
-            <a:r>
-              <a:rPr lang="en-GB" dirty="0">
-                <a:hlinkClick r:id="rId5"/>
-              </a:rPr>
-              <a:t>http://</a:t>
-            </a:r>
-            <a:r>
-              <a:rPr lang="en-GB" dirty="0" smtClean="0">
-                <a:hlinkClick r:id="rId5"/>
-              </a:rPr>
-              <a:t>docs.oracle.com/javase/8/docs/api/java/util/List.html</a:t>
-            </a:r>
-            <a:r>
-              <a:rPr lang="en-GB" dirty="0" smtClean="0"/>
-              <a:t> </a:t>
-            </a:r>
-          </a:p>
-          <a:p>
-            <a:r>
-              <a:rPr lang="en-GB" dirty="0">
-                <a:hlinkClick r:id="rId6"/>
-              </a:rPr>
-              <a:t>http://</a:t>
-            </a:r>
-            <a:r>
-              <a:rPr lang="en-GB" dirty="0" smtClean="0">
-                <a:hlinkClick r:id="rId6"/>
-              </a:rPr>
-              <a:t>docs.oracle.com/javase/8/docs/api/java/util/LinkedList.html</a:t>
-            </a:r>
-            <a:r>
-              <a:rPr lang="en-GB" dirty="0" smtClean="0"/>
-              <a:t> </a:t>
-            </a:r>
-            <a:endParaRPr lang="en-GB" dirty="0"/>
-          </a:p>
-        </p:txBody>
-      </p:sp>
-      <p:sp>
-        <p:nvSpPr>
-          <p:cNvPr id="4" name="Footer Placeholder 3"/>
-          <p:cNvSpPr>
-            <a:spLocks noGrp="1"/>
-          </p:cNvSpPr>
-          <p:nvPr>
-            <p:ph type="ftr" sz="quarter" idx="11"/>
-          </p:nvPr>
-        </p:nvSpPr>
-        <p:spPr/>
-        <p:txBody>
-          <a:bodyPr/>
-          <a:lstStyle/>
-          <a:p>
-            <a:r>
-              <a:rPr lang="it-IT" smtClean="0"/>
-              <a:t>INFDEV026A - G. Costantini, F. Di Giacomo, G. Maggiore</a:t>
-            </a:r>
-            <a:endParaRPr lang="en-GB"/>
-          </a:p>
-        </p:txBody>
-      </p:sp>
-    </p:spTree>
-    <p:extLst>
-      <p:ext uri="{BB962C8B-B14F-4D97-AF65-F5344CB8AC3E}">
-        <p14:creationId xmlns:p14="http://schemas.microsoft.com/office/powerpoint/2010/main" val="3397065253"/>
-      </p:ext>
-    </p:extLst>
-  </p:cSld>
-  <p:clrMapOvr>
-    <a:masterClrMapping/>
-  </p:clrMapOvr>
-  <p:timing>
-    <p:tnLst>
-      <p:par>
-        <p:cTn id="1" dur="indefinite" restart="never" nodeType="tmRoot"/>
-      </p:par>
-    </p:tnLst>
-  </p:timing>
-</p:sld>
-</file>
-
-<file path=ppt/slides/slide36.xml><?xml version="1.0" encoding="utf-8"?>
-<p:sld xmlns:a="http://schemas.openxmlformats.org/drawingml/2006/main" xmlns:r="http://schemas.openxmlformats.org/officeDocument/2006/relationships" xmlns:p="http://schemas.openxmlformats.org/presentationml/2006/main">
-  <p:cSld>
-    <p:spTree>
-      <p:nvGrpSpPr>
-        <p:cNvPr id="1" name=""/>
-        <p:cNvGrpSpPr/>
-        <p:nvPr/>
-      </p:nvGrpSpPr>
-      <p:grpSpPr>
-        <a:xfrm>
-          <a:off x="0" y="0"/>
-          <a:ext cx="0" cy="0"/>
-          <a:chOff x="0" y="0"/>
-          <a:chExt cx="0" cy="0"/>
-        </a:xfrm>
-      </p:grpSpPr>
-      <p:sp>
-        <p:nvSpPr>
-          <p:cNvPr id="2" name="Title 1"/>
-          <p:cNvSpPr>
-            <a:spLocks noGrp="1"/>
-          </p:cNvSpPr>
-          <p:nvPr>
-            <p:ph type="title"/>
-          </p:nvPr>
-        </p:nvSpPr>
-        <p:spPr/>
-        <p:txBody>
-          <a:bodyPr/>
-          <a:lstStyle/>
-          <a:p>
-            <a:r>
-              <a:rPr lang="en-GB" dirty="0" smtClean="0"/>
               <a:t>Lists, stacks, queues in .NET </a:t>
             </a:r>
             <a:endParaRPr lang="en-GB" dirty="0"/>
@@ -20429,7 +20399,7 @@
 </p:sld>
 </file>
 
-<file path=ppt/slides/slide37.xml><?xml version="1.0" encoding="utf-8"?>
+<file path=ppt/slides/slide36.xml><?xml version="1.0" encoding="utf-8"?>
 <p:sld xmlns:a="http://schemas.openxmlformats.org/drawingml/2006/main" xmlns:r="http://schemas.openxmlformats.org/officeDocument/2006/relationships" xmlns:p="http://schemas.openxmlformats.org/presentationml/2006/main">
   <p:cSld>
     <p:spTree>
@@ -20679,7 +20649,7 @@
 </p:sld>
 </file>
 
-<file path=ppt/slides/slide38.xml><?xml version="1.0" encoding="utf-8"?>
+<file path=ppt/slides/slide37.xml><?xml version="1.0" encoding="utf-8"?>
 <p:sld xmlns:a="http://schemas.openxmlformats.org/drawingml/2006/main" xmlns:r="http://schemas.openxmlformats.org/officeDocument/2006/relationships" xmlns:p="http://schemas.openxmlformats.org/presentationml/2006/main">
   <p:cSld>
     <p:spTree>
@@ -20797,7 +20767,7 @@
 </p:sld>
 </file>
 
-<file path=ppt/slides/slide39.xml><?xml version="1.0" encoding="utf-8"?>
+<file path=ppt/slides/slide38.xml><?xml version="1.0" encoding="utf-8"?>
 <p:sld xmlns:a="http://schemas.openxmlformats.org/drawingml/2006/main" xmlns:r="http://schemas.openxmlformats.org/officeDocument/2006/relationships" xmlns:p="http://schemas.openxmlformats.org/presentationml/2006/main">
   <p:cSld>
     <p:spTree>
@@ -21034,6 +21004,302 @@
     <p:extLst>
       <p:ext uri="{BB962C8B-B14F-4D97-AF65-F5344CB8AC3E}">
         <p14:creationId xmlns:p14="http://schemas.microsoft.com/office/powerpoint/2010/main" val="1531513538"/>
+      </p:ext>
+    </p:extLst>
+  </p:cSld>
+  <p:clrMapOvr>
+    <a:masterClrMapping/>
+  </p:clrMapOvr>
+  <p:timing>
+    <p:tnLst>
+      <p:par>
+        <p:cTn id="1" dur="indefinite" restart="never" nodeType="tmRoot"/>
+      </p:par>
+    </p:tnLst>
+  </p:timing>
+</p:sld>
+</file>
+
+<file path=ppt/slides/slide39.xml><?xml version="1.0" encoding="utf-8"?>
+<p:sld xmlns:a="http://schemas.openxmlformats.org/drawingml/2006/main" xmlns:r="http://schemas.openxmlformats.org/officeDocument/2006/relationships" xmlns:p="http://schemas.openxmlformats.org/presentationml/2006/main">
+  <p:cSld>
+    <p:spTree>
+      <p:nvGrpSpPr>
+        <p:cNvPr id="1" name=""/>
+        <p:cNvGrpSpPr/>
+        <p:nvPr/>
+      </p:nvGrpSpPr>
+      <p:grpSpPr>
+        <a:xfrm>
+          <a:off x="0" y="0"/>
+          <a:ext cx="0" cy="0"/>
+          <a:chOff x="0" y="0"/>
+          <a:chExt cx="0" cy="0"/>
+        </a:xfrm>
+      </p:grpSpPr>
+      <p:sp>
+        <p:nvSpPr>
+          <p:cNvPr id="2" name="Title 1"/>
+          <p:cNvSpPr>
+            <a:spLocks noGrp="1"/>
+          </p:cNvSpPr>
+          <p:nvPr>
+            <p:ph type="title"/>
+          </p:nvPr>
+        </p:nvSpPr>
+        <p:spPr/>
+        <p:txBody>
+          <a:bodyPr/>
+          <a:lstStyle/>
+          <a:p>
+            <a:r>
+              <a:rPr lang="en-GB" dirty="0" smtClean="0"/>
+              <a:t>Hash table - Definition </a:t>
+            </a:r>
+            <a:endParaRPr lang="en-GB" dirty="0"/>
+          </a:p>
+        </p:txBody>
+      </p:sp>
+      <p:sp>
+        <p:nvSpPr>
+          <p:cNvPr id="3" name="Content Placeholder 2"/>
+          <p:cNvSpPr>
+            <a:spLocks noGrp="1"/>
+          </p:cNvSpPr>
+          <p:nvPr>
+            <p:ph idx="1"/>
+          </p:nvPr>
+        </p:nvSpPr>
+        <p:spPr/>
+        <p:txBody>
+          <a:bodyPr/>
+          <a:lstStyle/>
+          <a:p>
+            <a:r>
+              <a:rPr lang="en-US" dirty="0" smtClean="0"/>
+              <a:t>Hash </a:t>
+            </a:r>
+            <a:r>
+              <a:rPr lang="en-US" dirty="0"/>
+              <a:t>table </a:t>
+            </a:r>
+            <a:r>
+              <a:rPr lang="en-US" dirty="0" smtClean="0">
+                <a:sym typeface="Wingdings" panose="05000000000000000000" pitchFamily="2" charset="2"/>
+              </a:rPr>
+              <a:t> </a:t>
+            </a:r>
+            <a:r>
+              <a:rPr lang="en-US" dirty="0" smtClean="0"/>
+              <a:t>data </a:t>
+            </a:r>
+            <a:r>
+              <a:rPr lang="en-US" dirty="0"/>
+              <a:t>structure used to implement an </a:t>
+            </a:r>
+            <a:r>
+              <a:rPr lang="en-US" i="1" dirty="0"/>
+              <a:t>associative array</a:t>
+            </a:r>
+            <a:r>
+              <a:rPr lang="en-US" dirty="0"/>
+              <a:t>, a structure that can </a:t>
+            </a:r>
+            <a:r>
+              <a:rPr lang="en-US" u="sng" dirty="0"/>
+              <a:t>map keys to </a:t>
+            </a:r>
+            <a:r>
+              <a:rPr lang="en-US" u="sng" dirty="0" smtClean="0"/>
+              <a:t>values</a:t>
+            </a:r>
+          </a:p>
+          <a:p>
+            <a:r>
+              <a:rPr lang="en-US" dirty="0"/>
+              <a:t>Hash table </a:t>
+            </a:r>
+            <a:r>
+              <a:rPr lang="en-US" dirty="0" smtClean="0">
+                <a:sym typeface="Wingdings" panose="05000000000000000000" pitchFamily="2" charset="2"/>
+              </a:rPr>
+              <a:t> </a:t>
+            </a:r>
+            <a:r>
+              <a:rPr lang="en-US" dirty="0" smtClean="0"/>
+              <a:t>container </a:t>
+            </a:r>
+            <a:r>
+              <a:rPr lang="en-US" dirty="0"/>
+              <a:t>that allows direct access by any index </a:t>
+            </a:r>
+            <a:r>
+              <a:rPr lang="en-US" dirty="0" smtClean="0"/>
+              <a:t>type: </a:t>
+            </a:r>
+            <a:r>
+              <a:rPr lang="en-US" dirty="0"/>
+              <a:t>i</a:t>
+            </a:r>
+            <a:r>
+              <a:rPr lang="en-US" dirty="0" smtClean="0"/>
+              <a:t>t </a:t>
+            </a:r>
+            <a:r>
+              <a:rPr lang="en-US" dirty="0"/>
+              <a:t>works like an array or vector except that the index variable need not be an integer </a:t>
+            </a:r>
+            <a:endParaRPr lang="en-US" dirty="0" smtClean="0"/>
+          </a:p>
+          <a:p>
+            <a:pPr marL="742950" lvl="2" indent="-342900"/>
+            <a:r>
+              <a:rPr lang="en-US" dirty="0"/>
+              <a:t>Also called: </a:t>
+            </a:r>
+            <a:r>
+              <a:rPr lang="en-US" dirty="0" smtClean="0"/>
+              <a:t>hash map</a:t>
+            </a:r>
+            <a:r>
+              <a:rPr lang="en-US" dirty="0"/>
+              <a:t>, lookup table, associative array, </a:t>
+            </a:r>
+            <a:r>
+              <a:rPr lang="en-US" dirty="0" smtClean="0"/>
+              <a:t>dictionary</a:t>
+            </a:r>
+          </a:p>
+          <a:p>
+            <a:pPr marL="742950" lvl="2" indent="-342900"/>
+            <a:r>
+              <a:rPr lang="en-US" dirty="0" smtClean="0"/>
+              <a:t>Analogy with the dictionary: index </a:t>
+            </a:r>
+            <a:r>
+              <a:rPr lang="en-US" dirty="0"/>
+              <a:t>=</a:t>
+            </a:r>
+            <a:r>
+              <a:rPr lang="en-US" dirty="0" smtClean="0"/>
+              <a:t> word to look up; value indexed = dictionary definition</a:t>
+            </a:r>
+            <a:endParaRPr lang="en-GB" dirty="0"/>
+          </a:p>
+          <a:p>
+            <a:endParaRPr lang="en-US" dirty="0" smtClean="0"/>
+          </a:p>
+          <a:p>
+            <a:r>
+              <a:rPr lang="en-US" dirty="0" smtClean="0"/>
+              <a:t>Entries of a hash table are called “</a:t>
+            </a:r>
+            <a:r>
+              <a:rPr lang="en-US" b="1" dirty="0" smtClean="0"/>
+              <a:t>key-value</a:t>
+            </a:r>
+            <a:r>
+              <a:rPr lang="en-US" dirty="0" smtClean="0"/>
+              <a:t>” pairs</a:t>
+            </a:r>
+          </a:p>
+          <a:p>
+            <a:pPr lvl="1"/>
+            <a:r>
+              <a:rPr lang="en-US" i="1" dirty="0" smtClean="0"/>
+              <a:t>Key </a:t>
+            </a:r>
+            <a:r>
+              <a:rPr lang="en-US" dirty="0" smtClean="0">
+                <a:sym typeface="Wingdings" panose="05000000000000000000" pitchFamily="2" charset="2"/>
+              </a:rPr>
+              <a:t> index into the table </a:t>
+            </a:r>
+          </a:p>
+          <a:p>
+            <a:pPr lvl="1"/>
+            <a:r>
+              <a:rPr lang="en-US" i="1" dirty="0" smtClean="0">
+                <a:sym typeface="Wingdings" panose="05000000000000000000" pitchFamily="2" charset="2"/>
+              </a:rPr>
+              <a:t>Value </a:t>
+            </a:r>
+            <a:r>
+              <a:rPr lang="en-US" dirty="0" smtClean="0">
+                <a:sym typeface="Wingdings" panose="05000000000000000000" pitchFamily="2" charset="2"/>
+              </a:rPr>
+              <a:t> information being looked up </a:t>
+            </a:r>
+            <a:endParaRPr lang="en-US" dirty="0" smtClean="0"/>
+          </a:p>
+        </p:txBody>
+      </p:sp>
+      <p:sp>
+        <p:nvSpPr>
+          <p:cNvPr id="4" name="Footer Placeholder 3"/>
+          <p:cNvSpPr>
+            <a:spLocks noGrp="1"/>
+          </p:cNvSpPr>
+          <p:nvPr>
+            <p:ph type="ftr" sz="quarter" idx="11"/>
+          </p:nvPr>
+        </p:nvSpPr>
+        <p:spPr/>
+        <p:txBody>
+          <a:bodyPr/>
+          <a:lstStyle/>
+          <a:p>
+            <a:r>
+              <a:rPr lang="it-IT" smtClean="0"/>
+              <a:t>INFDEV026A - G. Costantini, F. Di Giacomo, G. Maggiore</a:t>
+            </a:r>
+            <a:endParaRPr lang="en-GB"/>
+          </a:p>
+        </p:txBody>
+      </p:sp>
+      <p:pic>
+        <p:nvPicPr>
+          <p:cNvPr id="1026" name="Picture 2" descr="http://s.s-bol.com/imgbase0/imagebase/large/FC/8/7/9/0/1001004002820978.jpg"/>
+          <p:cNvPicPr>
+            <a:picLocks noChangeAspect="1" noChangeArrowheads="1"/>
+          </p:cNvPicPr>
+          <p:nvPr/>
+        </p:nvPicPr>
+        <p:blipFill rotWithShape="1">
+          <a:blip r:embed="rId2" cstate="print">
+            <a:extLst>
+              <a:ext uri="{28A0092B-C50C-407E-A947-70E740481C1C}">
+                <a14:useLocalDpi xmlns:a14="http://schemas.microsoft.com/office/drawing/2010/main" val="0"/>
+              </a:ext>
+            </a:extLst>
+          </a:blip>
+          <a:srcRect l="9923"/>
+          <a:stretch/>
+        </p:blipFill>
+        <p:spPr bwMode="auto">
+          <a:xfrm>
+            <a:off x="5671595" y="379411"/>
+            <a:ext cx="1083432" cy="1344935"/>
+          </a:xfrm>
+          <a:prstGeom prst="rect">
+            <a:avLst/>
+          </a:prstGeom>
+          <a:noFill/>
+          <a:extLst>
+            <a:ext uri="{909E8E84-426E-40DD-AFC4-6F175D3DCCD1}">
+              <a14:hiddenFill xmlns:a14="http://schemas.microsoft.com/office/drawing/2010/main">
+                <a:solidFill>
+                  <a:srgbClr val="FFFFFF"/>
+                </a:solidFill>
+              </a14:hiddenFill>
+            </a:ext>
+          </a:extLst>
+        </p:spPr>
+      </p:pic>
+    </p:spTree>
+    <p:extLst>
+      <p:ext uri="{BB962C8B-B14F-4D97-AF65-F5344CB8AC3E}">
+        <p14:creationId xmlns:p14="http://schemas.microsoft.com/office/powerpoint/2010/main" val="3997997571"/>
       </p:ext>
     </p:extLst>
   </p:cSld>
@@ -21206,302 +21472,6 @@
           <a:p>
             <a:r>
               <a:rPr lang="en-US" dirty="0" smtClean="0"/>
-              <a:t>Hash </a:t>
-            </a:r>
-            <a:r>
-              <a:rPr lang="en-US" dirty="0"/>
-              <a:t>table </a:t>
-            </a:r>
-            <a:r>
-              <a:rPr lang="en-US" dirty="0" smtClean="0">
-                <a:sym typeface="Wingdings" panose="05000000000000000000" pitchFamily="2" charset="2"/>
-              </a:rPr>
-              <a:t> </a:t>
-            </a:r>
-            <a:r>
-              <a:rPr lang="en-US" dirty="0" smtClean="0"/>
-              <a:t>data </a:t>
-            </a:r>
-            <a:r>
-              <a:rPr lang="en-US" dirty="0"/>
-              <a:t>structure used to implement an </a:t>
-            </a:r>
-            <a:r>
-              <a:rPr lang="en-US" i="1" dirty="0"/>
-              <a:t>associative array</a:t>
-            </a:r>
-            <a:r>
-              <a:rPr lang="en-US" dirty="0"/>
-              <a:t>, a structure that can </a:t>
-            </a:r>
-            <a:r>
-              <a:rPr lang="en-US" u="sng" dirty="0"/>
-              <a:t>map keys to </a:t>
-            </a:r>
-            <a:r>
-              <a:rPr lang="en-US" u="sng" dirty="0" smtClean="0"/>
-              <a:t>values</a:t>
-            </a:r>
-          </a:p>
-          <a:p>
-            <a:r>
-              <a:rPr lang="en-US" dirty="0"/>
-              <a:t>Hash table </a:t>
-            </a:r>
-            <a:r>
-              <a:rPr lang="en-US" dirty="0" smtClean="0">
-                <a:sym typeface="Wingdings" panose="05000000000000000000" pitchFamily="2" charset="2"/>
-              </a:rPr>
-              <a:t> </a:t>
-            </a:r>
-            <a:r>
-              <a:rPr lang="en-US" dirty="0" smtClean="0"/>
-              <a:t>container </a:t>
-            </a:r>
-            <a:r>
-              <a:rPr lang="en-US" dirty="0"/>
-              <a:t>that allows direct access by any index </a:t>
-            </a:r>
-            <a:r>
-              <a:rPr lang="en-US" dirty="0" smtClean="0"/>
-              <a:t>type: </a:t>
-            </a:r>
-            <a:r>
-              <a:rPr lang="en-US" dirty="0"/>
-              <a:t>i</a:t>
-            </a:r>
-            <a:r>
-              <a:rPr lang="en-US" dirty="0" smtClean="0"/>
-              <a:t>t </a:t>
-            </a:r>
-            <a:r>
-              <a:rPr lang="en-US" dirty="0"/>
-              <a:t>works like an array or vector except that the index variable need not be an integer </a:t>
-            </a:r>
-            <a:endParaRPr lang="en-US" dirty="0" smtClean="0"/>
-          </a:p>
-          <a:p>
-            <a:pPr marL="742950" lvl="2" indent="-342900"/>
-            <a:r>
-              <a:rPr lang="en-US" dirty="0"/>
-              <a:t>Also called: </a:t>
-            </a:r>
-            <a:r>
-              <a:rPr lang="en-US" dirty="0" smtClean="0"/>
-              <a:t>hash map</a:t>
-            </a:r>
-            <a:r>
-              <a:rPr lang="en-US" dirty="0"/>
-              <a:t>, lookup table, associative array, </a:t>
-            </a:r>
-            <a:r>
-              <a:rPr lang="en-US" dirty="0" smtClean="0"/>
-              <a:t>dictionary</a:t>
-            </a:r>
-          </a:p>
-          <a:p>
-            <a:pPr marL="742950" lvl="2" indent="-342900"/>
-            <a:r>
-              <a:rPr lang="en-US" dirty="0" smtClean="0"/>
-              <a:t>Analogy with the dictionary: index </a:t>
-            </a:r>
-            <a:r>
-              <a:rPr lang="en-US" dirty="0"/>
-              <a:t>=</a:t>
-            </a:r>
-            <a:r>
-              <a:rPr lang="en-US" dirty="0" smtClean="0"/>
-              <a:t> word to look up; value indexed = dictionary definition</a:t>
-            </a:r>
-            <a:endParaRPr lang="en-GB" dirty="0"/>
-          </a:p>
-          <a:p>
-            <a:endParaRPr lang="en-US" dirty="0" smtClean="0"/>
-          </a:p>
-          <a:p>
-            <a:r>
-              <a:rPr lang="en-US" dirty="0" smtClean="0"/>
-              <a:t>Entries of a hash table are called “</a:t>
-            </a:r>
-            <a:r>
-              <a:rPr lang="en-US" b="1" dirty="0" smtClean="0"/>
-              <a:t>key-value</a:t>
-            </a:r>
-            <a:r>
-              <a:rPr lang="en-US" dirty="0" smtClean="0"/>
-              <a:t>” pairs</a:t>
-            </a:r>
-          </a:p>
-          <a:p>
-            <a:pPr lvl="1"/>
-            <a:r>
-              <a:rPr lang="en-US" i="1" dirty="0" smtClean="0"/>
-              <a:t>Key </a:t>
-            </a:r>
-            <a:r>
-              <a:rPr lang="en-US" dirty="0" smtClean="0">
-                <a:sym typeface="Wingdings" panose="05000000000000000000" pitchFamily="2" charset="2"/>
-              </a:rPr>
-              <a:t> index into the table </a:t>
-            </a:r>
-          </a:p>
-          <a:p>
-            <a:pPr lvl="1"/>
-            <a:r>
-              <a:rPr lang="en-US" i="1" dirty="0" smtClean="0">
-                <a:sym typeface="Wingdings" panose="05000000000000000000" pitchFamily="2" charset="2"/>
-              </a:rPr>
-              <a:t>Value </a:t>
-            </a:r>
-            <a:r>
-              <a:rPr lang="en-US" dirty="0" smtClean="0">
-                <a:sym typeface="Wingdings" panose="05000000000000000000" pitchFamily="2" charset="2"/>
-              </a:rPr>
-              <a:t> information being looked up </a:t>
-            </a:r>
-            <a:endParaRPr lang="en-US" dirty="0" smtClean="0"/>
-          </a:p>
-        </p:txBody>
-      </p:sp>
-      <p:sp>
-        <p:nvSpPr>
-          <p:cNvPr id="4" name="Footer Placeholder 3"/>
-          <p:cNvSpPr>
-            <a:spLocks noGrp="1"/>
-          </p:cNvSpPr>
-          <p:nvPr>
-            <p:ph type="ftr" sz="quarter" idx="11"/>
-          </p:nvPr>
-        </p:nvSpPr>
-        <p:spPr/>
-        <p:txBody>
-          <a:bodyPr/>
-          <a:lstStyle/>
-          <a:p>
-            <a:r>
-              <a:rPr lang="it-IT" smtClean="0"/>
-              <a:t>INFDEV026A - G. Costantini, F. Di Giacomo, G. Maggiore</a:t>
-            </a:r>
-            <a:endParaRPr lang="en-GB"/>
-          </a:p>
-        </p:txBody>
-      </p:sp>
-      <p:pic>
-        <p:nvPicPr>
-          <p:cNvPr id="1026" name="Picture 2" descr="http://s.s-bol.com/imgbase0/imagebase/large/FC/8/7/9/0/1001004002820978.jpg"/>
-          <p:cNvPicPr>
-            <a:picLocks noChangeAspect="1" noChangeArrowheads="1"/>
-          </p:cNvPicPr>
-          <p:nvPr/>
-        </p:nvPicPr>
-        <p:blipFill rotWithShape="1">
-          <a:blip r:embed="rId2" cstate="print">
-            <a:extLst>
-              <a:ext uri="{28A0092B-C50C-407E-A947-70E740481C1C}">
-                <a14:useLocalDpi xmlns:a14="http://schemas.microsoft.com/office/drawing/2010/main" val="0"/>
-              </a:ext>
-            </a:extLst>
-          </a:blip>
-          <a:srcRect l="9923"/>
-          <a:stretch/>
-        </p:blipFill>
-        <p:spPr bwMode="auto">
-          <a:xfrm>
-            <a:off x="5671595" y="379411"/>
-            <a:ext cx="1083432" cy="1344935"/>
-          </a:xfrm>
-          <a:prstGeom prst="rect">
-            <a:avLst/>
-          </a:prstGeom>
-          <a:noFill/>
-          <a:extLst>
-            <a:ext uri="{909E8E84-426E-40DD-AFC4-6F175D3DCCD1}">
-              <a14:hiddenFill xmlns:a14="http://schemas.microsoft.com/office/drawing/2010/main">
-                <a:solidFill>
-                  <a:srgbClr val="FFFFFF"/>
-                </a:solidFill>
-              </a14:hiddenFill>
-            </a:ext>
-          </a:extLst>
-        </p:spPr>
-      </p:pic>
-    </p:spTree>
-    <p:extLst>
-      <p:ext uri="{BB962C8B-B14F-4D97-AF65-F5344CB8AC3E}">
-        <p14:creationId xmlns:p14="http://schemas.microsoft.com/office/powerpoint/2010/main" val="3997997571"/>
-      </p:ext>
-    </p:extLst>
-  </p:cSld>
-  <p:clrMapOvr>
-    <a:masterClrMapping/>
-  </p:clrMapOvr>
-  <p:timing>
-    <p:tnLst>
-      <p:par>
-        <p:cTn id="1" dur="indefinite" restart="never" nodeType="tmRoot"/>
-      </p:par>
-    </p:tnLst>
-  </p:timing>
-</p:sld>
-</file>
-
-<file path=ppt/slides/slide41.xml><?xml version="1.0" encoding="utf-8"?>
-<p:sld xmlns:a="http://schemas.openxmlformats.org/drawingml/2006/main" xmlns:r="http://schemas.openxmlformats.org/officeDocument/2006/relationships" xmlns:p="http://schemas.openxmlformats.org/presentationml/2006/main">
-  <p:cSld>
-    <p:spTree>
-      <p:nvGrpSpPr>
-        <p:cNvPr id="1" name=""/>
-        <p:cNvGrpSpPr/>
-        <p:nvPr/>
-      </p:nvGrpSpPr>
-      <p:grpSpPr>
-        <a:xfrm>
-          <a:off x="0" y="0"/>
-          <a:ext cx="0" cy="0"/>
-          <a:chOff x="0" y="0"/>
-          <a:chExt cx="0" cy="0"/>
-        </a:xfrm>
-      </p:grpSpPr>
-      <p:sp>
-        <p:nvSpPr>
-          <p:cNvPr id="2" name="Title 1"/>
-          <p:cNvSpPr>
-            <a:spLocks noGrp="1"/>
-          </p:cNvSpPr>
-          <p:nvPr>
-            <p:ph type="title"/>
-          </p:nvPr>
-        </p:nvSpPr>
-        <p:spPr/>
-        <p:txBody>
-          <a:bodyPr/>
-          <a:lstStyle/>
-          <a:p>
-            <a:r>
-              <a:rPr lang="en-GB" dirty="0" smtClean="0"/>
-              <a:t>Hash table - Definition </a:t>
-            </a:r>
-            <a:endParaRPr lang="en-GB" dirty="0"/>
-          </a:p>
-        </p:txBody>
-      </p:sp>
-      <p:sp>
-        <p:nvSpPr>
-          <p:cNvPr id="3" name="Content Placeholder 2"/>
-          <p:cNvSpPr>
-            <a:spLocks noGrp="1"/>
-          </p:cNvSpPr>
-          <p:nvPr>
-            <p:ph idx="1"/>
-          </p:nvPr>
-        </p:nvSpPr>
-        <p:spPr/>
-        <p:txBody>
-          <a:bodyPr/>
-          <a:lstStyle/>
-          <a:p>
-            <a:r>
-              <a:rPr lang="en-US" dirty="0" smtClean="0"/>
               <a:t>Hashing idea </a:t>
             </a:r>
             <a:r>
@@ -21671,7 +21641,7 @@
 </p:sld>
 </file>
 
-<file path=ppt/slides/slide42.xml><?xml version="1.0" encoding="utf-8"?>
+<file path=ppt/slides/slide41.xml><?xml version="1.0" encoding="utf-8"?>
 <p:sld xmlns:a="http://schemas.openxmlformats.org/drawingml/2006/main" xmlns:r="http://schemas.openxmlformats.org/officeDocument/2006/relationships" xmlns:p="http://schemas.openxmlformats.org/presentationml/2006/main">
   <p:cSld>
     <p:spTree>
@@ -22005,7 +21975,7 @@
 </p:sld>
 </file>
 
-<file path=ppt/slides/slide43.xml><?xml version="1.0" encoding="utf-8"?>
+<file path=ppt/slides/slide42.xml><?xml version="1.0" encoding="utf-8"?>
 <p:sld xmlns:a="http://schemas.openxmlformats.org/drawingml/2006/main" xmlns:r="http://schemas.openxmlformats.org/officeDocument/2006/relationships" xmlns:p="http://schemas.openxmlformats.org/presentationml/2006/main">
   <p:cSld>
     <p:spTree>
@@ -22248,7 +22218,7 @@
 </p:sld>
 </file>
 
-<file path=ppt/slides/slide44.xml><?xml version="1.0" encoding="utf-8"?>
+<file path=ppt/slides/slide43.xml><?xml version="1.0" encoding="utf-8"?>
 <p:sld xmlns:a="http://schemas.openxmlformats.org/drawingml/2006/main" xmlns:r="http://schemas.openxmlformats.org/officeDocument/2006/relationships" xmlns:p="http://schemas.openxmlformats.org/presentationml/2006/main">
   <p:cSld>
     <p:spTree>
@@ -23522,7 +23492,7 @@
 </p:sld>
 </file>
 
-<file path=ppt/slides/slide45.xml><?xml version="1.0" encoding="utf-8"?>
+<file path=ppt/slides/slide44.xml><?xml version="1.0" encoding="utf-8"?>
 <p:sld xmlns:a="http://schemas.openxmlformats.org/drawingml/2006/main" xmlns:r="http://schemas.openxmlformats.org/officeDocument/2006/relationships" xmlns:p="http://schemas.openxmlformats.org/presentationml/2006/main">
   <p:cSld>
     <p:spTree>
@@ -23742,7 +23712,7 @@
 </p:sld>
 </file>
 
-<file path=ppt/slides/slide46.xml><?xml version="1.0" encoding="utf-8"?>
+<file path=ppt/slides/slide45.xml><?xml version="1.0" encoding="utf-8"?>
 <p:sld xmlns:a="http://schemas.openxmlformats.org/drawingml/2006/main" xmlns:r="http://schemas.openxmlformats.org/officeDocument/2006/relationships" xmlns:p="http://schemas.openxmlformats.org/presentationml/2006/main">
   <p:cSld>
     <p:spTree>
@@ -24062,7 +24032,7 @@
 </p:sld>
 </file>
 
-<file path=ppt/slides/slide47.xml><?xml version="1.0" encoding="utf-8"?>
+<file path=ppt/slides/slide46.xml><?xml version="1.0" encoding="utf-8"?>
 <p:sld xmlns:a="http://schemas.openxmlformats.org/drawingml/2006/main" xmlns:r="http://schemas.openxmlformats.org/officeDocument/2006/relationships" xmlns:p="http://schemas.openxmlformats.org/presentationml/2006/main">
   <p:cSld>
     <p:spTree>
@@ -24293,7 +24263,7 @@
 </p:sld>
 </file>
 
-<file path=ppt/slides/slide48.xml><?xml version="1.0" encoding="utf-8"?>
+<file path=ppt/slides/slide47.xml><?xml version="1.0" encoding="utf-8"?>
 <p:sld xmlns:a="http://schemas.openxmlformats.org/drawingml/2006/main" xmlns:r="http://schemas.openxmlformats.org/officeDocument/2006/relationships" xmlns:p="http://schemas.openxmlformats.org/presentationml/2006/main">
   <p:cSld>
     <p:spTree>
@@ -24496,7 +24466,7 @@
 </p:sld>
 </file>
 
-<file path=ppt/slides/slide49.xml><?xml version="1.0" encoding="utf-8"?>
+<file path=ppt/slides/slide48.xml><?xml version="1.0" encoding="utf-8"?>
 <p:sld xmlns:a="http://schemas.openxmlformats.org/drawingml/2006/main" xmlns:r="http://schemas.openxmlformats.org/officeDocument/2006/relationships" xmlns:p="http://schemas.openxmlformats.org/presentationml/2006/main">
   <p:cSld>
     <p:spTree>
@@ -24812,305 +24782,7 @@
 </p:sld>
 </file>
 
-<file path=ppt/slides/slide5.xml><?xml version="1.0" encoding="utf-8"?>
-<p:sld xmlns:a="http://schemas.openxmlformats.org/drawingml/2006/main" xmlns:r="http://schemas.openxmlformats.org/officeDocument/2006/relationships" xmlns:p="http://schemas.openxmlformats.org/presentationml/2006/main">
-  <p:cSld>
-    <p:spTree>
-      <p:nvGrpSpPr>
-        <p:cNvPr id="1" name=""/>
-        <p:cNvGrpSpPr/>
-        <p:nvPr/>
-      </p:nvGrpSpPr>
-      <p:grpSpPr>
-        <a:xfrm>
-          <a:off x="0" y="0"/>
-          <a:ext cx="0" cy="0"/>
-          <a:chOff x="0" y="0"/>
-          <a:chExt cx="0" cy="0"/>
-        </a:xfrm>
-      </p:grpSpPr>
-      <p:sp>
-        <p:nvSpPr>
-          <p:cNvPr id="2" name="Title 1"/>
-          <p:cNvSpPr>
-            <a:spLocks noGrp="1"/>
-          </p:cNvSpPr>
-          <p:nvPr>
-            <p:ph type="title"/>
-          </p:nvPr>
-        </p:nvSpPr>
-        <p:spPr/>
-        <p:txBody>
-          <a:bodyPr/>
-          <a:lstStyle/>
-          <a:p>
-            <a:r>
-              <a:rPr lang="en-GB" dirty="0" smtClean="0"/>
-              <a:t>Linked list </a:t>
-            </a:r>
-            <a:endParaRPr lang="en-GB" dirty="0"/>
-          </a:p>
-        </p:txBody>
-      </p:sp>
-      <p:sp>
-        <p:nvSpPr>
-          <p:cNvPr id="3" name="Content Placeholder 2"/>
-          <p:cNvSpPr>
-            <a:spLocks noGrp="1"/>
-          </p:cNvSpPr>
-          <p:nvPr>
-            <p:ph idx="1"/>
-          </p:nvPr>
-        </p:nvSpPr>
-        <p:spPr/>
-        <p:txBody>
-          <a:bodyPr/>
-          <a:lstStyle/>
-          <a:p>
-            <a:r>
-              <a:rPr lang="en-GB" dirty="0" smtClean="0"/>
-              <a:t>Simple and flexible representation</a:t>
-            </a:r>
-          </a:p>
-          <a:p>
-            <a:r>
-              <a:rPr lang="en-GB" dirty="0" smtClean="0"/>
-              <a:t>Objects are arranged in linear order</a:t>
-            </a:r>
-          </a:p>
-          <a:p>
-            <a:pPr lvl="1"/>
-            <a:r>
-              <a:rPr lang="en-GB" dirty="0" smtClean="0"/>
-              <a:t>Order is maintained through the use of </a:t>
-            </a:r>
-            <a:r>
-              <a:rPr lang="en-GB" i="1" dirty="0" smtClean="0"/>
-              <a:t>references </a:t>
-            </a:r>
-            <a:r>
-              <a:rPr lang="en-GB" dirty="0" smtClean="0"/>
-              <a:t>inside elements</a:t>
-            </a:r>
-          </a:p>
-          <a:p>
-            <a:pPr lvl="1"/>
-            <a:endParaRPr lang="en-GB" dirty="0"/>
-          </a:p>
-          <a:p>
-            <a:r>
-              <a:rPr lang="en-GB" dirty="0" smtClean="0"/>
-              <a:t>Each element </a:t>
-            </a:r>
-            <a:r>
-              <a:rPr lang="en-GB" dirty="0"/>
-              <a:t>(</a:t>
-            </a:r>
-            <a:r>
-              <a:rPr lang="en-GB" i="1" dirty="0">
-                <a:solidFill>
-                  <a:srgbClr val="FF0000"/>
-                </a:solidFill>
-              </a:rPr>
-              <a:t>node</a:t>
-            </a:r>
-            <a:r>
-              <a:rPr lang="en-GB" dirty="0"/>
-              <a:t>) </a:t>
-            </a:r>
-            <a:r>
-              <a:rPr lang="en-GB" dirty="0" smtClean="0"/>
-              <a:t>of a list is made by</a:t>
-            </a:r>
-          </a:p>
-          <a:p>
-            <a:pPr lvl="1"/>
-            <a:r>
-              <a:rPr lang="en-GB" dirty="0" smtClean="0"/>
-              <a:t>Its value </a:t>
-            </a:r>
-          </a:p>
-          <a:p>
-            <a:pPr lvl="1"/>
-            <a:r>
-              <a:rPr lang="en-GB" dirty="0" smtClean="0"/>
-              <a:t>A reference to the </a:t>
-            </a:r>
-            <a:r>
-              <a:rPr lang="en-GB" i="1" u="sng" dirty="0" smtClean="0"/>
-              <a:t>next</a:t>
-            </a:r>
-            <a:r>
-              <a:rPr lang="en-GB" dirty="0" smtClean="0"/>
-              <a:t> element of the list</a:t>
-            </a:r>
-          </a:p>
-          <a:p>
-            <a:r>
-              <a:rPr lang="en-GB" dirty="0" smtClean="0"/>
-              <a:t>A </a:t>
-            </a:r>
-            <a:r>
-              <a:rPr lang="en-GB" dirty="0" smtClean="0">
-                <a:solidFill>
-                  <a:srgbClr val="FF0000"/>
-                </a:solidFill>
-              </a:rPr>
-              <a:t>list</a:t>
-            </a:r>
-            <a:r>
-              <a:rPr lang="en-GB" dirty="0" smtClean="0"/>
-              <a:t> is then defined by</a:t>
-            </a:r>
-          </a:p>
-          <a:p>
-            <a:pPr lvl="1"/>
-            <a:r>
-              <a:rPr lang="en-GB" dirty="0" smtClean="0"/>
-              <a:t>The starting element</a:t>
-            </a:r>
-          </a:p>
-          <a:p>
-            <a:pPr lvl="1"/>
-            <a:r>
-              <a:rPr lang="en-GB" dirty="0" smtClean="0"/>
-              <a:t>All other elements can be reached from there </a:t>
-            </a:r>
-            <a:endParaRPr lang="en-GB" dirty="0"/>
-          </a:p>
-        </p:txBody>
-      </p:sp>
-      <p:sp>
-        <p:nvSpPr>
-          <p:cNvPr id="4" name="Footer Placeholder 3"/>
-          <p:cNvSpPr>
-            <a:spLocks noGrp="1"/>
-          </p:cNvSpPr>
-          <p:nvPr>
-            <p:ph type="ftr" sz="quarter" idx="11"/>
-          </p:nvPr>
-        </p:nvSpPr>
-        <p:spPr/>
-        <p:txBody>
-          <a:bodyPr/>
-          <a:lstStyle/>
-          <a:p>
-            <a:r>
-              <a:rPr lang="it-IT" smtClean="0"/>
-              <a:t>INFDEV026A - G. Costantini, F. Di Giacomo, G. Maggiore</a:t>
-            </a:r>
-            <a:endParaRPr lang="en-GB"/>
-          </a:p>
-        </p:txBody>
-      </p:sp>
-      <p:pic>
-        <p:nvPicPr>
-          <p:cNvPr id="5" name="Picture 4"/>
-          <p:cNvPicPr>
-            <a:picLocks noChangeAspect="1"/>
-          </p:cNvPicPr>
-          <p:nvPr/>
-        </p:nvPicPr>
-        <p:blipFill rotWithShape="1">
-          <a:blip r:embed="rId2">
-            <a:extLst>
-              <a:ext uri="{28A0092B-C50C-407E-A947-70E740481C1C}">
-                <a14:useLocalDpi xmlns:a14="http://schemas.microsoft.com/office/drawing/2010/main" val="0"/>
-              </a:ext>
-            </a:extLst>
-          </a:blip>
-          <a:srcRect l="37631" t="43709" r="38002" b="39026"/>
-          <a:stretch/>
-        </p:blipFill>
-        <p:spPr>
-          <a:xfrm>
-            <a:off x="6511194" y="5161047"/>
-            <a:ext cx="3387216" cy="1500029"/>
-          </a:xfrm>
-          <a:prstGeom prst="rect">
-            <a:avLst/>
-          </a:prstGeom>
-        </p:spPr>
-      </p:pic>
-      <p:pic>
-        <p:nvPicPr>
-          <p:cNvPr id="6" name="Picture 5"/>
-          <p:cNvPicPr>
-            <a:picLocks noChangeAspect="1"/>
-          </p:cNvPicPr>
-          <p:nvPr/>
-        </p:nvPicPr>
-        <p:blipFill rotWithShape="1">
-          <a:blip r:embed="rId2">
-            <a:extLst>
-              <a:ext uri="{28A0092B-C50C-407E-A947-70E740481C1C}">
-                <a14:useLocalDpi xmlns:a14="http://schemas.microsoft.com/office/drawing/2010/main" val="0"/>
-              </a:ext>
-            </a:extLst>
-          </a:blip>
-          <a:srcRect l="60031" t="72657" r="21660" b="18202"/>
-          <a:stretch/>
-        </p:blipFill>
-        <p:spPr>
-          <a:xfrm>
-            <a:off x="6164494" y="3724745"/>
-            <a:ext cx="3452117" cy="1077189"/>
-          </a:xfrm>
-          <a:prstGeom prst="rect">
-            <a:avLst/>
-          </a:prstGeom>
-        </p:spPr>
-      </p:pic>
-      <p:pic>
-        <p:nvPicPr>
-          <p:cNvPr id="7" name="Picture 6"/>
-          <p:cNvPicPr>
-            <a:picLocks noChangeAspect="1"/>
-          </p:cNvPicPr>
-          <p:nvPr/>
-        </p:nvPicPr>
-        <p:blipFill rotWithShape="1">
-          <a:blip r:embed="rId3">
-            <a:extLst>
-              <a:ext uri="{28A0092B-C50C-407E-A947-70E740481C1C}">
-                <a14:useLocalDpi xmlns:a14="http://schemas.microsoft.com/office/drawing/2010/main" val="0"/>
-              </a:ext>
-            </a:extLst>
-          </a:blip>
-          <a:srcRect l="62797" t="34907" r="14263" b="26292"/>
-          <a:stretch/>
-        </p:blipFill>
-        <p:spPr>
-          <a:xfrm>
-            <a:off x="10056918" y="4534325"/>
-            <a:ext cx="2011792" cy="2126751"/>
-          </a:xfrm>
-          <a:prstGeom prst="rect">
-            <a:avLst/>
-          </a:prstGeom>
-        </p:spPr>
-      </p:pic>
-    </p:spTree>
-    <p:extLst>
-      <p:ext uri="{BB962C8B-B14F-4D97-AF65-F5344CB8AC3E}">
-        <p14:creationId xmlns:p14="http://schemas.microsoft.com/office/powerpoint/2010/main" val="2644679554"/>
-      </p:ext>
-    </p:extLst>
-  </p:cSld>
-  <p:clrMapOvr>
-    <a:masterClrMapping/>
-  </p:clrMapOvr>
-  <p:timing>
-    <p:tnLst>
-      <p:par>
-        <p:cTn id="1" dur="indefinite" restart="never" nodeType="tmRoot"/>
-      </p:par>
-    </p:tnLst>
-  </p:timing>
-</p:sld>
-</file>
-
-<file path=ppt/slides/slide50.xml><?xml version="1.0" encoding="utf-8"?>
+<file path=ppt/slides/slide49.xml><?xml version="1.0" encoding="utf-8"?>
 <p:sld xmlns:a="http://schemas.openxmlformats.org/drawingml/2006/main" xmlns:r="http://schemas.openxmlformats.org/officeDocument/2006/relationships" xmlns:p="http://schemas.openxmlformats.org/presentationml/2006/main">
   <p:cSld>
     <p:spTree>
@@ -25310,7 +24982,305 @@
 </p:sld>
 </file>
 
-<file path=ppt/slides/slide51.xml><?xml version="1.0" encoding="utf-8"?>
+<file path=ppt/slides/slide5.xml><?xml version="1.0" encoding="utf-8"?>
+<p:sld xmlns:a="http://schemas.openxmlformats.org/drawingml/2006/main" xmlns:r="http://schemas.openxmlformats.org/officeDocument/2006/relationships" xmlns:p="http://schemas.openxmlformats.org/presentationml/2006/main">
+  <p:cSld>
+    <p:spTree>
+      <p:nvGrpSpPr>
+        <p:cNvPr id="1" name=""/>
+        <p:cNvGrpSpPr/>
+        <p:nvPr/>
+      </p:nvGrpSpPr>
+      <p:grpSpPr>
+        <a:xfrm>
+          <a:off x="0" y="0"/>
+          <a:ext cx="0" cy="0"/>
+          <a:chOff x="0" y="0"/>
+          <a:chExt cx="0" cy="0"/>
+        </a:xfrm>
+      </p:grpSpPr>
+      <p:sp>
+        <p:nvSpPr>
+          <p:cNvPr id="2" name="Title 1"/>
+          <p:cNvSpPr>
+            <a:spLocks noGrp="1"/>
+          </p:cNvSpPr>
+          <p:nvPr>
+            <p:ph type="title"/>
+          </p:nvPr>
+        </p:nvSpPr>
+        <p:spPr/>
+        <p:txBody>
+          <a:bodyPr/>
+          <a:lstStyle/>
+          <a:p>
+            <a:r>
+              <a:rPr lang="en-GB" dirty="0" smtClean="0"/>
+              <a:t>Linked list </a:t>
+            </a:r>
+            <a:endParaRPr lang="en-GB" dirty="0"/>
+          </a:p>
+        </p:txBody>
+      </p:sp>
+      <p:sp>
+        <p:nvSpPr>
+          <p:cNvPr id="3" name="Content Placeholder 2"/>
+          <p:cNvSpPr>
+            <a:spLocks noGrp="1"/>
+          </p:cNvSpPr>
+          <p:nvPr>
+            <p:ph idx="1"/>
+          </p:nvPr>
+        </p:nvSpPr>
+        <p:spPr/>
+        <p:txBody>
+          <a:bodyPr/>
+          <a:lstStyle/>
+          <a:p>
+            <a:r>
+              <a:rPr lang="en-GB" dirty="0" smtClean="0"/>
+              <a:t>Simple and flexible representation</a:t>
+            </a:r>
+          </a:p>
+          <a:p>
+            <a:r>
+              <a:rPr lang="en-GB" dirty="0" smtClean="0"/>
+              <a:t>Objects are arranged in linear order</a:t>
+            </a:r>
+          </a:p>
+          <a:p>
+            <a:pPr lvl="1"/>
+            <a:r>
+              <a:rPr lang="en-GB" dirty="0" smtClean="0"/>
+              <a:t>Order is maintained through the use of </a:t>
+            </a:r>
+            <a:r>
+              <a:rPr lang="en-GB" i="1" dirty="0" smtClean="0"/>
+              <a:t>references </a:t>
+            </a:r>
+            <a:r>
+              <a:rPr lang="en-GB" dirty="0" smtClean="0"/>
+              <a:t>inside elements</a:t>
+            </a:r>
+          </a:p>
+          <a:p>
+            <a:pPr lvl="1"/>
+            <a:endParaRPr lang="en-GB" dirty="0"/>
+          </a:p>
+          <a:p>
+            <a:r>
+              <a:rPr lang="en-GB" dirty="0" smtClean="0"/>
+              <a:t>Each element </a:t>
+            </a:r>
+            <a:r>
+              <a:rPr lang="en-GB" dirty="0"/>
+              <a:t>(</a:t>
+            </a:r>
+            <a:r>
+              <a:rPr lang="en-GB" i="1" dirty="0">
+                <a:solidFill>
+                  <a:srgbClr val="FF0000"/>
+                </a:solidFill>
+              </a:rPr>
+              <a:t>node</a:t>
+            </a:r>
+            <a:r>
+              <a:rPr lang="en-GB" dirty="0"/>
+              <a:t>) </a:t>
+            </a:r>
+            <a:r>
+              <a:rPr lang="en-GB" dirty="0" smtClean="0"/>
+              <a:t>of a list is made by</a:t>
+            </a:r>
+          </a:p>
+          <a:p>
+            <a:pPr lvl="1"/>
+            <a:r>
+              <a:rPr lang="en-GB" dirty="0" smtClean="0"/>
+              <a:t>Its value </a:t>
+            </a:r>
+          </a:p>
+          <a:p>
+            <a:pPr lvl="1"/>
+            <a:r>
+              <a:rPr lang="en-GB" dirty="0" smtClean="0"/>
+              <a:t>A reference to the </a:t>
+            </a:r>
+            <a:r>
+              <a:rPr lang="en-GB" i="1" u="sng" dirty="0" smtClean="0"/>
+              <a:t>next</a:t>
+            </a:r>
+            <a:r>
+              <a:rPr lang="en-GB" dirty="0" smtClean="0"/>
+              <a:t> element of the list</a:t>
+            </a:r>
+          </a:p>
+          <a:p>
+            <a:r>
+              <a:rPr lang="en-GB" dirty="0" smtClean="0"/>
+              <a:t>A </a:t>
+            </a:r>
+            <a:r>
+              <a:rPr lang="en-GB" dirty="0" smtClean="0">
+                <a:solidFill>
+                  <a:srgbClr val="FF0000"/>
+                </a:solidFill>
+              </a:rPr>
+              <a:t>list</a:t>
+            </a:r>
+            <a:r>
+              <a:rPr lang="en-GB" dirty="0" smtClean="0"/>
+              <a:t> is then defined by</a:t>
+            </a:r>
+          </a:p>
+          <a:p>
+            <a:pPr lvl="1"/>
+            <a:r>
+              <a:rPr lang="en-GB" dirty="0" smtClean="0"/>
+              <a:t>The starting element</a:t>
+            </a:r>
+          </a:p>
+          <a:p>
+            <a:pPr lvl="1"/>
+            <a:r>
+              <a:rPr lang="en-GB" dirty="0" smtClean="0"/>
+              <a:t>All other elements can be reached from there </a:t>
+            </a:r>
+            <a:endParaRPr lang="en-GB" dirty="0"/>
+          </a:p>
+        </p:txBody>
+      </p:sp>
+      <p:sp>
+        <p:nvSpPr>
+          <p:cNvPr id="4" name="Footer Placeholder 3"/>
+          <p:cNvSpPr>
+            <a:spLocks noGrp="1"/>
+          </p:cNvSpPr>
+          <p:nvPr>
+            <p:ph type="ftr" sz="quarter" idx="11"/>
+          </p:nvPr>
+        </p:nvSpPr>
+        <p:spPr/>
+        <p:txBody>
+          <a:bodyPr/>
+          <a:lstStyle/>
+          <a:p>
+            <a:r>
+              <a:rPr lang="it-IT" smtClean="0"/>
+              <a:t>INFDEV026A - G. Costantini, F. Di Giacomo, G. Maggiore</a:t>
+            </a:r>
+            <a:endParaRPr lang="en-GB"/>
+          </a:p>
+        </p:txBody>
+      </p:sp>
+      <p:pic>
+        <p:nvPicPr>
+          <p:cNvPr id="5" name="Picture 4"/>
+          <p:cNvPicPr>
+            <a:picLocks noChangeAspect="1"/>
+          </p:cNvPicPr>
+          <p:nvPr/>
+        </p:nvPicPr>
+        <p:blipFill rotWithShape="1">
+          <a:blip r:embed="rId3">
+            <a:extLst>
+              <a:ext uri="{28A0092B-C50C-407E-A947-70E740481C1C}">
+                <a14:useLocalDpi xmlns:a14="http://schemas.microsoft.com/office/drawing/2010/main" val="0"/>
+              </a:ext>
+            </a:extLst>
+          </a:blip>
+          <a:srcRect l="37631" t="43709" r="38002" b="39026"/>
+          <a:stretch/>
+        </p:blipFill>
+        <p:spPr>
+          <a:xfrm>
+            <a:off x="6511194" y="5161047"/>
+            <a:ext cx="3387216" cy="1500029"/>
+          </a:xfrm>
+          <a:prstGeom prst="rect">
+            <a:avLst/>
+          </a:prstGeom>
+        </p:spPr>
+      </p:pic>
+      <p:pic>
+        <p:nvPicPr>
+          <p:cNvPr id="6" name="Picture 5"/>
+          <p:cNvPicPr>
+            <a:picLocks noChangeAspect="1"/>
+          </p:cNvPicPr>
+          <p:nvPr/>
+        </p:nvPicPr>
+        <p:blipFill rotWithShape="1">
+          <a:blip r:embed="rId3">
+            <a:extLst>
+              <a:ext uri="{28A0092B-C50C-407E-A947-70E740481C1C}">
+                <a14:useLocalDpi xmlns:a14="http://schemas.microsoft.com/office/drawing/2010/main" val="0"/>
+              </a:ext>
+            </a:extLst>
+          </a:blip>
+          <a:srcRect l="60031" t="72657" r="21660" b="18202"/>
+          <a:stretch/>
+        </p:blipFill>
+        <p:spPr>
+          <a:xfrm>
+            <a:off x="6164494" y="3724745"/>
+            <a:ext cx="3452117" cy="1077189"/>
+          </a:xfrm>
+          <a:prstGeom prst="rect">
+            <a:avLst/>
+          </a:prstGeom>
+        </p:spPr>
+      </p:pic>
+      <p:pic>
+        <p:nvPicPr>
+          <p:cNvPr id="7" name="Picture 6"/>
+          <p:cNvPicPr>
+            <a:picLocks noChangeAspect="1"/>
+          </p:cNvPicPr>
+          <p:nvPr/>
+        </p:nvPicPr>
+        <p:blipFill rotWithShape="1">
+          <a:blip r:embed="rId4">
+            <a:extLst>
+              <a:ext uri="{28A0092B-C50C-407E-A947-70E740481C1C}">
+                <a14:useLocalDpi xmlns:a14="http://schemas.microsoft.com/office/drawing/2010/main" val="0"/>
+              </a:ext>
+            </a:extLst>
+          </a:blip>
+          <a:srcRect l="62797" t="34907" r="14263" b="26292"/>
+          <a:stretch/>
+        </p:blipFill>
+        <p:spPr>
+          <a:xfrm>
+            <a:off x="10056918" y="4534325"/>
+            <a:ext cx="2011792" cy="2126751"/>
+          </a:xfrm>
+          <a:prstGeom prst="rect">
+            <a:avLst/>
+          </a:prstGeom>
+        </p:spPr>
+      </p:pic>
+    </p:spTree>
+    <p:extLst>
+      <p:ext uri="{BB962C8B-B14F-4D97-AF65-F5344CB8AC3E}">
+        <p14:creationId xmlns:p14="http://schemas.microsoft.com/office/powerpoint/2010/main" val="2644679554"/>
+      </p:ext>
+    </p:extLst>
+  </p:cSld>
+  <p:clrMapOvr>
+    <a:masterClrMapping/>
+  </p:clrMapOvr>
+  <p:timing>
+    <p:tnLst>
+      <p:par>
+        <p:cTn id="1" dur="indefinite" restart="never" nodeType="tmRoot"/>
+      </p:par>
+    </p:tnLst>
+  </p:timing>
+</p:sld>
+</file>
+
+<file path=ppt/slides/slide50.xml><?xml version="1.0" encoding="utf-8"?>
 <p:sld xmlns:a="http://schemas.openxmlformats.org/drawingml/2006/main" xmlns:r="http://schemas.openxmlformats.org/officeDocument/2006/relationships" xmlns:p="http://schemas.openxmlformats.org/presentationml/2006/main">
   <p:cSld>
     <p:spTree>
@@ -25785,7 +25755,7 @@
 </p:sld>
 </file>
 
-<file path=ppt/slides/slide52.xml><?xml version="1.0" encoding="utf-8"?>
+<file path=ppt/slides/slide51.xml><?xml version="1.0" encoding="utf-8"?>
 <p:sld xmlns:a="http://schemas.openxmlformats.org/drawingml/2006/main" xmlns:r="http://schemas.openxmlformats.org/officeDocument/2006/relationships" xmlns:p="http://schemas.openxmlformats.org/presentationml/2006/main">
   <p:cSld>
     <p:spTree>
@@ -26008,7 +25978,7 @@
 </p:sld>
 </file>
 
-<file path=ppt/slides/slide53.xml><?xml version="1.0" encoding="utf-8"?>
+<file path=ppt/slides/slide52.xml><?xml version="1.0" encoding="utf-8"?>
 <p:sld xmlns:a="http://schemas.openxmlformats.org/drawingml/2006/main" xmlns:r="http://schemas.openxmlformats.org/officeDocument/2006/relationships" xmlns:p="http://schemas.openxmlformats.org/presentationml/2006/main">
   <p:cSld>
     <p:spTree>
@@ -26284,7 +26254,7 @@
 </p:sld>
 </file>
 
-<file path=ppt/slides/slide54.xml><?xml version="1.0" encoding="utf-8"?>
+<file path=ppt/slides/slide53.xml><?xml version="1.0" encoding="utf-8"?>
 <p:sld xmlns:a="http://schemas.openxmlformats.org/drawingml/2006/main" xmlns:r="http://schemas.openxmlformats.org/officeDocument/2006/relationships" xmlns:p="http://schemas.openxmlformats.org/presentationml/2006/main">
   <p:cSld>
     <p:spTree>
@@ -26481,7 +26451,7 @@
 </p:sld>
 </file>
 
-<file path=ppt/slides/slide55.xml><?xml version="1.0" encoding="utf-8"?>
+<file path=ppt/slides/slide54.xml><?xml version="1.0" encoding="utf-8"?>
 <p:sld xmlns:a="http://schemas.openxmlformats.org/drawingml/2006/main" xmlns:r="http://schemas.openxmlformats.org/officeDocument/2006/relationships" xmlns:p="http://schemas.openxmlformats.org/presentationml/2006/main">
   <p:cSld>
     <p:spTree>
@@ -26636,7 +26606,7 @@
 </p:sld>
 </file>
 
-<file path=ppt/slides/slide56.xml><?xml version="1.0" encoding="utf-8"?>
+<file path=ppt/slides/slide55.xml><?xml version="1.0" encoding="utf-8"?>
 <p:sld xmlns:a="http://schemas.openxmlformats.org/drawingml/2006/main" xmlns:r="http://schemas.openxmlformats.org/officeDocument/2006/relationships" xmlns:p="http://schemas.openxmlformats.org/presentationml/2006/main">
   <p:cSld>
     <p:spTree>
@@ -26861,7 +26831,7 @@
 </p:sld>
 </file>
 
-<file path=ppt/slides/slide57.xml><?xml version="1.0" encoding="utf-8"?>
+<file path=ppt/slides/slide56.xml><?xml version="1.0" encoding="utf-8"?>
 <p:sld xmlns:a="http://schemas.openxmlformats.org/drawingml/2006/main" xmlns:r="http://schemas.openxmlformats.org/officeDocument/2006/relationships" xmlns:p="http://schemas.openxmlformats.org/presentationml/2006/main">
   <p:cSld>
     <p:spTree>
@@ -27074,6 +27044,255 @@
 </p:sld>
 </file>
 
+<file path=ppt/slides/slide57.xml><?xml version="1.0" encoding="utf-8"?>
+<p:sld xmlns:a="http://schemas.openxmlformats.org/drawingml/2006/main" xmlns:r="http://schemas.openxmlformats.org/officeDocument/2006/relationships" xmlns:p="http://schemas.openxmlformats.org/presentationml/2006/main">
+  <p:cSld>
+    <p:spTree>
+      <p:nvGrpSpPr>
+        <p:cNvPr id="1" name=""/>
+        <p:cNvGrpSpPr/>
+        <p:nvPr/>
+      </p:nvGrpSpPr>
+      <p:grpSpPr>
+        <a:xfrm>
+          <a:off x="0" y="0"/>
+          <a:ext cx="0" cy="0"/>
+          <a:chOff x="0" y="0"/>
+          <a:chExt cx="0" cy="0"/>
+        </a:xfrm>
+      </p:grpSpPr>
+      <p:sp>
+        <p:nvSpPr>
+          <p:cNvPr id="2" name="Titel 1"/>
+          <p:cNvSpPr>
+            <a:spLocks noGrp="1"/>
+          </p:cNvSpPr>
+          <p:nvPr>
+            <p:ph type="title"/>
+          </p:nvPr>
+        </p:nvSpPr>
+        <p:spPr/>
+        <p:txBody>
+          <a:bodyPr/>
+          <a:lstStyle/>
+          <a:p>
+            <a:r>
+              <a:rPr lang="en-GB" dirty="0"/>
+              <a:t>Hash table </a:t>
+            </a:r>
+            <a:r>
+              <a:rPr lang="en-GB" dirty="0" smtClean="0"/>
+              <a:t>– Dynamic resizing</a:t>
+            </a:r>
+            <a:endParaRPr lang="nl-NL" dirty="0"/>
+          </a:p>
+        </p:txBody>
+      </p:sp>
+      <p:sp>
+        <p:nvSpPr>
+          <p:cNvPr id="3" name="Tijdelijke aanduiding voor inhoud 2"/>
+          <p:cNvSpPr>
+            <a:spLocks noGrp="1"/>
+          </p:cNvSpPr>
+          <p:nvPr>
+            <p:ph idx="1"/>
+          </p:nvPr>
+        </p:nvSpPr>
+        <p:spPr/>
+        <p:txBody>
+          <a:bodyPr>
+            <a:normAutofit/>
+          </a:bodyPr>
+          <a:lstStyle/>
+          <a:p>
+            <a:r>
+              <a:rPr lang="en-GB" dirty="0" smtClean="0"/>
+              <a:t>A hash table functions well when </a:t>
+            </a:r>
+            <a:r>
+              <a:rPr lang="en-US" dirty="0" smtClean="0"/>
+              <a:t>the </a:t>
+            </a:r>
+            <a:r>
+              <a:rPr lang="en-US" dirty="0"/>
+              <a:t>table size is proportional to the number of </a:t>
+            </a:r>
+            <a:r>
+              <a:rPr lang="en-US" dirty="0" smtClean="0"/>
+              <a:t>entries</a:t>
+            </a:r>
+          </a:p>
+          <a:p>
+            <a:r>
+              <a:rPr lang="en-US" dirty="0" smtClean="0"/>
+              <a:t>Practical problem: usually the </a:t>
+            </a:r>
+            <a:r>
+              <a:rPr lang="en-US" dirty="0"/>
+              <a:t>number of entries </a:t>
+            </a:r>
+            <a:r>
+              <a:rPr lang="en-US" dirty="0" smtClean="0"/>
+              <a:t>is not known </a:t>
+            </a:r>
+            <a:r>
+              <a:rPr lang="en-US" dirty="0"/>
+              <a:t>in </a:t>
+            </a:r>
+            <a:r>
+              <a:rPr lang="en-US" dirty="0" smtClean="0"/>
+              <a:t>advance</a:t>
+            </a:r>
+          </a:p>
+          <a:p>
+            <a:pPr lvl="1"/>
+            <a:r>
+              <a:rPr lang="en-US" dirty="0" smtClean="0"/>
+              <a:t>Very important to provide some method to resize </a:t>
+            </a:r>
+            <a:r>
+              <a:rPr lang="en-US" dirty="0"/>
+              <a:t>the table </a:t>
+            </a:r>
+            <a:r>
+              <a:rPr lang="en-US" dirty="0" smtClean="0"/>
+              <a:t>in order to prevent </a:t>
+            </a:r>
+            <a:r>
+              <a:rPr lang="en-US" dirty="0"/>
+              <a:t>the hash table from becoming too </a:t>
+            </a:r>
+            <a:r>
+              <a:rPr lang="en-US" dirty="0" smtClean="0"/>
+              <a:t>full</a:t>
+            </a:r>
+          </a:p>
+          <a:p>
+            <a:pPr lvl="1"/>
+            <a:endParaRPr lang="en-US" dirty="0" smtClean="0"/>
+          </a:p>
+          <a:p>
+            <a:pPr lvl="1"/>
+            <a:r>
+              <a:rPr lang="en-US" dirty="0" smtClean="0"/>
+              <a:t>Resizing happens only when the load factor becomes too large</a:t>
+            </a:r>
+          </a:p>
+          <a:p>
+            <a:pPr lvl="2"/>
+            <a:r>
+              <a:rPr lang="en-US" dirty="0" smtClean="0"/>
+              <a:t>In Java </a:t>
+            </a:r>
+            <a:r>
+              <a:rPr lang="en-US" dirty="0"/>
+              <a:t>the default load factor threshold for table expansion is </a:t>
+            </a:r>
+            <a:r>
+              <a:rPr lang="en-US" dirty="0" smtClean="0"/>
+              <a:t>0.75; in </a:t>
+            </a:r>
+            <a:r>
+              <a:rPr lang="en-US" dirty="0"/>
+              <a:t>Python's </a:t>
+            </a:r>
+            <a:r>
+              <a:rPr lang="en-US" i="1" dirty="0" err="1" smtClean="0"/>
+              <a:t>dict</a:t>
+            </a:r>
+            <a:r>
+              <a:rPr lang="en-US" dirty="0" smtClean="0"/>
+              <a:t> 2/3</a:t>
+            </a:r>
+          </a:p>
+          <a:p>
+            <a:pPr lvl="2"/>
+            <a:endParaRPr lang="en-US" dirty="0"/>
+          </a:p>
+          <a:p>
+            <a:pPr lvl="1"/>
+            <a:r>
+              <a:rPr lang="en-US" dirty="0"/>
+              <a:t>Resizing is accompanied by a </a:t>
+            </a:r>
+            <a:r>
+              <a:rPr lang="en-US" i="1" dirty="0"/>
+              <a:t>full </a:t>
+            </a:r>
+            <a:r>
+              <a:rPr lang="en-US" dirty="0"/>
+              <a:t>or </a:t>
+            </a:r>
+            <a:r>
+              <a:rPr lang="en-US" i="1" dirty="0"/>
+              <a:t>incremental </a:t>
+            </a:r>
+            <a:r>
+              <a:rPr lang="en-US" dirty="0"/>
+              <a:t>table </a:t>
+            </a:r>
+            <a:r>
+              <a:rPr lang="en-US" b="1" dirty="0"/>
+              <a:t>rehash</a:t>
+            </a:r>
+            <a:r>
+              <a:rPr lang="en-US" dirty="0"/>
+              <a:t> whereby existing items are mapped to new bucket </a:t>
+            </a:r>
+            <a:r>
+              <a:rPr lang="en-US" dirty="0" smtClean="0"/>
+              <a:t>locations</a:t>
+            </a:r>
+            <a:endParaRPr lang="en-US" dirty="0"/>
+          </a:p>
+          <a:p>
+            <a:endParaRPr lang="nl-NL" dirty="0"/>
+          </a:p>
+        </p:txBody>
+      </p:sp>
+      <p:sp>
+        <p:nvSpPr>
+          <p:cNvPr id="4" name="Tijdelijke aanduiding voor voettekst 3"/>
+          <p:cNvSpPr>
+            <a:spLocks noGrp="1"/>
+          </p:cNvSpPr>
+          <p:nvPr>
+            <p:ph type="ftr" sz="quarter" idx="11"/>
+          </p:nvPr>
+        </p:nvSpPr>
+        <p:spPr/>
+        <p:txBody>
+          <a:bodyPr/>
+          <a:lstStyle/>
+          <a:p>
+            <a:r>
+              <a:rPr lang="it-IT" smtClean="0"/>
+              <a:t>INFDEV026A - G. Costantini, F. Di Giacomo, G. Maggiore</a:t>
+            </a:r>
+            <a:endParaRPr lang="en-GB"/>
+          </a:p>
+        </p:txBody>
+      </p:sp>
+    </p:spTree>
+    <p:extLst>
+      <p:ext uri="{BB962C8B-B14F-4D97-AF65-F5344CB8AC3E}">
+        <p14:creationId xmlns:p14="http://schemas.microsoft.com/office/powerpoint/2010/main" val="1558382361"/>
+      </p:ext>
+    </p:extLst>
+  </p:cSld>
+  <p:clrMapOvr>
+    <a:masterClrMapping/>
+  </p:clrMapOvr>
+  <p:timing>
+    <p:tnLst>
+      <p:par>
+        <p:cTn id="1" dur="indefinite" restart="never" nodeType="tmRoot"/>
+      </p:par>
+    </p:tnLst>
+  </p:timing>
+</p:sld>
+</file>
+
 <file path=ppt/slides/slide58.xml><?xml version="1.0" encoding="utf-8"?>
 <p:sld xmlns:a="http://schemas.openxmlformats.org/drawingml/2006/main" xmlns:r="http://schemas.openxmlformats.org/officeDocument/2006/relationships" xmlns:p="http://schemas.openxmlformats.org/presentationml/2006/main">
   <p:cSld>
@@ -27130,153 +27349,119 @@
         </p:nvSpPr>
         <p:spPr/>
         <p:txBody>
-          <a:bodyPr>
-            <a:normAutofit/>
-          </a:bodyPr>
+          <a:bodyPr/>
           <a:lstStyle/>
           <a:p>
             <a:r>
-              <a:rPr lang="en-GB" dirty="0" smtClean="0"/>
-              <a:t>A hash table functions well when </a:t>
-            </a:r>
+              <a:rPr lang="en-US" i="1" dirty="0"/>
+              <a:t>Resizing by copying all entries</a:t>
+            </a:r>
+          </a:p>
+          <a:p>
+            <a:pPr lvl="1"/>
             <a:r>
               <a:rPr lang="en-US" dirty="0" smtClean="0"/>
-              <a:t>the </a:t>
+              <a:t>Common </a:t>
             </a:r>
             <a:r>
               <a:rPr lang="en-US" dirty="0"/>
-              <a:t>table size is proportional to the number of </a:t>
+              <a:t>approach </a:t>
+            </a:r>
+            <a:r>
+              <a:rPr lang="en-US" dirty="0" smtClean="0">
+                <a:sym typeface="Wingdings" panose="05000000000000000000" pitchFamily="2" charset="2"/>
+              </a:rPr>
+              <a:t> </a:t>
             </a:r>
             <a:r>
               <a:rPr lang="en-US" dirty="0" smtClean="0"/>
-              <a:t>entries</a:t>
-            </a:r>
-          </a:p>
-          <a:p>
+              <a:t>automatically </a:t>
+            </a:r>
+            <a:r>
+              <a:rPr lang="en-US" dirty="0"/>
+              <a:t>trigger a complete resizing when the load factor exceeds some </a:t>
+            </a:r>
             <a:r>
               <a:rPr lang="en-US" dirty="0" smtClean="0"/>
-              <a:t>Practical problem: usually the </a:t>
+              <a:t>threshold</a:t>
+            </a:r>
+          </a:p>
+          <a:p>
+            <a:pPr lvl="1"/>
+            <a:r>
+              <a:rPr lang="en-US" dirty="0" smtClean="0"/>
+              <a:t>All </a:t>
             </a:r>
             <a:r>
               <a:rPr lang="en-US" dirty="0"/>
-              <a:t>number of entries </a:t>
+              <a:t>the entries of the old table are removed and inserted into </a:t>
             </a:r>
             <a:r>
               <a:rPr lang="en-US" dirty="0" smtClean="0"/>
-              <a:t>is not known </a:t>
-            </a:r>
+              <a:t>the new table</a:t>
+            </a:r>
+          </a:p>
+          <a:p>
+            <a:pPr lvl="1"/>
+            <a:endParaRPr lang="en-US" dirty="0"/>
+          </a:p>
+          <a:p>
+            <a:r>
+              <a:rPr lang="nl-NL" i="1" dirty="0" err="1"/>
+              <a:t>Incremental</a:t>
+            </a:r>
+            <a:r>
+              <a:rPr lang="nl-NL" i="1" dirty="0"/>
+              <a:t> </a:t>
+            </a:r>
+            <a:r>
+              <a:rPr lang="nl-NL" i="1" dirty="0" err="1"/>
+              <a:t>resizing</a:t>
+            </a:r>
+            <a:endParaRPr lang="nl-NL" i="1" dirty="0"/>
+          </a:p>
+          <a:p>
+            <a:pPr lvl="1"/>
             <a:r>
               <a:rPr lang="en-US" dirty="0"/>
-              <a:t>in </a:t>
+              <a:t>Some hash table </a:t>
             </a:r>
             <a:r>
               <a:rPr lang="en-US" dirty="0" smtClean="0"/>
-              <a:t>advance</a:t>
+              <a:t>implementations (especially real-time systems), </a:t>
+            </a:r>
+            <a:r>
+              <a:rPr lang="en-US" dirty="0"/>
+              <a:t>cannot pay the price of enlarging the hash table all at </a:t>
+            </a:r>
+            <a:r>
+              <a:rPr lang="en-US" dirty="0" smtClean="0"/>
+              <a:t>once: it </a:t>
+            </a:r>
+            <a:r>
+              <a:rPr lang="en-US" dirty="0"/>
+              <a:t>may interrupt time-critical </a:t>
+            </a:r>
+            <a:r>
+              <a:rPr lang="en-US" dirty="0" smtClean="0"/>
+              <a:t>operations</a:t>
             </a:r>
           </a:p>
           <a:p>
             <a:pPr lvl="1"/>
             <a:r>
               <a:rPr lang="en-US" dirty="0" smtClean="0"/>
-              <a:t>Very important to provide some method to resize </a:t>
-            </a:r>
-            <a:r>
-              <a:rPr lang="en-US" dirty="0"/>
-              <a:t>the table </a:t>
+              <a:t>Keep both the old and the new table; do lookups and deletions in both tables; new insertions only in the new one; at each insertion move some elements from the old to the new table until they are all removed (and then </a:t>
+            </a:r>
+            <a:r>
+              <a:rPr lang="en-US" dirty="0" err="1" smtClean="0"/>
+              <a:t>deallocate</a:t>
             </a:r>
             <a:r>
               <a:rPr lang="en-US" dirty="0" smtClean="0"/>
-              <a:t>in order to prevent </a:t>
-            </a:r>
-            <a:r>
-              <a:rPr lang="en-US" dirty="0"/>
-              <a:t>the hash table from becoming too </a:t>
-            </a:r>
-            <a:r>
-              <a:rPr lang="en-US" dirty="0" smtClean="0"/>
-              <a:t>full</a:t>
-            </a:r>
-          </a:p>
-          <a:p>
-            <a:pPr lvl="1"/>
-            <a:endParaRPr lang="en-US" dirty="0" smtClean="0"/>
-          </a:p>
-          <a:p>
-            <a:pPr lvl="1"/>
-            <a:r>
-              <a:rPr lang="en-US" dirty="0" smtClean="0"/>
-              <a:t>Resizing happens only when the load factor becomes too large</a:t>
-            </a:r>
-          </a:p>
-          <a:p>
-            <a:pPr lvl="2"/>
-            <a:r>
-              <a:rPr lang="en-US" dirty="0" smtClean="0"/>
-              <a:t>In Java </a:t>
-            </a:r>
-            <a:r>
-              <a:rPr lang="en-US" dirty="0"/>
-              <a:t>the default load factor threshold for table expansion is </a:t>
-            </a:r>
-            <a:r>
-              <a:rPr lang="en-US" dirty="0" smtClean="0"/>
-              <a:t>0.75; in </a:t>
-            </a:r>
-            <a:r>
-              <a:rPr lang="en-US" dirty="0"/>
-              <a:t>Python's </a:t>
-            </a:r>
-            <a:r>
-              <a:rPr lang="en-US" i="1" dirty="0" err="1" smtClean="0"/>
-              <a:t>dict</a:t>
-            </a:r>
-            <a:r>
-              <a:rPr lang="en-US" dirty="0" smtClean="0"/>
-              <a:t> 2/3</a:t>
-            </a:r>
-          </a:p>
-          <a:p>
-            <a:pPr lvl="2"/>
-            <a:endParaRPr lang="en-US" dirty="0"/>
-          </a:p>
-          <a:p>
-            <a:pPr lvl="1"/>
-            <a:r>
-              <a:rPr lang="en-US" dirty="0"/>
-              <a:t>Resizing is accompanied by a </a:t>
-            </a:r>
-            <a:r>
-              <a:rPr lang="en-US" i="1" dirty="0"/>
-              <a:t>full </a:t>
-            </a:r>
-            <a:r>
-              <a:rPr lang="en-US" dirty="0"/>
-              <a:t>or </a:t>
-            </a:r>
-            <a:r>
-              <a:rPr lang="en-US" i="1" dirty="0"/>
-              <a:t>incremental </a:t>
-            </a:r>
-            <a:r>
-              <a:rPr lang="en-US" dirty="0"/>
-              <a:t>table </a:t>
-            </a:r>
-            <a:r>
-              <a:rPr lang="en-US" b="1" dirty="0"/>
-              <a:t>rehash</a:t>
-            </a:r>
-            <a:r>
-              <a:rPr lang="en-US" dirty="0"/>
-              <a:t> whereby existing items are mapped to new bucket </a:t>
-            </a:r>
-            <a:r>
-              <a:rPr lang="en-US" dirty="0" smtClean="0"/>
-              <a:t>locations</a:t>
-            </a:r>
-            <a:endParaRPr lang="en-US" dirty="0"/>
-          </a:p>
-          <a:p>
-            <a:endParaRPr lang="nl-NL" dirty="0"/>
+              <a:t> the old table)</a:t>
+            </a:r>
+            <a:endParaRPr lang="en-GB" dirty="0" smtClean="0"/>
           </a:p>
         </p:txBody>
       </p:sp>
@@ -27306,7 +27491,7 @@
     </p:spTree>
     <p:extLst>
       <p:ext uri="{BB962C8B-B14F-4D97-AF65-F5344CB8AC3E}">
-        <p14:creationId xmlns:p14="http://schemas.microsoft.com/office/powerpoint/2010/main" val="1558382361"/>
+        <p14:creationId xmlns:p14="http://schemas.microsoft.com/office/powerpoint/2010/main" val="2889689965"/>
       </p:ext>
     </p:extLst>
   </p:cSld>
@@ -27361,898 +27546,6 @@
             </a:r>
             <a:r>
               <a:rPr lang="en-GB" dirty="0" smtClean="0"/>
-              <a:t>– Dynamic resizing</a:t>
-            </a:r>
-            <a:endParaRPr lang="nl-NL" dirty="0"/>
-          </a:p>
-        </p:txBody>
-      </p:sp>
-      <p:sp>
-        <p:nvSpPr>
-          <p:cNvPr id="3" name="Tijdelijke aanduiding voor inhoud 2"/>
-          <p:cNvSpPr>
-            <a:spLocks noGrp="1"/>
-          </p:cNvSpPr>
-          <p:nvPr>
-            <p:ph idx="1"/>
-          </p:nvPr>
-        </p:nvSpPr>
-        <p:spPr/>
-        <p:txBody>
-          <a:bodyPr/>
-          <a:lstStyle/>
-          <a:p>
-            <a:r>
-              <a:rPr lang="en-US" i="1" dirty="0"/>
-              <a:t>Resizing by copying all entries</a:t>
-            </a:r>
-          </a:p>
-          <a:p>
-            <a:pPr lvl="1"/>
-            <a:r>
-              <a:rPr lang="en-US" dirty="0" smtClean="0"/>
-              <a:t>Common </a:t>
-            </a:r>
-            <a:r>
-              <a:rPr lang="en-US" dirty="0"/>
-              <a:t>approach </a:t>
-            </a:r>
-            <a:r>
-              <a:rPr lang="en-US" dirty="0" smtClean="0">
-                <a:sym typeface="Wingdings" panose="05000000000000000000" pitchFamily="2" charset="2"/>
-              </a:rPr>
-              <a:t> </a:t>
-            </a:r>
-            <a:r>
-              <a:rPr lang="en-US" dirty="0" smtClean="0"/>
-              <a:t>automatically </a:t>
-            </a:r>
-            <a:r>
-              <a:rPr lang="en-US" dirty="0"/>
-              <a:t>trigger a complete resizing when the load factor exceeds some </a:t>
-            </a:r>
-            <a:r>
-              <a:rPr lang="en-US" dirty="0" smtClean="0"/>
-              <a:t>threshold</a:t>
-            </a:r>
-          </a:p>
-          <a:p>
-            <a:pPr lvl="1"/>
-            <a:r>
-              <a:rPr lang="en-US" dirty="0" smtClean="0"/>
-              <a:t>All </a:t>
-            </a:r>
-            <a:r>
-              <a:rPr lang="en-US" dirty="0"/>
-              <a:t>the entries of the old table are removed and inserted into </a:t>
-            </a:r>
-            <a:r>
-              <a:rPr lang="en-US" dirty="0" smtClean="0"/>
-              <a:t>the new table</a:t>
-            </a:r>
-          </a:p>
-          <a:p>
-            <a:pPr lvl="1"/>
-            <a:endParaRPr lang="en-US" dirty="0"/>
-          </a:p>
-          <a:p>
-            <a:r>
-              <a:rPr lang="nl-NL" i="1" dirty="0" err="1"/>
-              <a:t>Incremental</a:t>
-            </a:r>
-            <a:r>
-              <a:rPr lang="nl-NL" i="1" dirty="0"/>
-              <a:t> </a:t>
-            </a:r>
-            <a:r>
-              <a:rPr lang="nl-NL" i="1" dirty="0" err="1"/>
-              <a:t>resizing</a:t>
-            </a:r>
-            <a:endParaRPr lang="nl-NL" i="1" dirty="0"/>
-          </a:p>
-          <a:p>
-            <a:pPr lvl="1"/>
-            <a:r>
-              <a:rPr lang="en-US" dirty="0"/>
-              <a:t>Some hash table </a:t>
-            </a:r>
-            <a:r>
-              <a:rPr lang="en-US" dirty="0" smtClean="0"/>
-              <a:t>implementations (especially real-time systems), </a:t>
-            </a:r>
-            <a:r>
-              <a:rPr lang="en-US" dirty="0"/>
-              <a:t>cannot pay the price of enlarging the hash table all at </a:t>
-            </a:r>
-            <a:r>
-              <a:rPr lang="en-US" dirty="0" smtClean="0"/>
-              <a:t>once: it </a:t>
-            </a:r>
-            <a:r>
-              <a:rPr lang="en-US" dirty="0"/>
-              <a:t>may interrupt time-critical </a:t>
-            </a:r>
-            <a:r>
-              <a:rPr lang="en-US" dirty="0" smtClean="0"/>
-              <a:t>operations</a:t>
-            </a:r>
-          </a:p>
-          <a:p>
-            <a:pPr lvl="1"/>
-            <a:r>
-              <a:rPr lang="en-US" dirty="0" smtClean="0"/>
-              <a:t>Keep both the old and the new table; do lookups and deletions in both tables; new insertions only in the new one; at each insertion move some elements from the old to the new table until they are all removed (and then </a:t>
-            </a:r>
-            <a:r>
-              <a:rPr lang="en-US" dirty="0" err="1" smtClean="0"/>
-              <a:t>deallocate</a:t>
-            </a:r>
-            <a:r>
-              <a:rPr lang="en-US" dirty="0" smtClean="0"/>
-              <a:t> the old table)</a:t>
-            </a:r>
-            <a:endParaRPr lang="en-GB" dirty="0" smtClean="0"/>
-          </a:p>
-        </p:txBody>
-      </p:sp>
-      <p:sp>
-        <p:nvSpPr>
-          <p:cNvPr id="4" name="Tijdelijke aanduiding voor voettekst 3"/>
-          <p:cNvSpPr>
-            <a:spLocks noGrp="1"/>
-          </p:cNvSpPr>
-          <p:nvPr>
-            <p:ph type="ftr" sz="quarter" idx="11"/>
-          </p:nvPr>
-        </p:nvSpPr>
-        <p:spPr/>
-        <p:txBody>
-          <a:bodyPr/>
-          <a:lstStyle/>
-          <a:p>
-            <a:r>
-              <a:rPr lang="it-IT" smtClean="0"/>
-              <a:t>INFDEV026A - G. Costantini, F. Di Giacomo, G. Maggiore</a:t>
-            </a:r>
-            <a:endParaRPr lang="en-GB"/>
-          </a:p>
-        </p:txBody>
-      </p:sp>
-    </p:spTree>
-    <p:extLst>
-      <p:ext uri="{BB962C8B-B14F-4D97-AF65-F5344CB8AC3E}">
-        <p14:creationId xmlns:p14="http://schemas.microsoft.com/office/powerpoint/2010/main" val="2889689965"/>
-      </p:ext>
-    </p:extLst>
-  </p:cSld>
-  <p:clrMapOvr>
-    <a:masterClrMapping/>
-  </p:clrMapOvr>
-  <p:timing>
-    <p:tnLst>
-      <p:par>
-        <p:cTn id="1" dur="indefinite" restart="never" nodeType="tmRoot"/>
-      </p:par>
-    </p:tnLst>
-  </p:timing>
-</p:sld>
-</file>
-
-<file path=ppt/slides/slide6.xml><?xml version="1.0" encoding="utf-8"?>
-<p:sld xmlns:a="http://schemas.openxmlformats.org/drawingml/2006/main" xmlns:r="http://schemas.openxmlformats.org/officeDocument/2006/relationships" xmlns:p="http://schemas.openxmlformats.org/presentationml/2006/main">
-  <p:cSld>
-    <p:spTree>
-      <p:nvGrpSpPr>
-        <p:cNvPr id="1" name=""/>
-        <p:cNvGrpSpPr/>
-        <p:nvPr/>
-      </p:nvGrpSpPr>
-      <p:grpSpPr>
-        <a:xfrm>
-          <a:off x="0" y="0"/>
-          <a:ext cx="0" cy="0"/>
-          <a:chOff x="0" y="0"/>
-          <a:chExt cx="0" cy="0"/>
-        </a:xfrm>
-      </p:grpSpPr>
-      <p:sp>
-        <p:nvSpPr>
-          <p:cNvPr id="2" name="Title 1"/>
-          <p:cNvSpPr>
-            <a:spLocks noGrp="1"/>
-          </p:cNvSpPr>
-          <p:nvPr>
-            <p:ph type="title"/>
-          </p:nvPr>
-        </p:nvSpPr>
-        <p:spPr/>
-        <p:txBody>
-          <a:bodyPr/>
-          <a:lstStyle/>
-          <a:p>
-            <a:r>
-              <a:rPr lang="en-GB" dirty="0" smtClean="0"/>
-              <a:t>Linked list operations: SEARCH</a:t>
-            </a:r>
-            <a:endParaRPr lang="en-GB" dirty="0"/>
-          </a:p>
-        </p:txBody>
-      </p:sp>
-      <mc:AlternateContent xmlns:mc="http://schemas.openxmlformats.org/markup-compatibility/2006" xmlns:a14="http://schemas.microsoft.com/office/drawing/2010/main">
-        <mc:Choice Requires="a14">
-          <p:sp>
-            <p:nvSpPr>
-              <p:cNvPr id="3" name="Content Placeholder 2"/>
-              <p:cNvSpPr>
-                <a:spLocks noGrp="1"/>
-              </p:cNvSpPr>
-              <p:nvPr>
-                <p:ph idx="1"/>
-              </p:nvPr>
-            </p:nvSpPr>
-            <p:spPr>
-              <a:xfrm>
-                <a:off x="677334" y="2160589"/>
-                <a:ext cx="8596668" cy="4322404"/>
-              </a:xfrm>
-            </p:spPr>
-            <p:txBody>
-              <a:bodyPr>
-                <a:normAutofit/>
-              </a:bodyPr>
-              <a:lstStyle/>
-              <a:p>
-                <a:r>
-                  <a:rPr lang="en-US" i="0" dirty="0" smtClean="0"/>
-                  <a:t>Given a value </a:t>
-                </a:r>
-                <a14:m>
-                  <m:oMath xmlns:m="http://schemas.openxmlformats.org/officeDocument/2006/math">
-                    <m:r>
-                      <a:rPr lang="en-GB" b="0" i="1" smtClean="0">
-                        <a:latin typeface="Cambria Math" panose="02040503050406030204" pitchFamily="18" charset="0"/>
-                      </a:rPr>
-                      <m:t>𝑘</m:t>
-                    </m:r>
-                  </m:oMath>
-                </a14:m>
-                <a:r>
-                  <a:rPr lang="en-US" dirty="0" smtClean="0">
-                    <a:cs typeface="Consolas" panose="020B0609020204030204" pitchFamily="49" charset="0"/>
-                  </a:rPr>
-                  <a:t> and a list </a:t>
-                </a:r>
-                <a14:m>
-                  <m:oMath xmlns:m="http://schemas.openxmlformats.org/officeDocument/2006/math">
-                    <m:r>
-                      <a:rPr lang="en-GB" b="0" i="1" smtClean="0">
-                        <a:latin typeface="Cambria Math" panose="02040503050406030204" pitchFamily="18" charset="0"/>
-                        <a:cs typeface="Consolas" panose="020B0609020204030204" pitchFamily="49" charset="0"/>
-                      </a:rPr>
-                      <m:t>𝐿</m:t>
-                    </m:r>
-                  </m:oMath>
-                </a14:m>
-                <a:r>
-                  <a:rPr lang="en-US" dirty="0" smtClean="0">
-                    <a:cs typeface="Consolas" panose="020B0609020204030204" pitchFamily="49" charset="0"/>
-                  </a:rPr>
-                  <a:t>…</a:t>
-                </a:r>
-              </a:p>
-              <a:p>
-                <a:pPr lvl="1"/>
-                <a:r>
-                  <a:rPr lang="en-US" dirty="0" smtClean="0"/>
-                  <a:t>ﬁnds </a:t>
-                </a:r>
-                <a:r>
-                  <a:rPr lang="en-US" dirty="0"/>
-                  <a:t>the ﬁrst element with </a:t>
-                </a:r>
-                <a:r>
-                  <a:rPr lang="en-US" dirty="0" smtClean="0"/>
-                  <a:t>value </a:t>
-                </a:r>
-                <a14:m>
-                  <m:oMath xmlns:m="http://schemas.openxmlformats.org/officeDocument/2006/math">
-                    <m:r>
-                      <a:rPr lang="en-US" i="1" dirty="0" smtClean="0">
-                        <a:latin typeface="Cambria Math" panose="02040503050406030204" pitchFamily="18" charset="0"/>
-                      </a:rPr>
-                      <m:t>𝑘</m:t>
-                    </m:r>
-                  </m:oMath>
-                </a14:m>
-                <a:r>
-                  <a:rPr lang="en-US" dirty="0"/>
-                  <a:t> in </a:t>
-                </a:r>
-                <a:r>
-                  <a:rPr lang="en-US" dirty="0" smtClean="0"/>
-                  <a:t>the list </a:t>
-                </a:r>
-                <a14:m>
-                  <m:oMath xmlns:m="http://schemas.openxmlformats.org/officeDocument/2006/math">
-                    <m:r>
-                      <a:rPr lang="en-US" i="1" dirty="0" smtClean="0">
-                        <a:latin typeface="Cambria Math" panose="02040503050406030204" pitchFamily="18" charset="0"/>
-                      </a:rPr>
-                      <m:t>𝐿</m:t>
-                    </m:r>
-                  </m:oMath>
-                </a14:m>
-                <a:r>
-                  <a:rPr lang="en-US" dirty="0"/>
-                  <a:t> by a simple linear </a:t>
-                </a:r>
-                <a:r>
-                  <a:rPr lang="en-US" dirty="0" smtClean="0"/>
-                  <a:t>search</a:t>
-                </a:r>
-              </a:p>
-              <a:p>
-                <a:pPr lvl="1"/>
-                <a:r>
-                  <a:rPr lang="en-US" dirty="0" smtClean="0"/>
-                  <a:t>if </a:t>
-                </a:r>
-                <a:r>
-                  <a:rPr lang="en-US" dirty="0"/>
-                  <a:t>no object with v</a:t>
-                </a:r>
-                <a:r>
-                  <a:rPr lang="en-US" dirty="0" smtClean="0"/>
-                  <a:t>alue </a:t>
-                </a:r>
-                <a14:m>
-                  <m:oMath xmlns:m="http://schemas.openxmlformats.org/officeDocument/2006/math">
-                    <m:r>
-                      <a:rPr lang="en-US" i="1" dirty="0" smtClean="0">
-                        <a:latin typeface="Cambria Math" panose="02040503050406030204" pitchFamily="18" charset="0"/>
-                      </a:rPr>
-                      <m:t>𝑘</m:t>
-                    </m:r>
-                  </m:oMath>
-                </a14:m>
-                <a:r>
-                  <a:rPr lang="en-US" dirty="0"/>
-                  <a:t> appears, the procedure returns </a:t>
-                </a:r>
-                <a14:m>
-                  <m:oMath xmlns:m="http://schemas.openxmlformats.org/officeDocument/2006/math">
-                    <m:r>
-                      <a:rPr lang="en-US" i="1" dirty="0" smtClean="0">
-                        <a:latin typeface="Cambria Math" panose="02040503050406030204" pitchFamily="18" charset="0"/>
-                      </a:rPr>
-                      <m:t>𝑁𝐼𝐿</m:t>
-                    </m:r>
-                  </m:oMath>
-                </a14:m>
-                <a:endParaRPr lang="en-GB" dirty="0" smtClean="0"/>
-              </a:p>
-              <a:p>
-                <a:pPr marL="457200" lvl="1" indent="0">
-                  <a:buNone/>
-                </a:pPr>
-                <a:endParaRPr lang="en-US" dirty="0" smtClean="0"/>
-              </a:p>
-              <a:p>
-                <a:pPr marL="457200" lvl="1" indent="0">
-                  <a:buNone/>
-                </a:pPr>
-                <a:endParaRPr lang="en-US" dirty="0"/>
-              </a:p>
-              <a:p>
-                <a:pPr marL="457200" lvl="1" indent="0">
-                  <a:buNone/>
-                </a:pPr>
-                <a:endParaRPr lang="en-US" dirty="0" smtClean="0"/>
-              </a:p>
-              <a:p>
-                <a:pPr marL="457200" lvl="1" indent="0">
-                  <a:buNone/>
-                </a:pPr>
-                <a:endParaRPr lang="en-US" dirty="0"/>
-              </a:p>
-              <a:p>
-                <a:pPr marL="457200" lvl="1" indent="0">
-                  <a:buNone/>
-                </a:pPr>
-                <a:endParaRPr lang="en-US" dirty="0"/>
-              </a:p>
-              <a:p>
-                <a:r>
-                  <a:rPr lang="en-US" dirty="0" smtClean="0"/>
-                  <a:t>Complexity (worst case)?</a:t>
-                </a:r>
-              </a:p>
-              <a:p>
-                <a:pPr lvl="1"/>
-                <a14:m>
-                  <m:oMath xmlns:m="http://schemas.openxmlformats.org/officeDocument/2006/math">
-                    <m:r>
-                      <a:rPr lang="en-GB" b="0" i="1" smtClean="0">
-                        <a:latin typeface="Cambria Math" panose="02040503050406030204" pitchFamily="18" charset="0"/>
-                      </a:rPr>
-                      <m:t>𝑂</m:t>
-                    </m:r>
-                    <m:r>
-                      <a:rPr lang="en-GB" b="0" i="1" smtClean="0">
-                        <a:latin typeface="Cambria Math" panose="02040503050406030204" pitchFamily="18" charset="0"/>
-                      </a:rPr>
-                      <m:t>(</m:t>
-                    </m:r>
-                    <m:r>
-                      <a:rPr lang="en-GB" b="0" i="1" smtClean="0">
-                        <a:latin typeface="Cambria Math" panose="02040503050406030204" pitchFamily="18" charset="0"/>
-                      </a:rPr>
-                      <m:t>𝑛</m:t>
-                    </m:r>
-                    <m:r>
-                      <a:rPr lang="en-GB" b="0" i="1" smtClean="0">
-                        <a:latin typeface="Cambria Math" panose="02040503050406030204" pitchFamily="18" charset="0"/>
-                      </a:rPr>
-                      <m:t>)</m:t>
-                    </m:r>
-                  </m:oMath>
-                </a14:m>
-                <a:r>
-                  <a:rPr lang="en-US" dirty="0" smtClean="0"/>
-                  <a:t> since it may have to search the entire list</a:t>
-                </a:r>
-                <a:endParaRPr lang="en-US" dirty="0"/>
-              </a:p>
-            </p:txBody>
-          </p:sp>
-        </mc:Choice>
-        <mc:Fallback xmlns="">
-          <p:sp>
-            <p:nvSpPr>
-              <p:cNvPr id="3" name="Content Placeholder 2"/>
-              <p:cNvSpPr>
-                <a:spLocks noGrp="1" noRot="1" noChangeAspect="1" noMove="1" noResize="1" noEditPoints="1" noAdjustHandles="1" noChangeArrowheads="1" noChangeShapeType="1" noTextEdit="1"/>
-              </p:cNvSpPr>
-              <p:nvPr>
-                <p:ph idx="1"/>
-              </p:nvPr>
-            </p:nvSpPr>
-            <p:spPr>
-              <a:xfrm>
-                <a:off x="677334" y="2160589"/>
-                <a:ext cx="8596668" cy="4322404"/>
-              </a:xfrm>
-              <a:blipFill rotWithShape="0">
-                <a:blip r:embed="rId2"/>
-                <a:stretch>
-                  <a:fillRect l="-142" t="-846"/>
-                </a:stretch>
-              </a:blipFill>
-            </p:spPr>
-            <p:txBody>
-              <a:bodyPr/>
-              <a:lstStyle/>
-              <a:p>
-                <a:r>
-                  <a:rPr lang="nl-NL">
-                    <a:noFill/>
-                  </a:rPr>
-                  <a:t> </a:t>
-                </a:r>
-              </a:p>
-            </p:txBody>
-          </p:sp>
-        </mc:Fallback>
-      </mc:AlternateContent>
-      <p:sp>
-        <p:nvSpPr>
-          <p:cNvPr id="4" name="Footer Placeholder 3"/>
-          <p:cNvSpPr>
-            <a:spLocks noGrp="1"/>
-          </p:cNvSpPr>
-          <p:nvPr>
-            <p:ph type="ftr" sz="quarter" idx="11"/>
-          </p:nvPr>
-        </p:nvSpPr>
-        <p:spPr/>
-        <p:txBody>
-          <a:bodyPr/>
-          <a:lstStyle/>
-          <a:p>
-            <a:r>
-              <a:rPr lang="it-IT" smtClean="0"/>
-              <a:t>INFDEV026A - G. Costantini, F. Di Giacomo, G. Maggiore</a:t>
-            </a:r>
-            <a:endParaRPr lang="en-GB"/>
-          </a:p>
-        </p:txBody>
-      </p:sp>
-      <mc:AlternateContent xmlns:mc="http://schemas.openxmlformats.org/markup-compatibility/2006" xmlns:a14="http://schemas.microsoft.com/office/drawing/2010/main">
-        <mc:Choice Requires="a14">
-          <p:sp>
-            <p:nvSpPr>
-              <p:cNvPr id="5" name="Rectangle 4"/>
-              <p:cNvSpPr/>
-              <p:nvPr/>
-            </p:nvSpPr>
-            <p:spPr>
-              <a:xfrm>
-                <a:off x="3126319" y="3573690"/>
-                <a:ext cx="3921753" cy="1323439"/>
-              </a:xfrm>
-              <a:prstGeom prst="rect">
-                <a:avLst/>
-              </a:prstGeom>
-            </p:spPr>
-            <p:style>
-              <a:lnRef idx="2">
-                <a:schemeClr val="dk1"/>
-              </a:lnRef>
-              <a:fillRef idx="1">
-                <a:schemeClr val="lt1"/>
-              </a:fillRef>
-              <a:effectRef idx="0">
-                <a:schemeClr val="dk1"/>
-              </a:effectRef>
-              <a:fontRef idx="minor">
-                <a:schemeClr val="dk1"/>
-              </a:fontRef>
-            </p:style>
-            <p:txBody>
-              <a:bodyPr wrap="square">
-                <a:spAutoFit/>
-              </a:bodyPr>
-              <a:lstStyle/>
-              <a:p>
-                <a:r>
-                  <a:rPr lang="en-US" sz="1600" dirty="0" smtClean="0">
-                    <a:latin typeface="Consolas" panose="020B0609020204030204" pitchFamily="49" charset="0"/>
-                    <a:cs typeface="Consolas" panose="020B0609020204030204" pitchFamily="49" charset="0"/>
-                  </a:rPr>
-                  <a:t>LIST-SEARCH(</a:t>
-                </a:r>
-                <a:r>
-                  <a:rPr lang="en-US" sz="1600" dirty="0" err="1" smtClean="0">
-                    <a:latin typeface="Consolas" panose="020B0609020204030204" pitchFamily="49" charset="0"/>
-                    <a:cs typeface="Consolas" panose="020B0609020204030204" pitchFamily="49" charset="0"/>
-                  </a:rPr>
-                  <a:t>L,k</a:t>
-                </a:r>
-                <a:r>
-                  <a:rPr lang="en-US" sz="1600" dirty="0">
-                    <a:latin typeface="Consolas" panose="020B0609020204030204" pitchFamily="49" charset="0"/>
-                    <a:cs typeface="Consolas" panose="020B0609020204030204" pitchFamily="49" charset="0"/>
-                  </a:rPr>
-                  <a:t>) </a:t>
-                </a:r>
-                <a:endParaRPr lang="en-US" sz="1600" dirty="0" smtClean="0">
-                  <a:latin typeface="Consolas" panose="020B0609020204030204" pitchFamily="49" charset="0"/>
-                  <a:cs typeface="Consolas" panose="020B0609020204030204" pitchFamily="49" charset="0"/>
-                </a:endParaRPr>
-              </a:p>
-              <a:p>
-                <a:r>
-                  <a:rPr lang="en-US" sz="1600" dirty="0" smtClean="0">
-                    <a:latin typeface="Consolas" panose="020B0609020204030204" pitchFamily="49" charset="0"/>
-                    <a:cs typeface="Consolas" panose="020B0609020204030204" pitchFamily="49" charset="0"/>
-                  </a:rPr>
-                  <a:t>  p </a:t>
-                </a:r>
-                <a:r>
-                  <a:rPr lang="en-US" sz="1600" dirty="0">
-                    <a:latin typeface="Consolas" panose="020B0609020204030204" pitchFamily="49" charset="0"/>
-                    <a:cs typeface="Consolas" panose="020B0609020204030204" pitchFamily="49" charset="0"/>
-                  </a:rPr>
-                  <a:t>= </a:t>
-                </a:r>
-                <a:r>
-                  <a:rPr lang="en-US" sz="1600" dirty="0" err="1">
-                    <a:latin typeface="Consolas" panose="020B0609020204030204" pitchFamily="49" charset="0"/>
-                    <a:cs typeface="Consolas" panose="020B0609020204030204" pitchFamily="49" charset="0"/>
-                  </a:rPr>
-                  <a:t>L.start</a:t>
-                </a:r>
-                <a:r>
-                  <a:rPr lang="en-US" sz="1600" dirty="0">
-                    <a:latin typeface="Consolas" panose="020B0609020204030204" pitchFamily="49" charset="0"/>
-                    <a:cs typeface="Consolas" panose="020B0609020204030204" pitchFamily="49" charset="0"/>
-                  </a:rPr>
-                  <a:t> </a:t>
-                </a:r>
-              </a:p>
-              <a:p>
-                <a:r>
-                  <a:rPr lang="en-US" sz="1600" dirty="0" smtClean="0">
-                    <a:latin typeface="Consolas" panose="020B0609020204030204" pitchFamily="49" charset="0"/>
-                    <a:cs typeface="Consolas" panose="020B0609020204030204" pitchFamily="49" charset="0"/>
-                  </a:rPr>
-                  <a:t>  while p </a:t>
-                </a:r>
-                <a14:m>
-                  <m:oMath xmlns:m="http://schemas.openxmlformats.org/officeDocument/2006/math">
-                    <m:r>
-                      <a:rPr lang="en-GB" sz="1600" i="1">
-                        <a:latin typeface="Cambria Math" panose="02040503050406030204" pitchFamily="18" charset="0"/>
-                      </a:rPr>
-                      <m:t>≠</m:t>
-                    </m:r>
-                  </m:oMath>
-                </a14:m>
-                <a:r>
-                  <a:rPr lang="en-US" sz="1600" dirty="0">
-                    <a:latin typeface="Consolas" panose="020B0609020204030204" pitchFamily="49" charset="0"/>
-                    <a:cs typeface="Consolas" panose="020B0609020204030204" pitchFamily="49" charset="0"/>
-                  </a:rPr>
-                  <a:t> NIL and </a:t>
-                </a:r>
-                <a:r>
-                  <a:rPr lang="en-US" sz="1600" dirty="0" err="1" smtClean="0">
-                    <a:latin typeface="Consolas" panose="020B0609020204030204" pitchFamily="49" charset="0"/>
-                    <a:cs typeface="Consolas" panose="020B0609020204030204" pitchFamily="49" charset="0"/>
-                  </a:rPr>
-                  <a:t>p.data</a:t>
-                </a:r>
-                <a:r>
-                  <a:rPr lang="en-US" sz="1600" dirty="0" smtClean="0">
-                    <a:latin typeface="Consolas" panose="020B0609020204030204" pitchFamily="49" charset="0"/>
-                    <a:cs typeface="Consolas" panose="020B0609020204030204" pitchFamily="49" charset="0"/>
-                  </a:rPr>
-                  <a:t> </a:t>
-                </a:r>
-                <a14:m>
-                  <m:oMath xmlns:m="http://schemas.openxmlformats.org/officeDocument/2006/math">
-                    <m:r>
-                      <a:rPr lang="en-GB" sz="1600" i="1">
-                        <a:latin typeface="Cambria Math" panose="02040503050406030204" pitchFamily="18" charset="0"/>
-                      </a:rPr>
-                      <m:t>≠</m:t>
-                    </m:r>
-                  </m:oMath>
-                </a14:m>
-                <a:r>
-                  <a:rPr lang="en-US" sz="1600" dirty="0">
-                    <a:latin typeface="Consolas" panose="020B0609020204030204" pitchFamily="49" charset="0"/>
-                    <a:cs typeface="Consolas" panose="020B0609020204030204" pitchFamily="49" charset="0"/>
-                  </a:rPr>
-                  <a:t> </a:t>
-                </a:r>
-                <a:r>
-                  <a:rPr lang="en-US" sz="1600" dirty="0" smtClean="0">
-                    <a:latin typeface="Consolas" panose="020B0609020204030204" pitchFamily="49" charset="0"/>
-                    <a:cs typeface="Consolas" panose="020B0609020204030204" pitchFamily="49" charset="0"/>
-                  </a:rPr>
-                  <a:t>k</a:t>
-                </a:r>
-              </a:p>
-              <a:p>
-                <a:r>
-                  <a:rPr lang="en-US" sz="1600" dirty="0">
-                    <a:latin typeface="Consolas" panose="020B0609020204030204" pitchFamily="49" charset="0"/>
-                    <a:cs typeface="Consolas" panose="020B0609020204030204" pitchFamily="49" charset="0"/>
-                  </a:rPr>
-                  <a:t> </a:t>
-                </a:r>
-                <a:r>
-                  <a:rPr lang="en-US" sz="1600" dirty="0" smtClean="0">
-                    <a:latin typeface="Consolas" panose="020B0609020204030204" pitchFamily="49" charset="0"/>
-                    <a:cs typeface="Consolas" panose="020B0609020204030204" pitchFamily="49" charset="0"/>
-                  </a:rPr>
-                  <a:t>   p </a:t>
-                </a:r>
-                <a:r>
-                  <a:rPr lang="en-US" sz="1600" dirty="0">
-                    <a:latin typeface="Consolas" panose="020B0609020204030204" pitchFamily="49" charset="0"/>
-                    <a:cs typeface="Consolas" panose="020B0609020204030204" pitchFamily="49" charset="0"/>
-                  </a:rPr>
-                  <a:t>= </a:t>
-                </a:r>
-                <a:r>
-                  <a:rPr lang="en-US" sz="1600" dirty="0" err="1" smtClean="0">
-                    <a:latin typeface="Consolas" panose="020B0609020204030204" pitchFamily="49" charset="0"/>
-                    <a:cs typeface="Consolas" panose="020B0609020204030204" pitchFamily="49" charset="0"/>
-                  </a:rPr>
-                  <a:t>p.next</a:t>
-                </a:r>
-                <a:r>
-                  <a:rPr lang="en-US" sz="1600" dirty="0" smtClean="0">
-                    <a:latin typeface="Consolas" panose="020B0609020204030204" pitchFamily="49" charset="0"/>
-                    <a:cs typeface="Consolas" panose="020B0609020204030204" pitchFamily="49" charset="0"/>
-                  </a:rPr>
-                  <a:t> </a:t>
-                </a:r>
-              </a:p>
-              <a:p>
-                <a:r>
-                  <a:rPr lang="en-US" sz="1600" dirty="0">
-                    <a:latin typeface="Consolas" panose="020B0609020204030204" pitchFamily="49" charset="0"/>
-                    <a:cs typeface="Consolas" panose="020B0609020204030204" pitchFamily="49" charset="0"/>
-                  </a:rPr>
-                  <a:t> </a:t>
-                </a:r>
-                <a:r>
-                  <a:rPr lang="en-US" sz="1600" dirty="0" smtClean="0">
-                    <a:latin typeface="Consolas" panose="020B0609020204030204" pitchFamily="49" charset="0"/>
-                    <a:cs typeface="Consolas" panose="020B0609020204030204" pitchFamily="49" charset="0"/>
-                  </a:rPr>
-                  <a:t> return p</a:t>
-                </a:r>
-                <a:endParaRPr lang="en-US" sz="1600" dirty="0">
-                  <a:latin typeface="Consolas" panose="020B0609020204030204" pitchFamily="49" charset="0"/>
-                  <a:cs typeface="Consolas" panose="020B0609020204030204" pitchFamily="49" charset="0"/>
-                </a:endParaRPr>
-              </a:p>
-            </p:txBody>
-          </p:sp>
-        </mc:Choice>
-        <mc:Fallback xmlns="">
-          <p:sp>
-            <p:nvSpPr>
-              <p:cNvPr id="5" name="Rectangle 4"/>
-              <p:cNvSpPr>
-                <a:spLocks noRot="1" noChangeAspect="1" noMove="1" noResize="1" noEditPoints="1" noAdjustHandles="1" noChangeArrowheads="1" noChangeShapeType="1" noTextEdit="1"/>
-              </p:cNvSpPr>
-              <p:nvPr/>
-            </p:nvSpPr>
-            <p:spPr>
-              <a:xfrm>
-                <a:off x="3126319" y="3573690"/>
-                <a:ext cx="3921753" cy="1323439"/>
-              </a:xfrm>
-              <a:prstGeom prst="rect">
-                <a:avLst/>
-              </a:prstGeom>
-              <a:blipFill rotWithShape="0">
-                <a:blip r:embed="rId3"/>
-                <a:stretch>
-                  <a:fillRect l="-774" t="-1364" b="-3636"/>
-                </a:stretch>
-              </a:blipFill>
-            </p:spPr>
-            <p:txBody>
-              <a:bodyPr/>
-              <a:lstStyle/>
-              <a:p>
-                <a:r>
-                  <a:rPr lang="en-GB">
-                    <a:noFill/>
-                  </a:rPr>
-                  <a:t> </a:t>
-                </a:r>
-              </a:p>
-            </p:txBody>
-          </p:sp>
-        </mc:Fallback>
-      </mc:AlternateContent>
-    </p:spTree>
-    <p:extLst>
-      <p:ext uri="{BB962C8B-B14F-4D97-AF65-F5344CB8AC3E}">
-        <p14:creationId xmlns:p14="http://schemas.microsoft.com/office/powerpoint/2010/main" val="1504788313"/>
-      </p:ext>
-    </p:extLst>
-  </p:cSld>
-  <p:clrMapOvr>
-    <a:masterClrMapping/>
-  </p:clrMapOvr>
-  <p:timing>
-    <p:tnLst>
-      <p:par>
-        <p:cTn id="1" dur="indefinite" restart="never" nodeType="tmRoot">
-          <p:childTnLst>
-            <p:seq concurrent="1" nextAc="seek">
-              <p:cTn id="2" dur="indefinite" nodeType="mainSeq">
-                <p:childTnLst>
-                  <p:par>
-                    <p:cTn id="3" fill="hold">
-                      <p:stCondLst>
-                        <p:cond delay="indefinite"/>
-                      </p:stCondLst>
-                      <p:childTnLst>
-                        <p:par>
-                          <p:cTn id="4" fill="hold">
-                            <p:stCondLst>
-                              <p:cond delay="0"/>
-                            </p:stCondLst>
-                            <p:childTnLst>
-                              <p:par>
-                                <p:cTn id="5" presetID="1" presetClass="entr" presetSubtype="0" fill="hold" nodeType="clickEffect">
-                                  <p:stCondLst>
-                                    <p:cond delay="0"/>
-                                  </p:stCondLst>
-                                  <p:childTnLst>
-                                    <p:set>
-                                      <p:cBhvr>
-                                        <p:cTn id="6" dur="1" fill="hold">
-                                          <p:stCondLst>
-                                            <p:cond delay="0"/>
-                                          </p:stCondLst>
-                                        </p:cTn>
-                                        <p:tgtEl>
-                                          <p:spTgt spid="3">
-                                            <p:txEl>
-                                              <p:pRg st="9" end="9"/>
-                                            </p:txEl>
-                                          </p:spTgt>
-                                        </p:tgtEl>
-                                        <p:attrNameLst>
-                                          <p:attrName>style.visibility</p:attrName>
-                                        </p:attrNameLst>
-                                      </p:cBhvr>
-                                      <p:to>
-                                        <p:strVal val="visible"/>
-                                      </p:to>
-                                    </p:set>
-                                  </p:childTnLst>
-                                </p:cTn>
-                              </p:par>
-                            </p:childTnLst>
-                          </p:cTn>
-                        </p:par>
-                      </p:childTnLst>
-                    </p:cTn>
-                  </p:par>
-                </p:childTnLst>
-              </p:cTn>
-              <p:prevCondLst>
-                <p:cond evt="onPrev" delay="0">
-                  <p:tgtEl>
-                    <p:sldTgt/>
-                  </p:tgtEl>
-                </p:cond>
-              </p:prevCondLst>
-              <p:nextCondLst>
-                <p:cond evt="onNext" delay="0">
-                  <p:tgtEl>
-                    <p:sldTgt/>
-                  </p:tgtEl>
-                </p:cond>
-              </p:nextCondLst>
-            </p:seq>
-          </p:childTnLst>
-        </p:cTn>
-      </p:par>
-    </p:tnLst>
-  </p:timing>
-</p:sld>
-</file>
-
-<file path=ppt/slides/slide60.xml><?xml version="1.0" encoding="utf-8"?>
-<p:sld xmlns:a="http://schemas.openxmlformats.org/drawingml/2006/main" xmlns:r="http://schemas.openxmlformats.org/officeDocument/2006/relationships" xmlns:p="http://schemas.openxmlformats.org/presentationml/2006/main">
-  <p:cSld>
-    <p:spTree>
-      <p:nvGrpSpPr>
-        <p:cNvPr id="1" name=""/>
-        <p:cNvGrpSpPr/>
-        <p:nvPr/>
-      </p:nvGrpSpPr>
-      <p:grpSpPr>
-        <a:xfrm>
-          <a:off x="0" y="0"/>
-          <a:ext cx="0" cy="0"/>
-          <a:chOff x="0" y="0"/>
-          <a:chExt cx="0" cy="0"/>
-        </a:xfrm>
-      </p:grpSpPr>
-      <p:sp>
-        <p:nvSpPr>
-          <p:cNvPr id="2" name="Titel 1"/>
-          <p:cNvSpPr>
-            <a:spLocks noGrp="1"/>
-          </p:cNvSpPr>
-          <p:nvPr>
-            <p:ph type="title"/>
-          </p:nvPr>
-        </p:nvSpPr>
-        <p:spPr/>
-        <p:txBody>
-          <a:bodyPr/>
-          <a:lstStyle/>
-          <a:p>
-            <a:r>
-              <a:rPr lang="en-GB" dirty="0"/>
-              <a:t>Hash table </a:t>
-            </a:r>
-            <a:r>
-              <a:rPr lang="en-GB" dirty="0" smtClean="0"/>
               <a:t>– Performance analysis</a:t>
             </a:r>
             <a:endParaRPr lang="nl-NL" dirty="0"/>
@@ -28430,9 +27723,27 @@
                     <a:tableStyleId>{5C22544A-7EE6-4342-B048-85BDC9FD1C3A}</a:tableStyleId>
                   </a:tblPr>
                   <a:tblGrid>
-                    <a:gridCol w="1626301"/>
-                    <a:gridCol w="1814234"/>
-                    <a:gridCol w="1502411"/>
+                    <a:gridCol w="1626301">
+                      <a:extLst>
+                        <a:ext uri="{9D8B030D-6E8A-4147-A177-3AD203B41FA5}">
+                          <a16:colId xmlns:a16="http://schemas.microsoft.com/office/drawing/2014/main" val="20000"/>
+                        </a:ext>
+                      </a:extLst>
+                    </a:gridCol>
+                    <a:gridCol w="1814234">
+                      <a:extLst>
+                        <a:ext uri="{9D8B030D-6E8A-4147-A177-3AD203B41FA5}">
+                          <a16:colId xmlns:a16="http://schemas.microsoft.com/office/drawing/2014/main" val="20001"/>
+                        </a:ext>
+                      </a:extLst>
+                    </a:gridCol>
+                    <a:gridCol w="1502411">
+                      <a:extLst>
+                        <a:ext uri="{9D8B030D-6E8A-4147-A177-3AD203B41FA5}">
+                          <a16:colId xmlns:a16="http://schemas.microsoft.com/office/drawing/2014/main" val="20002"/>
+                        </a:ext>
+                      </a:extLst>
+                    </a:gridCol>
                   </a:tblGrid>
                   <a:tr h="360231">
                     <a:tc>
@@ -28477,6 +27788,11 @@
                       </a:txBody>
                       <a:tcPr/>
                     </a:tc>
+                    <a:extLst>
+                      <a:ext uri="{0D108BD9-81ED-4DB2-BD59-A6C34878D82A}">
+                        <a16:rowId xmlns:a16="http://schemas.microsoft.com/office/drawing/2014/main" val="10000"/>
+                      </a:ext>
+                    </a:extLst>
                   </a:tr>
                   <a:tr h="360231">
                     <a:tc>
@@ -28569,6 +27885,11 @@
                       </a:txBody>
                       <a:tcPr/>
                     </a:tc>
+                    <a:extLst>
+                      <a:ext uri="{0D108BD9-81ED-4DB2-BD59-A6C34878D82A}">
+                        <a16:rowId xmlns:a16="http://schemas.microsoft.com/office/drawing/2014/main" val="10001"/>
+                      </a:ext>
+                    </a:extLst>
                   </a:tr>
                   <a:tr h="360231">
                     <a:tc>
@@ -28677,6 +27998,11 @@
                       </a:txBody>
                       <a:tcPr/>
                     </a:tc>
+                    <a:extLst>
+                      <a:ext uri="{0D108BD9-81ED-4DB2-BD59-A6C34878D82A}">
+                        <a16:rowId xmlns:a16="http://schemas.microsoft.com/office/drawing/2014/main" val="10002"/>
+                      </a:ext>
+                    </a:extLst>
                   </a:tr>
                   <a:tr h="360231">
                     <a:tc>
@@ -28785,6 +28111,11 @@
                       </a:txBody>
                       <a:tcPr/>
                     </a:tc>
+                    <a:extLst>
+                      <a:ext uri="{0D108BD9-81ED-4DB2-BD59-A6C34878D82A}">
+                        <a16:rowId xmlns:a16="http://schemas.microsoft.com/office/drawing/2014/main" val="10003"/>
+                      </a:ext>
+                    </a:extLst>
                   </a:tr>
                 </a:tbl>
               </a:graphicData>
@@ -29041,6 +28372,951 @@
 </p:sld>
 </file>
 
+<file path=ppt/slides/slide6.xml><?xml version="1.0" encoding="utf-8"?>
+<p:sld xmlns:a="http://schemas.openxmlformats.org/drawingml/2006/main" xmlns:r="http://schemas.openxmlformats.org/officeDocument/2006/relationships" xmlns:p="http://schemas.openxmlformats.org/presentationml/2006/main">
+  <p:cSld>
+    <p:spTree>
+      <p:nvGrpSpPr>
+        <p:cNvPr id="1" name=""/>
+        <p:cNvGrpSpPr/>
+        <p:nvPr/>
+      </p:nvGrpSpPr>
+      <p:grpSpPr>
+        <a:xfrm>
+          <a:off x="0" y="0"/>
+          <a:ext cx="0" cy="0"/>
+          <a:chOff x="0" y="0"/>
+          <a:chExt cx="0" cy="0"/>
+        </a:xfrm>
+      </p:grpSpPr>
+      <p:sp>
+        <p:nvSpPr>
+          <p:cNvPr id="2" name="Title 1"/>
+          <p:cNvSpPr>
+            <a:spLocks noGrp="1"/>
+          </p:cNvSpPr>
+          <p:nvPr>
+            <p:ph type="title"/>
+          </p:nvPr>
+        </p:nvSpPr>
+        <p:spPr/>
+        <p:txBody>
+          <a:bodyPr/>
+          <a:lstStyle/>
+          <a:p>
+            <a:r>
+              <a:rPr lang="en-GB" dirty="0" smtClean="0"/>
+              <a:t>Linked list operations: SEARCH</a:t>
+            </a:r>
+            <a:endParaRPr lang="en-GB" dirty="0"/>
+          </a:p>
+        </p:txBody>
+      </p:sp>
+      <mc:AlternateContent xmlns:mc="http://schemas.openxmlformats.org/markup-compatibility/2006" xmlns:a14="http://schemas.microsoft.com/office/drawing/2010/main">
+        <mc:Choice Requires="a14">
+          <p:sp>
+            <p:nvSpPr>
+              <p:cNvPr id="3" name="Content Placeholder 2"/>
+              <p:cNvSpPr>
+                <a:spLocks noGrp="1"/>
+              </p:cNvSpPr>
+              <p:nvPr>
+                <p:ph idx="1"/>
+              </p:nvPr>
+            </p:nvSpPr>
+            <p:spPr>
+              <a:xfrm>
+                <a:off x="677334" y="2160589"/>
+                <a:ext cx="8596668" cy="4322404"/>
+              </a:xfrm>
+            </p:spPr>
+            <p:txBody>
+              <a:bodyPr>
+                <a:normAutofit/>
+              </a:bodyPr>
+              <a:lstStyle/>
+              <a:p>
+                <a:r>
+                  <a:rPr lang="en-US" i="0" dirty="0" smtClean="0"/>
+                  <a:t>Given a value </a:t>
+                </a:r>
+                <a14:m>
+                  <m:oMath xmlns:m="http://schemas.openxmlformats.org/officeDocument/2006/math">
+                    <m:r>
+                      <a:rPr lang="en-GB" b="0" i="1" smtClean="0">
+                        <a:latin typeface="Cambria Math" panose="02040503050406030204" pitchFamily="18" charset="0"/>
+                      </a:rPr>
+                      <m:t>𝑘</m:t>
+                    </m:r>
+                  </m:oMath>
+                </a14:m>
+                <a:r>
+                  <a:rPr lang="en-US" dirty="0" smtClean="0">
+                    <a:cs typeface="Consolas" panose="020B0609020204030204" pitchFamily="49" charset="0"/>
+                  </a:rPr>
+                  <a:t> and a list </a:t>
+                </a:r>
+                <a14:m>
+                  <m:oMath xmlns:m="http://schemas.openxmlformats.org/officeDocument/2006/math">
+                    <m:r>
+                      <a:rPr lang="en-GB" b="0" i="1" smtClean="0">
+                        <a:latin typeface="Cambria Math" panose="02040503050406030204" pitchFamily="18" charset="0"/>
+                        <a:cs typeface="Consolas" panose="020B0609020204030204" pitchFamily="49" charset="0"/>
+                      </a:rPr>
+                      <m:t>𝐿</m:t>
+                    </m:r>
+                  </m:oMath>
+                </a14:m>
+                <a:r>
+                  <a:rPr lang="en-US" dirty="0" smtClean="0">
+                    <a:cs typeface="Consolas" panose="020B0609020204030204" pitchFamily="49" charset="0"/>
+                  </a:rPr>
+                  <a:t>…</a:t>
+                </a:r>
+              </a:p>
+              <a:p>
+                <a:pPr lvl="1"/>
+                <a:r>
+                  <a:rPr lang="en-US" dirty="0" smtClean="0"/>
+                  <a:t>ﬁnds </a:t>
+                </a:r>
+                <a:r>
+                  <a:rPr lang="en-US" dirty="0"/>
+                  <a:t>the ﬁrst element with </a:t>
+                </a:r>
+                <a:r>
+                  <a:rPr lang="en-US" dirty="0" smtClean="0"/>
+                  <a:t>value </a:t>
+                </a:r>
+                <a14:m>
+                  <m:oMath xmlns:m="http://schemas.openxmlformats.org/officeDocument/2006/math">
+                    <m:r>
+                      <a:rPr lang="en-US" i="1" dirty="0" smtClean="0">
+                        <a:latin typeface="Cambria Math" panose="02040503050406030204" pitchFamily="18" charset="0"/>
+                      </a:rPr>
+                      <m:t>𝑘</m:t>
+                    </m:r>
+                  </m:oMath>
+                </a14:m>
+                <a:r>
+                  <a:rPr lang="en-US" dirty="0"/>
+                  <a:t> in </a:t>
+                </a:r>
+                <a:r>
+                  <a:rPr lang="en-US" dirty="0" smtClean="0"/>
+                  <a:t>the list </a:t>
+                </a:r>
+                <a14:m>
+                  <m:oMath xmlns:m="http://schemas.openxmlformats.org/officeDocument/2006/math">
+                    <m:r>
+                      <a:rPr lang="en-US" i="1" dirty="0" smtClean="0">
+                        <a:latin typeface="Cambria Math" panose="02040503050406030204" pitchFamily="18" charset="0"/>
+                      </a:rPr>
+                      <m:t>𝐿</m:t>
+                    </m:r>
+                  </m:oMath>
+                </a14:m>
+                <a:r>
+                  <a:rPr lang="en-US" dirty="0"/>
+                  <a:t> by a simple linear </a:t>
+                </a:r>
+                <a:r>
+                  <a:rPr lang="en-US" dirty="0" smtClean="0"/>
+                  <a:t>search</a:t>
+                </a:r>
+              </a:p>
+              <a:p>
+                <a:pPr lvl="1"/>
+                <a:r>
+                  <a:rPr lang="en-US" dirty="0" smtClean="0"/>
+                  <a:t>if </a:t>
+                </a:r>
+                <a:r>
+                  <a:rPr lang="en-US" dirty="0"/>
+                  <a:t>no object with v</a:t>
+                </a:r>
+                <a:r>
+                  <a:rPr lang="en-US" dirty="0" smtClean="0"/>
+                  <a:t>alue </a:t>
+                </a:r>
+                <a14:m>
+                  <m:oMath xmlns:m="http://schemas.openxmlformats.org/officeDocument/2006/math">
+                    <m:r>
+                      <a:rPr lang="en-US" i="1" dirty="0" smtClean="0">
+                        <a:latin typeface="Cambria Math" panose="02040503050406030204" pitchFamily="18" charset="0"/>
+                      </a:rPr>
+                      <m:t>𝑘</m:t>
+                    </m:r>
+                  </m:oMath>
+                </a14:m>
+                <a:r>
+                  <a:rPr lang="en-US" dirty="0"/>
+                  <a:t> appears, the procedure returns </a:t>
+                </a:r>
+                <a14:m>
+                  <m:oMath xmlns:m="http://schemas.openxmlformats.org/officeDocument/2006/math">
+                    <m:r>
+                      <a:rPr lang="en-US" i="1" dirty="0" smtClean="0">
+                        <a:latin typeface="Cambria Math" panose="02040503050406030204" pitchFamily="18" charset="0"/>
+                      </a:rPr>
+                      <m:t>𝑁𝐼𝐿</m:t>
+                    </m:r>
+                  </m:oMath>
+                </a14:m>
+                <a:endParaRPr lang="en-GB" dirty="0" smtClean="0"/>
+              </a:p>
+              <a:p>
+                <a:pPr marL="457200" lvl="1" indent="0">
+                  <a:buNone/>
+                </a:pPr>
+                <a:endParaRPr lang="en-US" dirty="0" smtClean="0"/>
+              </a:p>
+              <a:p>
+                <a:pPr marL="457200" lvl="1" indent="0">
+                  <a:buNone/>
+                </a:pPr>
+                <a:endParaRPr lang="en-US" dirty="0"/>
+              </a:p>
+              <a:p>
+                <a:pPr marL="457200" lvl="1" indent="0">
+                  <a:buNone/>
+                </a:pPr>
+                <a:endParaRPr lang="en-US" dirty="0" smtClean="0"/>
+              </a:p>
+              <a:p>
+                <a:pPr marL="457200" lvl="1" indent="0">
+                  <a:buNone/>
+                </a:pPr>
+                <a:endParaRPr lang="en-US" dirty="0"/>
+              </a:p>
+              <a:p>
+                <a:pPr marL="457200" lvl="1" indent="0">
+                  <a:buNone/>
+                </a:pPr>
+                <a:endParaRPr lang="en-US" dirty="0"/>
+              </a:p>
+              <a:p>
+                <a:r>
+                  <a:rPr lang="en-US" dirty="0" smtClean="0"/>
+                  <a:t>Complexity (worst case)?</a:t>
+                </a:r>
+              </a:p>
+              <a:p>
+                <a:pPr lvl="1"/>
+                <a14:m>
+                  <m:oMath xmlns:m="http://schemas.openxmlformats.org/officeDocument/2006/math">
+                    <m:r>
+                      <a:rPr lang="en-GB" b="0" i="1" smtClean="0">
+                        <a:latin typeface="Cambria Math" panose="02040503050406030204" pitchFamily="18" charset="0"/>
+                      </a:rPr>
+                      <m:t>𝑂</m:t>
+                    </m:r>
+                    <m:r>
+                      <a:rPr lang="en-GB" b="0" i="1" smtClean="0">
+                        <a:latin typeface="Cambria Math" panose="02040503050406030204" pitchFamily="18" charset="0"/>
+                      </a:rPr>
+                      <m:t>(</m:t>
+                    </m:r>
+                    <m:r>
+                      <a:rPr lang="en-GB" b="0" i="1" smtClean="0">
+                        <a:latin typeface="Cambria Math" panose="02040503050406030204" pitchFamily="18" charset="0"/>
+                      </a:rPr>
+                      <m:t>𝑛</m:t>
+                    </m:r>
+                    <m:r>
+                      <a:rPr lang="en-GB" b="0" i="1" smtClean="0">
+                        <a:latin typeface="Cambria Math" panose="02040503050406030204" pitchFamily="18" charset="0"/>
+                      </a:rPr>
+                      <m:t>)</m:t>
+                    </m:r>
+                  </m:oMath>
+                </a14:m>
+                <a:r>
+                  <a:rPr lang="en-US" dirty="0" smtClean="0"/>
+                  <a:t> since it may have to search the entire list</a:t>
+                </a:r>
+                <a:endParaRPr lang="en-US" dirty="0"/>
+              </a:p>
+            </p:txBody>
+          </p:sp>
+        </mc:Choice>
+        <mc:Fallback xmlns="">
+          <p:sp>
+            <p:nvSpPr>
+              <p:cNvPr id="3" name="Content Placeholder 2"/>
+              <p:cNvSpPr>
+                <a:spLocks noGrp="1" noRot="1" noChangeAspect="1" noMove="1" noResize="1" noEditPoints="1" noAdjustHandles="1" noChangeArrowheads="1" noChangeShapeType="1" noTextEdit="1"/>
+              </p:cNvSpPr>
+              <p:nvPr>
+                <p:ph idx="1"/>
+              </p:nvPr>
+            </p:nvSpPr>
+            <p:spPr>
+              <a:xfrm>
+                <a:off x="677334" y="2160589"/>
+                <a:ext cx="8596668" cy="4322404"/>
+              </a:xfrm>
+              <a:blipFill rotWithShape="0">
+                <a:blip r:embed="rId2"/>
+                <a:stretch>
+                  <a:fillRect l="-142" t="-846"/>
+                </a:stretch>
+              </a:blipFill>
+            </p:spPr>
+            <p:txBody>
+              <a:bodyPr/>
+              <a:lstStyle/>
+              <a:p>
+                <a:r>
+                  <a:rPr lang="nl-NL">
+                    <a:noFill/>
+                  </a:rPr>
+                  <a:t> </a:t>
+                </a:r>
+              </a:p>
+            </p:txBody>
+          </p:sp>
+        </mc:Fallback>
+      </mc:AlternateContent>
+      <p:sp>
+        <p:nvSpPr>
+          <p:cNvPr id="4" name="Footer Placeholder 3"/>
+          <p:cNvSpPr>
+            <a:spLocks noGrp="1"/>
+          </p:cNvSpPr>
+          <p:nvPr>
+            <p:ph type="ftr" sz="quarter" idx="11"/>
+          </p:nvPr>
+        </p:nvSpPr>
+        <p:spPr/>
+        <p:txBody>
+          <a:bodyPr/>
+          <a:lstStyle/>
+          <a:p>
+            <a:r>
+              <a:rPr lang="it-IT" smtClean="0"/>
+              <a:t>INFDEV026A - G. Costantini, F. Di Giacomo, G. Maggiore</a:t>
+            </a:r>
+            <a:endParaRPr lang="en-GB"/>
+          </a:p>
+        </p:txBody>
+      </p:sp>
+      <mc:AlternateContent xmlns:mc="http://schemas.openxmlformats.org/markup-compatibility/2006" xmlns:a14="http://schemas.microsoft.com/office/drawing/2010/main">
+        <mc:Choice Requires="a14">
+          <p:sp>
+            <p:nvSpPr>
+              <p:cNvPr id="5" name="Rectangle 4"/>
+              <p:cNvSpPr/>
+              <p:nvPr/>
+            </p:nvSpPr>
+            <p:spPr>
+              <a:xfrm>
+                <a:off x="3126319" y="3573690"/>
+                <a:ext cx="3921753" cy="1323439"/>
+              </a:xfrm>
+              <a:prstGeom prst="rect">
+                <a:avLst/>
+              </a:prstGeom>
+            </p:spPr>
+            <p:style>
+              <a:lnRef idx="2">
+                <a:schemeClr val="dk1"/>
+              </a:lnRef>
+              <a:fillRef idx="1">
+                <a:schemeClr val="lt1"/>
+              </a:fillRef>
+              <a:effectRef idx="0">
+                <a:schemeClr val="dk1"/>
+              </a:effectRef>
+              <a:fontRef idx="minor">
+                <a:schemeClr val="dk1"/>
+              </a:fontRef>
+            </p:style>
+            <p:txBody>
+              <a:bodyPr wrap="square">
+                <a:spAutoFit/>
+              </a:bodyPr>
+              <a:lstStyle/>
+              <a:p>
+                <a:r>
+                  <a:rPr lang="en-US" sz="1600" dirty="0" smtClean="0">
+                    <a:latin typeface="Consolas" panose="020B0609020204030204" pitchFamily="49" charset="0"/>
+                    <a:cs typeface="Consolas" panose="020B0609020204030204" pitchFamily="49" charset="0"/>
+                  </a:rPr>
+                  <a:t>LIST-SEARCH(</a:t>
+                </a:r>
+                <a:r>
+                  <a:rPr lang="en-US" sz="1600" dirty="0" err="1" smtClean="0">
+                    <a:latin typeface="Consolas" panose="020B0609020204030204" pitchFamily="49" charset="0"/>
+                    <a:cs typeface="Consolas" panose="020B0609020204030204" pitchFamily="49" charset="0"/>
+                  </a:rPr>
+                  <a:t>L,k</a:t>
+                </a:r>
+                <a:r>
+                  <a:rPr lang="en-US" sz="1600" dirty="0">
+                    <a:latin typeface="Consolas" panose="020B0609020204030204" pitchFamily="49" charset="0"/>
+                    <a:cs typeface="Consolas" panose="020B0609020204030204" pitchFamily="49" charset="0"/>
+                  </a:rPr>
+                  <a:t>) </a:t>
+                </a:r>
+                <a:endParaRPr lang="en-US" sz="1600" dirty="0" smtClean="0">
+                  <a:latin typeface="Consolas" panose="020B0609020204030204" pitchFamily="49" charset="0"/>
+                  <a:cs typeface="Consolas" panose="020B0609020204030204" pitchFamily="49" charset="0"/>
+                </a:endParaRPr>
+              </a:p>
+              <a:p>
+                <a:r>
+                  <a:rPr lang="en-US" sz="1600" dirty="0" smtClean="0">
+                    <a:latin typeface="Consolas" panose="020B0609020204030204" pitchFamily="49" charset="0"/>
+                    <a:cs typeface="Consolas" panose="020B0609020204030204" pitchFamily="49" charset="0"/>
+                  </a:rPr>
+                  <a:t>  p </a:t>
+                </a:r>
+                <a:r>
+                  <a:rPr lang="en-US" sz="1600" dirty="0">
+                    <a:latin typeface="Consolas" panose="020B0609020204030204" pitchFamily="49" charset="0"/>
+                    <a:cs typeface="Consolas" panose="020B0609020204030204" pitchFamily="49" charset="0"/>
+                  </a:rPr>
+                  <a:t>= </a:t>
+                </a:r>
+                <a:r>
+                  <a:rPr lang="en-US" sz="1600" dirty="0" err="1">
+                    <a:latin typeface="Consolas" panose="020B0609020204030204" pitchFamily="49" charset="0"/>
+                    <a:cs typeface="Consolas" panose="020B0609020204030204" pitchFamily="49" charset="0"/>
+                  </a:rPr>
+                  <a:t>L.start</a:t>
+                </a:r>
+                <a:r>
+                  <a:rPr lang="en-US" sz="1600" dirty="0">
+                    <a:latin typeface="Consolas" panose="020B0609020204030204" pitchFamily="49" charset="0"/>
+                    <a:cs typeface="Consolas" panose="020B0609020204030204" pitchFamily="49" charset="0"/>
+                  </a:rPr>
+                  <a:t> </a:t>
+                </a:r>
+              </a:p>
+              <a:p>
+                <a:r>
+                  <a:rPr lang="en-US" sz="1600" dirty="0" smtClean="0">
+                    <a:latin typeface="Consolas" panose="020B0609020204030204" pitchFamily="49" charset="0"/>
+                    <a:cs typeface="Consolas" panose="020B0609020204030204" pitchFamily="49" charset="0"/>
+                  </a:rPr>
+                  <a:t>  while p </a:t>
+                </a:r>
+                <a14:m>
+                  <m:oMath xmlns:m="http://schemas.openxmlformats.org/officeDocument/2006/math">
+                    <m:r>
+                      <a:rPr lang="en-GB" sz="1600" i="1">
+                        <a:latin typeface="Cambria Math" panose="02040503050406030204" pitchFamily="18" charset="0"/>
+                      </a:rPr>
+                      <m:t>≠</m:t>
+                    </m:r>
+                  </m:oMath>
+                </a14:m>
+                <a:r>
+                  <a:rPr lang="en-US" sz="1600" dirty="0">
+                    <a:latin typeface="Consolas" panose="020B0609020204030204" pitchFamily="49" charset="0"/>
+                    <a:cs typeface="Consolas" panose="020B0609020204030204" pitchFamily="49" charset="0"/>
+                  </a:rPr>
+                  <a:t> NIL and </a:t>
+                </a:r>
+                <a:r>
+                  <a:rPr lang="en-US" sz="1600" dirty="0" err="1" smtClean="0">
+                    <a:latin typeface="Consolas" panose="020B0609020204030204" pitchFamily="49" charset="0"/>
+                    <a:cs typeface="Consolas" panose="020B0609020204030204" pitchFamily="49" charset="0"/>
+                  </a:rPr>
+                  <a:t>p.data</a:t>
+                </a:r>
+                <a:r>
+                  <a:rPr lang="en-US" sz="1600" dirty="0" smtClean="0">
+                    <a:latin typeface="Consolas" panose="020B0609020204030204" pitchFamily="49" charset="0"/>
+                    <a:cs typeface="Consolas" panose="020B0609020204030204" pitchFamily="49" charset="0"/>
+                  </a:rPr>
+                  <a:t> </a:t>
+                </a:r>
+                <a14:m>
+                  <m:oMath xmlns:m="http://schemas.openxmlformats.org/officeDocument/2006/math">
+                    <m:r>
+                      <a:rPr lang="en-GB" sz="1600" i="1">
+                        <a:latin typeface="Cambria Math" panose="02040503050406030204" pitchFamily="18" charset="0"/>
+                      </a:rPr>
+                      <m:t>≠</m:t>
+                    </m:r>
+                  </m:oMath>
+                </a14:m>
+                <a:r>
+                  <a:rPr lang="en-US" sz="1600" dirty="0">
+                    <a:latin typeface="Consolas" panose="020B0609020204030204" pitchFamily="49" charset="0"/>
+                    <a:cs typeface="Consolas" panose="020B0609020204030204" pitchFamily="49" charset="0"/>
+                  </a:rPr>
+                  <a:t> </a:t>
+                </a:r>
+                <a:r>
+                  <a:rPr lang="en-US" sz="1600" dirty="0" smtClean="0">
+                    <a:latin typeface="Consolas" panose="020B0609020204030204" pitchFamily="49" charset="0"/>
+                    <a:cs typeface="Consolas" panose="020B0609020204030204" pitchFamily="49" charset="0"/>
+                  </a:rPr>
+                  <a:t>k</a:t>
+                </a:r>
+              </a:p>
+              <a:p>
+                <a:r>
+                  <a:rPr lang="en-US" sz="1600" dirty="0">
+                    <a:latin typeface="Consolas" panose="020B0609020204030204" pitchFamily="49" charset="0"/>
+                    <a:cs typeface="Consolas" panose="020B0609020204030204" pitchFamily="49" charset="0"/>
+                  </a:rPr>
+                  <a:t> </a:t>
+                </a:r>
+                <a:r>
+                  <a:rPr lang="en-US" sz="1600" dirty="0" smtClean="0">
+                    <a:latin typeface="Consolas" panose="020B0609020204030204" pitchFamily="49" charset="0"/>
+                    <a:cs typeface="Consolas" panose="020B0609020204030204" pitchFamily="49" charset="0"/>
+                  </a:rPr>
+                  <a:t>   p </a:t>
+                </a:r>
+                <a:r>
+                  <a:rPr lang="en-US" sz="1600" dirty="0">
+                    <a:latin typeface="Consolas" panose="020B0609020204030204" pitchFamily="49" charset="0"/>
+                    <a:cs typeface="Consolas" panose="020B0609020204030204" pitchFamily="49" charset="0"/>
+                  </a:rPr>
+                  <a:t>= </a:t>
+                </a:r>
+                <a:r>
+                  <a:rPr lang="en-US" sz="1600" dirty="0" err="1" smtClean="0">
+                    <a:latin typeface="Consolas" panose="020B0609020204030204" pitchFamily="49" charset="0"/>
+                    <a:cs typeface="Consolas" panose="020B0609020204030204" pitchFamily="49" charset="0"/>
+                  </a:rPr>
+                  <a:t>p.next</a:t>
+                </a:r>
+                <a:r>
+                  <a:rPr lang="en-US" sz="1600" dirty="0" smtClean="0">
+                    <a:latin typeface="Consolas" panose="020B0609020204030204" pitchFamily="49" charset="0"/>
+                    <a:cs typeface="Consolas" panose="020B0609020204030204" pitchFamily="49" charset="0"/>
+                  </a:rPr>
+                  <a:t> </a:t>
+                </a:r>
+              </a:p>
+              <a:p>
+                <a:r>
+                  <a:rPr lang="en-US" sz="1600" dirty="0">
+                    <a:latin typeface="Consolas" panose="020B0609020204030204" pitchFamily="49" charset="0"/>
+                    <a:cs typeface="Consolas" panose="020B0609020204030204" pitchFamily="49" charset="0"/>
+                  </a:rPr>
+                  <a:t> </a:t>
+                </a:r>
+                <a:r>
+                  <a:rPr lang="en-US" sz="1600" dirty="0" smtClean="0">
+                    <a:latin typeface="Consolas" panose="020B0609020204030204" pitchFamily="49" charset="0"/>
+                    <a:cs typeface="Consolas" panose="020B0609020204030204" pitchFamily="49" charset="0"/>
+                  </a:rPr>
+                  <a:t> return p</a:t>
+                </a:r>
+                <a:endParaRPr lang="en-US" sz="1600" dirty="0">
+                  <a:latin typeface="Consolas" panose="020B0609020204030204" pitchFamily="49" charset="0"/>
+                  <a:cs typeface="Consolas" panose="020B0609020204030204" pitchFamily="49" charset="0"/>
+                </a:endParaRPr>
+              </a:p>
+            </p:txBody>
+          </p:sp>
+        </mc:Choice>
+        <mc:Fallback xmlns="">
+          <p:sp>
+            <p:nvSpPr>
+              <p:cNvPr id="5" name="Rectangle 4"/>
+              <p:cNvSpPr>
+                <a:spLocks noRot="1" noChangeAspect="1" noMove="1" noResize="1" noEditPoints="1" noAdjustHandles="1" noChangeArrowheads="1" noChangeShapeType="1" noTextEdit="1"/>
+              </p:cNvSpPr>
+              <p:nvPr/>
+            </p:nvSpPr>
+            <p:spPr>
+              <a:xfrm>
+                <a:off x="3126319" y="3573690"/>
+                <a:ext cx="3921753" cy="1323439"/>
+              </a:xfrm>
+              <a:prstGeom prst="rect">
+                <a:avLst/>
+              </a:prstGeom>
+              <a:blipFill rotWithShape="0">
+                <a:blip r:embed="rId3"/>
+                <a:stretch>
+                  <a:fillRect l="-774" t="-1364" b="-3636"/>
+                </a:stretch>
+              </a:blipFill>
+            </p:spPr>
+            <p:txBody>
+              <a:bodyPr/>
+              <a:lstStyle/>
+              <a:p>
+                <a:r>
+                  <a:rPr lang="en-GB">
+                    <a:noFill/>
+                  </a:rPr>
+                  <a:t> </a:t>
+                </a:r>
+              </a:p>
+            </p:txBody>
+          </p:sp>
+        </mc:Fallback>
+      </mc:AlternateContent>
+    </p:spTree>
+    <p:extLst>
+      <p:ext uri="{BB962C8B-B14F-4D97-AF65-F5344CB8AC3E}">
+        <p14:creationId xmlns:p14="http://schemas.microsoft.com/office/powerpoint/2010/main" val="1504788313"/>
+      </p:ext>
+    </p:extLst>
+  </p:cSld>
+  <p:clrMapOvr>
+    <a:masterClrMapping/>
+  </p:clrMapOvr>
+  <p:timing>
+    <p:tnLst>
+      <p:par>
+        <p:cTn id="1" dur="indefinite" restart="never" nodeType="tmRoot">
+          <p:childTnLst>
+            <p:seq concurrent="1" nextAc="seek">
+              <p:cTn id="2" dur="indefinite" nodeType="mainSeq">
+                <p:childTnLst>
+                  <p:par>
+                    <p:cTn id="3" fill="hold">
+                      <p:stCondLst>
+                        <p:cond delay="indefinite"/>
+                      </p:stCondLst>
+                      <p:childTnLst>
+                        <p:par>
+                          <p:cTn id="4" fill="hold">
+                            <p:stCondLst>
+                              <p:cond delay="0"/>
+                            </p:stCondLst>
+                            <p:childTnLst>
+                              <p:par>
+                                <p:cTn id="5" presetID="1" presetClass="entr" presetSubtype="0" fill="hold" nodeType="clickEffect">
+                                  <p:stCondLst>
+                                    <p:cond delay="0"/>
+                                  </p:stCondLst>
+                                  <p:childTnLst>
+                                    <p:set>
+                                      <p:cBhvr>
+                                        <p:cTn id="6" dur="1" fill="hold">
+                                          <p:stCondLst>
+                                            <p:cond delay="0"/>
+                                          </p:stCondLst>
+                                        </p:cTn>
+                                        <p:tgtEl>
+                                          <p:spTgt spid="3">
+                                            <p:txEl>
+                                              <p:pRg st="9" end="9"/>
+                                            </p:txEl>
+                                          </p:spTgt>
+                                        </p:tgtEl>
+                                        <p:attrNameLst>
+                                          <p:attrName>style.visibility</p:attrName>
+                                        </p:attrNameLst>
+                                      </p:cBhvr>
+                                      <p:to>
+                                        <p:strVal val="visible"/>
+                                      </p:to>
+                                    </p:set>
+                                  </p:childTnLst>
+                                </p:cTn>
+                              </p:par>
+                            </p:childTnLst>
+                          </p:cTn>
+                        </p:par>
+                      </p:childTnLst>
+                    </p:cTn>
+                  </p:par>
+                </p:childTnLst>
+              </p:cTn>
+              <p:prevCondLst>
+                <p:cond evt="onPrev" delay="0">
+                  <p:tgtEl>
+                    <p:sldTgt/>
+                  </p:tgtEl>
+                </p:cond>
+              </p:prevCondLst>
+              <p:nextCondLst>
+                <p:cond evt="onNext" delay="0">
+                  <p:tgtEl>
+                    <p:sldTgt/>
+                  </p:tgtEl>
+                </p:cond>
+              </p:nextCondLst>
+            </p:seq>
+          </p:childTnLst>
+        </p:cTn>
+      </p:par>
+    </p:tnLst>
+  </p:timing>
+</p:sld>
+</file>
+
+<file path=ppt/slides/slide60.xml><?xml version="1.0" encoding="utf-8"?>
+<p:sld xmlns:a="http://schemas.openxmlformats.org/drawingml/2006/main" xmlns:r="http://schemas.openxmlformats.org/officeDocument/2006/relationships" xmlns:p="http://schemas.openxmlformats.org/presentationml/2006/main">
+  <p:cSld>
+    <p:spTree>
+      <p:nvGrpSpPr>
+        <p:cNvPr id="1" name=""/>
+        <p:cNvGrpSpPr/>
+        <p:nvPr/>
+      </p:nvGrpSpPr>
+      <p:grpSpPr>
+        <a:xfrm>
+          <a:off x="0" y="0"/>
+          <a:ext cx="0" cy="0"/>
+          <a:chOff x="0" y="0"/>
+          <a:chExt cx="0" cy="0"/>
+        </a:xfrm>
+      </p:grpSpPr>
+      <p:sp>
+        <p:nvSpPr>
+          <p:cNvPr id="2" name="Titel 1"/>
+          <p:cNvSpPr>
+            <a:spLocks noGrp="1"/>
+          </p:cNvSpPr>
+          <p:nvPr>
+            <p:ph type="title"/>
+          </p:nvPr>
+        </p:nvSpPr>
+        <p:spPr/>
+        <p:txBody>
+          <a:bodyPr/>
+          <a:lstStyle/>
+          <a:p>
+            <a:r>
+              <a:rPr lang="en-GB" dirty="0" smtClean="0"/>
+              <a:t>Hash table – Pros &amp; Cons</a:t>
+            </a:r>
+            <a:endParaRPr lang="nl-NL" dirty="0"/>
+          </a:p>
+        </p:txBody>
+      </p:sp>
+      <p:sp>
+        <p:nvSpPr>
+          <p:cNvPr id="3" name="Tijdelijke aanduiding voor inhoud 2"/>
+          <p:cNvSpPr>
+            <a:spLocks noGrp="1"/>
+          </p:cNvSpPr>
+          <p:nvPr>
+            <p:ph idx="1"/>
+          </p:nvPr>
+        </p:nvSpPr>
+        <p:spPr>
+          <a:xfrm>
+            <a:off x="677334" y="2160589"/>
+            <a:ext cx="9172722" cy="4245898"/>
+          </a:xfrm>
+        </p:spPr>
+        <p:txBody>
+          <a:bodyPr numCol="1">
+            <a:normAutofit lnSpcReduction="10000"/>
+          </a:bodyPr>
+          <a:lstStyle/>
+          <a:p>
+            <a:r>
+              <a:rPr lang="en-GB" dirty="0" smtClean="0">
+                <a:solidFill>
+                  <a:srgbClr val="00B050"/>
+                </a:solidFill>
+              </a:rPr>
+              <a:t>Main advantage</a:t>
+            </a:r>
+            <a:endParaRPr lang="nl-NL" b="1" dirty="0" smtClean="0"/>
+          </a:p>
+          <a:p>
+            <a:pPr lvl="1"/>
+            <a:r>
+              <a:rPr lang="nl-NL" b="1" dirty="0" smtClean="0"/>
+              <a:t>Speed</a:t>
+            </a:r>
+            <a:r>
+              <a:rPr lang="nl-NL" dirty="0" smtClean="0"/>
+              <a:t> </a:t>
+            </a:r>
+            <a:r>
+              <a:rPr lang="nl-NL" dirty="0" smtClean="0">
+                <a:sym typeface="Wingdings" panose="05000000000000000000" pitchFamily="2" charset="2"/>
+              </a:rPr>
+              <a:t> </a:t>
+            </a:r>
+            <a:r>
+              <a:rPr lang="en-US" dirty="0" smtClean="0"/>
+              <a:t>particularly efficient </a:t>
+            </a:r>
+            <a:r>
+              <a:rPr lang="en-US" dirty="0"/>
+              <a:t>when the maximum number of entries can be predicted in </a:t>
+            </a:r>
+            <a:r>
+              <a:rPr lang="en-US" dirty="0" smtClean="0"/>
+              <a:t>advance (no resize)</a:t>
+            </a:r>
+            <a:endParaRPr lang="en-GB" dirty="0" smtClean="0"/>
+          </a:p>
+          <a:p>
+            <a:r>
+              <a:rPr lang="en-GB" dirty="0" smtClean="0">
+                <a:solidFill>
+                  <a:srgbClr val="FF0000"/>
+                </a:solidFill>
+              </a:rPr>
+              <a:t>Disadvantages</a:t>
+            </a:r>
+          </a:p>
+          <a:p>
+            <a:pPr lvl="1"/>
+            <a:r>
+              <a:rPr lang="en-US" dirty="0"/>
+              <a:t>T</a:t>
+            </a:r>
+            <a:r>
+              <a:rPr lang="en-US" dirty="0" smtClean="0"/>
+              <a:t>he </a:t>
+            </a:r>
+            <a:r>
+              <a:rPr lang="en-US" dirty="0"/>
+              <a:t>cost of a good hash function can be significantly higher than the inner loop of the lookup algorithm for a sequential list or search </a:t>
+            </a:r>
+            <a:r>
+              <a:rPr lang="en-US" dirty="0" smtClean="0"/>
+              <a:t>tree</a:t>
+            </a:r>
+          </a:p>
+          <a:p>
+            <a:pPr lvl="2"/>
+            <a:r>
+              <a:rPr lang="en-US" dirty="0"/>
+              <a:t>hash tables </a:t>
+            </a:r>
+            <a:r>
+              <a:rPr lang="en-US" dirty="0" smtClean="0"/>
+              <a:t>not </a:t>
+            </a:r>
+            <a:r>
+              <a:rPr lang="en-US" dirty="0"/>
+              <a:t>effective when the number of entries is very </a:t>
+            </a:r>
+            <a:r>
+              <a:rPr lang="en-US" dirty="0" smtClean="0"/>
+              <a:t>small</a:t>
+            </a:r>
+          </a:p>
+          <a:p>
+            <a:pPr lvl="1"/>
+            <a:r>
+              <a:rPr lang="en-US" dirty="0" smtClean="0"/>
+              <a:t>Entries can be enumerated only in pseudo-random order</a:t>
+            </a:r>
+          </a:p>
+          <a:p>
+            <a:pPr lvl="2"/>
+            <a:r>
+              <a:rPr lang="en-US" dirty="0"/>
+              <a:t>no efficient way to locate an entry whose key is </a:t>
+            </a:r>
+            <a:r>
+              <a:rPr lang="en-US" i="1" dirty="0"/>
+              <a:t>nearest</a:t>
+            </a:r>
+            <a:r>
+              <a:rPr lang="en-US" dirty="0"/>
+              <a:t> to a given </a:t>
+            </a:r>
+            <a:r>
+              <a:rPr lang="en-US" dirty="0" smtClean="0"/>
+              <a:t>key </a:t>
+            </a:r>
+            <a:r>
+              <a:rPr lang="en-US" dirty="0" smtClean="0">
+                <a:sym typeface="Wingdings" panose="05000000000000000000" pitchFamily="2" charset="2"/>
+              </a:rPr>
+              <a:t> </a:t>
+            </a:r>
+            <a:r>
+              <a:rPr lang="en-US" dirty="0" smtClean="0"/>
+              <a:t>separate sorting step needed</a:t>
+            </a:r>
+          </a:p>
+          <a:p>
+            <a:pPr lvl="1"/>
+            <a:r>
+              <a:rPr lang="en-US" dirty="0" smtClean="0"/>
+              <a:t>With dynamic resizing</a:t>
+            </a:r>
+            <a:r>
+              <a:rPr lang="en-US" dirty="0"/>
+              <a:t>, an insertion or deletion operation may occasionally take time proportional to the number of </a:t>
+            </a:r>
+            <a:r>
+              <a:rPr lang="en-US" dirty="0" smtClean="0"/>
+              <a:t>entries </a:t>
+            </a:r>
+            <a:r>
+              <a:rPr lang="en-US" dirty="0" smtClean="0">
+                <a:sym typeface="Wingdings" panose="05000000000000000000" pitchFamily="2" charset="2"/>
+              </a:rPr>
+              <a:t> p</a:t>
+            </a:r>
+            <a:r>
+              <a:rPr lang="en-US" dirty="0" smtClean="0"/>
+              <a:t>roblem in real-time or interactive applications</a:t>
+            </a:r>
+          </a:p>
+          <a:p>
+            <a:pPr lvl="1"/>
+            <a:r>
+              <a:rPr lang="en-US" dirty="0" smtClean="0"/>
+              <a:t>Quite </a:t>
+            </a:r>
+            <a:r>
+              <a:rPr lang="en-US" dirty="0"/>
+              <a:t>inefficient when there are many collisions</a:t>
+            </a:r>
+            <a:endParaRPr lang="en-US" dirty="0" smtClean="0"/>
+          </a:p>
+        </p:txBody>
+      </p:sp>
+      <p:sp>
+        <p:nvSpPr>
+          <p:cNvPr id="4" name="Tijdelijke aanduiding voor voettekst 3"/>
+          <p:cNvSpPr>
+            <a:spLocks noGrp="1"/>
+          </p:cNvSpPr>
+          <p:nvPr>
+            <p:ph type="ftr" sz="quarter" idx="11"/>
+          </p:nvPr>
+        </p:nvSpPr>
+        <p:spPr/>
+        <p:txBody>
+          <a:bodyPr/>
+          <a:lstStyle/>
+          <a:p>
+            <a:r>
+              <a:rPr lang="it-IT" smtClean="0"/>
+              <a:t>INFDEV026A - G. Costantini, F. Di Giacomo, G. Maggiore</a:t>
+            </a:r>
+            <a:endParaRPr lang="en-GB" dirty="0"/>
+          </a:p>
+        </p:txBody>
+      </p:sp>
+    </p:spTree>
+    <p:extLst>
+      <p:ext uri="{BB962C8B-B14F-4D97-AF65-F5344CB8AC3E}">
+        <p14:creationId xmlns:p14="http://schemas.microsoft.com/office/powerpoint/2010/main" val="699171928"/>
+      </p:ext>
+    </p:extLst>
+  </p:cSld>
+  <p:clrMapOvr>
+    <a:masterClrMapping/>
+  </p:clrMapOvr>
+  <p:timing>
+    <p:tnLst>
+      <p:par>
+        <p:cTn id="1" dur="indefinite" restart="never" nodeType="tmRoot"/>
+      </p:par>
+    </p:tnLst>
+  </p:timing>
+</p:sld>
+</file>
+
 <file path=ppt/slides/slide61.xml><?xml version="1.0" encoding="utf-8"?>
 <p:sld xmlns:a="http://schemas.openxmlformats.org/drawingml/2006/main" xmlns:r="http://schemas.openxmlformats.org/officeDocument/2006/relationships" xmlns:p="http://schemas.openxmlformats.org/presentationml/2006/main">
   <p:cSld>
@@ -29075,7 +29351,7 @@
           <a:p>
             <a:r>
               <a:rPr lang="en-GB" dirty="0" smtClean="0"/>
-              <a:t>Hash table – Pros &amp; Cons</a:t>
+              <a:t>Hash table – Applications</a:t>
             </a:r>
             <a:endParaRPr lang="nl-NL" dirty="0"/>
           </a:p>
@@ -29091,178 +29367,85 @@
             <p:ph idx="1"/>
           </p:nvPr>
         </p:nvSpPr>
-        <p:spPr>
-          <a:xfrm>
-            <a:off x="677334" y="2160589"/>
-            <a:ext cx="9172722" cy="4245898"/>
-          </a:xfrm>
-        </p:spPr>
-        <p:txBody>
-          <a:bodyPr numCol="1">
-            <a:normAutofit lnSpcReduction="10000"/>
-          </a:bodyPr>
+        <p:spPr/>
+        <p:txBody>
+          <a:bodyPr/>
           <a:lstStyle/>
           <a:p>
             <a:r>
-              <a:rPr lang="en-GB" dirty="0" smtClean="0">
-                <a:solidFill>
-                  <a:srgbClr val="00B050"/>
-                </a:solidFill>
-              </a:rPr>
-              <a:t>Main advantage</a:t>
-            </a:r>
-            <a:endParaRPr lang="nl-NL" b="1" dirty="0" smtClean="0"/>
-          </a:p>
-          <a:p>
-            <a:pPr lvl="1"/>
-            <a:r>
-              <a:rPr lang="nl-NL" b="1" dirty="0" smtClean="0"/>
-              <a:t>Speed</a:t>
-            </a:r>
-            <a:r>
-              <a:rPr lang="nl-NL" dirty="0" smtClean="0"/>
-              <a:t> </a:t>
-            </a:r>
-            <a:r>
-              <a:rPr lang="nl-NL" dirty="0" smtClean="0">
-                <a:sym typeface="Wingdings" panose="05000000000000000000" pitchFamily="2" charset="2"/>
-              </a:rPr>
-              <a:t> </a:t>
-            </a:r>
-            <a:r>
-              <a:rPr lang="en-US" dirty="0" smtClean="0"/>
-              <a:t>particularly efficient </a:t>
-            </a:r>
-            <a:r>
               <a:rPr lang="en-US" dirty="0"/>
-              <a:t>when the maximum number of entries can be predicted in </a:t>
-            </a:r>
-            <a:r>
-              <a:rPr lang="en-US" dirty="0" smtClean="0"/>
-              <a:t>advance (no resize)</a:t>
-            </a:r>
-            <a:endParaRPr lang="en-GB" dirty="0" smtClean="0"/>
-          </a:p>
-          <a:p>
-            <a:r>
-              <a:rPr lang="en-GB" dirty="0" smtClean="0">
-                <a:solidFill>
-                  <a:srgbClr val="FF0000"/>
-                </a:solidFill>
-              </a:rPr>
-              <a:t>Disadvantages</a:t>
-            </a:r>
-          </a:p>
-          <a:p>
-            <a:pPr lvl="1"/>
-            <a:r>
-              <a:rPr lang="en-US" dirty="0"/>
-              <a:t>T</a:t>
-            </a:r>
-            <a:r>
-              <a:rPr lang="en-US" dirty="0" smtClean="0"/>
-              <a:t>he </a:t>
-            </a:r>
-            <a:r>
-              <a:rPr lang="en-US" dirty="0"/>
-              <a:t>cost of a good hash function can be significantly higher than the inner loop of the lookup algorithm for a sequential list or search </a:t>
-            </a:r>
-            <a:r>
-              <a:rPr lang="en-US" dirty="0" smtClean="0"/>
-              <a:t>tree</a:t>
-            </a:r>
-          </a:p>
-          <a:p>
-            <a:pPr lvl="2"/>
-            <a:r>
-              <a:rPr lang="en-US" dirty="0"/>
-              <a:t>hash tables </a:t>
-            </a:r>
-            <a:r>
-              <a:rPr lang="en-US" dirty="0" smtClean="0"/>
-              <a:t>not </a:t>
-            </a:r>
-            <a:r>
-              <a:rPr lang="en-US" dirty="0"/>
-              <a:t>effective when the number of entries is very </a:t>
-            </a:r>
-            <a:r>
-              <a:rPr lang="en-US" dirty="0" smtClean="0"/>
-              <a:t>small</a:t>
-            </a:r>
-          </a:p>
-          <a:p>
-            <a:pPr lvl="1"/>
-            <a:r>
-              <a:rPr lang="en-US" dirty="0" smtClean="0"/>
-              <a:t>Entries can be enumerated only in pseudo-random order</a:t>
-            </a:r>
-          </a:p>
-          <a:p>
-            <a:pPr lvl="2"/>
-            <a:r>
-              <a:rPr lang="en-US" dirty="0"/>
-              <a:t>no efficient way to locate an entry whose key is </a:t>
-            </a:r>
-            <a:r>
-              <a:rPr lang="en-US" i="1" dirty="0"/>
-              <a:t>nearest</a:t>
-            </a:r>
-            <a:r>
-              <a:rPr lang="en-US" dirty="0"/>
-              <a:t> to a given </a:t>
-            </a:r>
-            <a:r>
-              <a:rPr lang="en-US" dirty="0" smtClean="0"/>
-              <a:t>key </a:t>
+              <a:t>In many situations, hash tables turn out to be more efficient than search trees or any other table lookup structure </a:t>
             </a:r>
             <a:r>
               <a:rPr lang="en-US" dirty="0" smtClean="0">
                 <a:sym typeface="Wingdings" panose="05000000000000000000" pitchFamily="2" charset="2"/>
               </a:rPr>
-              <a:t> </a:t>
+              <a:t></a:t>
             </a:r>
             <a:r>
               <a:rPr lang="en-US" dirty="0" smtClean="0"/>
-              <a:t>separate sorting step needed</a:t>
-            </a:r>
+              <a:t> widely </a:t>
+            </a:r>
+            <a:r>
+              <a:rPr lang="en-US" dirty="0"/>
+              <a:t>used in many kinds of computer software </a:t>
+            </a:r>
+            <a:endParaRPr lang="en-US" dirty="0" smtClean="0"/>
           </a:p>
           <a:p>
             <a:pPr lvl="1"/>
             <a:r>
               <a:rPr lang="en-US" dirty="0" smtClean="0"/>
-              <a:t>With dynamic resizing</a:t>
+              <a:t>systems programming</a:t>
+            </a:r>
+          </a:p>
+          <a:p>
+            <a:pPr lvl="1"/>
+            <a:r>
+              <a:rPr lang="en-US" dirty="0" smtClean="0"/>
+              <a:t>primary </a:t>
             </a:r>
             <a:r>
               <a:rPr lang="en-US" dirty="0"/>
-              <a:t>, an insertion or deletion operation may occasionally take time proportional to the number of </a:t>
+              <a:t>building blocks of relational </a:t>
             </a:r>
             <a:r>
               <a:rPr lang="en-US" dirty="0" smtClean="0"/>
-              <a:t>entries </a:t>
-            </a:r>
-            <a:r>
-              <a:rPr lang="en-US" dirty="0" smtClean="0">
-                <a:sym typeface="Wingdings" panose="05000000000000000000" pitchFamily="2" charset="2"/>
-              </a:rPr>
-              <a:t> p</a:t>
-            </a:r>
+              <a:t>databases</a:t>
+            </a:r>
+          </a:p>
+          <a:p>
+            <a:pPr lvl="1"/>
             <a:r>
               <a:rPr lang="en-US" dirty="0" smtClean="0"/>
-              <a:t>roblem in real-time or interactive applications</a:t>
+              <a:t>associative arrays</a:t>
             </a:r>
           </a:p>
           <a:p>
             <a:pPr lvl="1"/>
             <a:r>
+              <a:rPr lang="en-US" dirty="0"/>
+              <a:t>c</a:t>
+            </a:r>
+            <a:r>
               <a:rPr lang="en-US" dirty="0" smtClean="0"/>
-              <a:t>Quite </a:t>
-            </a:r>
-            <a:r>
-              <a:rPr lang="en-US" dirty="0"/>
-              <a:t>inefficient when there are many collisions</a:t>
-            </a:r>
-            <a:endParaRPr lang="en-US" dirty="0" smtClean="0"/>
+              <a:t>aches</a:t>
+            </a:r>
+          </a:p>
+          <a:p>
+            <a:pPr lvl="1"/>
+            <a:r>
+              <a:rPr lang="en-US" dirty="0" smtClean="0"/>
+              <a:t>sets</a:t>
+            </a:r>
+          </a:p>
+          <a:p>
+            <a:pPr lvl="1"/>
+            <a:r>
+              <a:rPr lang="en-GB" dirty="0" smtClean="0"/>
+              <a:t>…</a:t>
+            </a:r>
+            <a:endParaRPr lang="nl-NL" dirty="0"/>
           </a:p>
         </p:txBody>
       </p:sp>
@@ -29285,14 +29468,14 @@
               <a:rPr lang="it-IT" smtClean="0"/>
               <a:t>INFDEV026A - G. Costantini, F. Di Giacomo, G. Maggiore</a:t>
             </a:r>
-            <a:endParaRPr lang="en-GB" dirty="0"/>
+            <a:endParaRPr lang="en-GB"/>
           </a:p>
         </p:txBody>
       </p:sp>
     </p:spTree>
     <p:extLst>
       <p:ext uri="{BB962C8B-B14F-4D97-AF65-F5344CB8AC3E}">
-        <p14:creationId xmlns:p14="http://schemas.microsoft.com/office/powerpoint/2010/main" val="699171928"/>
+        <p14:creationId xmlns:p14="http://schemas.microsoft.com/office/powerpoint/2010/main" val="3014296709"/>
       </p:ext>
     </p:extLst>
   </p:cSld>
@@ -29328,7 +29511,7 @@
       </p:grpSpPr>
       <p:sp>
         <p:nvSpPr>
-          <p:cNvPr id="2" name="Titel 1"/>
+          <p:cNvPr id="2" name="Title 1"/>
           <p:cNvSpPr>
             <a:spLocks noGrp="1"/>
           </p:cNvSpPr>
@@ -29343,15 +29526,15 @@
           <a:p>
             <a:r>
               <a:rPr lang="en-GB" dirty="0" smtClean="0"/>
-              <a:t>Hash table – Applications</a:t>
-            </a:r>
-            <a:endParaRPr lang="nl-NL" dirty="0"/>
-          </a:p>
-        </p:txBody>
-      </p:sp>
-      <p:sp>
-        <p:nvSpPr>
-          <p:cNvPr id="3" name="Tijdelijke aanduiding voor inhoud 2"/>
+              <a:t>Hash tables in C#</a:t>
+            </a:r>
+            <a:endParaRPr lang="en-GB" dirty="0"/>
+          </a:p>
+        </p:txBody>
+      </p:sp>
+      <p:sp>
+        <p:nvSpPr>
+          <p:cNvPr id="3" name="Content Placeholder 2"/>
           <p:cNvSpPr>
             <a:spLocks noGrp="1"/>
           </p:cNvSpPr>
@@ -29365,85 +29548,92 @@
           <a:lstStyle/>
           <a:p>
             <a:r>
-              <a:rPr lang="en-US" dirty="0"/>
-              <a:t>In many situations, hash tables turn out to be more efficient than search trees or any other table lookup structure </a:t>
-            </a:r>
-            <a:r>
-              <a:rPr lang="en-US" dirty="0" smtClean="0">
-                <a:sym typeface="Wingdings" panose="05000000000000000000" pitchFamily="2" charset="2"/>
+              <a:rPr lang="en-GB" b="1" dirty="0" smtClean="0"/>
+              <a:t>Dictionary </a:t>
+            </a:r>
+            <a:r>
+              <a:rPr lang="en-GB" dirty="0" smtClean="0"/>
+              <a:t>class </a:t>
+            </a:r>
+          </a:p>
+          <a:p>
+            <a:pPr lvl="1"/>
+            <a:r>
+              <a:rPr lang="en-GB" dirty="0" smtClean="0"/>
+              <a:t>Generic with respect to the types of keys and values </a:t>
+            </a:r>
+            <a:endParaRPr lang="en-GB" dirty="0" smtClean="0">
+              <a:hlinkClick r:id=""/>
+            </a:endParaRPr>
+          </a:p>
+          <a:p>
+            <a:pPr lvl="1"/>
+            <a:r>
+              <a:rPr lang="en-GB" dirty="0" smtClean="0">
+                <a:hlinkClick r:id=""/>
               </a:rPr>
-              <a:t></a:t>
-            </a:r>
-            <a:r>
-              <a:rPr lang="en-US" dirty="0" smtClean="0"/>
-              <a:t> widely </a:t>
-            </a:r>
-            <a:r>
-              <a:rPr lang="en-US" dirty="0"/>
-              <a:t>used in many kinds of computer software </a:t>
-            </a:r>
-            <a:endParaRPr lang="en-US" dirty="0" smtClean="0"/>
+              <a:t>http</a:t>
+            </a:r>
+            <a:r>
+              <a:rPr lang="en-GB" dirty="0">
+                <a:hlinkClick r:id="rId2"/>
+              </a:rPr>
+              <a:t>://</a:t>
+            </a:r>
+            <a:r>
+              <a:rPr lang="en-GB" dirty="0" smtClean="0">
+                <a:hlinkClick r:id="rId2"/>
+              </a:rPr>
+              <a:t>www.dotnetperls.com/dictionary</a:t>
+            </a:r>
+            <a:r>
+              <a:rPr lang="en-GB" dirty="0" smtClean="0"/>
+              <a:t> </a:t>
+            </a:r>
+            <a:endParaRPr lang="en-GB" dirty="0"/>
           </a:p>
           <a:p>
             <a:pPr lvl="1"/>
             <a:r>
-              <a:rPr lang="en-US" dirty="0" smtClean="0"/>
-              <a:t>systems programming</a:t>
-            </a:r>
-          </a:p>
-          <a:p>
-            <a:pPr lvl="1"/>
-            <a:r>
-              <a:rPr lang="en-US" dirty="0" smtClean="0"/>
-              <a:t>primary </a:t>
-            </a:r>
-            <a:r>
-              <a:rPr lang="en-US" dirty="0"/>
-              <a:t>building blocks of relational </a:t>
-            </a:r>
-            <a:r>
-              <a:rPr lang="en-US" dirty="0" smtClean="0"/>
-              <a:t>databases</a:t>
-            </a:r>
-          </a:p>
-          <a:p>
-            <a:pPr lvl="1"/>
-            <a:r>
-              <a:rPr lang="en-US" dirty="0" smtClean="0"/>
-              <a:t>associative arrays</a:t>
-            </a:r>
-          </a:p>
-          <a:p>
-            <a:pPr lvl="1"/>
-            <a:r>
-              <a:rPr lang="en-US" dirty="0"/>
-              <a:t>c</a:t>
-            </a:r>
-            <a:r>
-              <a:rPr lang="en-US" dirty="0" smtClean="0"/>
-              <a:t>aches</a:t>
-            </a:r>
-          </a:p>
-          <a:p>
-            <a:pPr lvl="1"/>
-            <a:r>
-              <a:rPr lang="en-US" dirty="0" smtClean="0"/>
-              <a:t>sets</a:t>
-            </a:r>
-          </a:p>
-          <a:p>
-            <a:pPr lvl="1"/>
+              <a:rPr lang="en-GB" dirty="0">
+                <a:hlinkClick r:id="rId3"/>
+              </a:rPr>
+              <a:t>http://</a:t>
+            </a:r>
+            <a:r>
+              <a:rPr lang="en-GB" dirty="0" smtClean="0">
+                <a:hlinkClick r:id="rId3"/>
+              </a:rPr>
+              <a:t>msdn.microsoft.com/en-us/library/xfhwa508%28v=vs.110%29.aspx</a:t>
+            </a:r>
             <a:r>
               <a:rPr lang="en-GB" dirty="0" smtClean="0"/>
-              <a:t>…</a:t>
-            </a:r>
-            <a:endParaRPr lang="nl-NL" dirty="0"/>
-          </a:p>
-        </p:txBody>
-      </p:sp>
-      <p:sp>
-        <p:nvSpPr>
-          <p:cNvPr id="4" name="Tijdelijke aanduiding voor voettekst 3"/>
+              <a:t> </a:t>
+            </a:r>
+          </a:p>
+          <a:p>
+            <a:endParaRPr lang="en-GB" dirty="0"/>
+          </a:p>
+          <a:p>
+            <a:r>
+              <a:rPr lang="en-GB" dirty="0" smtClean="0">
+                <a:solidFill>
+                  <a:srgbClr val="FF0000"/>
+                </a:solidFill>
+              </a:rPr>
+              <a:t>Live demo? </a:t>
+            </a:r>
+            <a:endParaRPr lang="en-GB" dirty="0">
+              <a:solidFill>
+                <a:srgbClr val="FF0000"/>
+              </a:solidFill>
+            </a:endParaRPr>
+          </a:p>
+        </p:txBody>
+      </p:sp>
+      <p:sp>
+        <p:nvSpPr>
+          <p:cNvPr id="4" name="Footer Placeholder 3"/>
           <p:cNvSpPr>
             <a:spLocks noGrp="1"/>
           </p:cNvSpPr>
@@ -29467,7 +29657,7 @@
     </p:spTree>
     <p:extLst>
       <p:ext uri="{BB962C8B-B14F-4D97-AF65-F5344CB8AC3E}">
-        <p14:creationId xmlns:p14="http://schemas.microsoft.com/office/powerpoint/2010/main" val="3014296709"/>
+        <p14:creationId xmlns:p14="http://schemas.microsoft.com/office/powerpoint/2010/main" val="3980714225"/>
       </p:ext>
     </p:extLst>
   </p:cSld>
@@ -29501,440 +29691,6 @@
           <a:chExt cx="0" cy="0"/>
         </a:xfrm>
       </p:grpSpPr>
-      <p:pic>
-        <p:nvPicPr>
-          <p:cNvPr id="5" name="Afbeelding 4"/>
-          <p:cNvPicPr>
-            <a:picLocks noChangeAspect="1"/>
-          </p:cNvPicPr>
-          <p:nvPr/>
-        </p:nvPicPr>
-        <p:blipFill>
-          <a:blip r:embed="rId2"/>
-          <a:stretch>
-            <a:fillRect/>
-          </a:stretch>
-        </p:blipFill>
-        <p:spPr>
-          <a:xfrm>
-            <a:off x="1539432" y="4312122"/>
-            <a:ext cx="7083707" cy="2270593"/>
-          </a:xfrm>
-          <a:prstGeom prst="rect">
-            <a:avLst/>
-          </a:prstGeom>
-        </p:spPr>
-      </p:pic>
-      <p:sp>
-        <p:nvSpPr>
-          <p:cNvPr id="2" name="Titel 1"/>
-          <p:cNvSpPr>
-            <a:spLocks noGrp="1"/>
-          </p:cNvSpPr>
-          <p:nvPr>
-            <p:ph type="title"/>
-          </p:nvPr>
-        </p:nvSpPr>
-        <p:spPr/>
-        <p:txBody>
-          <a:bodyPr/>
-          <a:lstStyle/>
-          <a:p>
-            <a:r>
-              <a:rPr lang="en-GB" dirty="0" smtClean="0"/>
-              <a:t>Hash tables in the JCF</a:t>
-            </a:r>
-            <a:endParaRPr lang="nl-NL" dirty="0"/>
-          </a:p>
-        </p:txBody>
-      </p:sp>
-      <p:sp>
-        <p:nvSpPr>
-          <p:cNvPr id="3" name="Tijdelijke aanduiding voor inhoud 2"/>
-          <p:cNvSpPr>
-            <a:spLocks noGrp="1"/>
-          </p:cNvSpPr>
-          <p:nvPr>
-            <p:ph idx="1"/>
-          </p:nvPr>
-        </p:nvSpPr>
-        <p:spPr>
-          <a:xfrm>
-            <a:off x="677333" y="2160589"/>
-            <a:ext cx="9091699" cy="3880773"/>
-          </a:xfrm>
-        </p:spPr>
-        <p:txBody>
-          <a:bodyPr/>
-          <a:lstStyle/>
-          <a:p>
-            <a:r>
-              <a:rPr lang="en-GB" dirty="0" smtClean="0"/>
-              <a:t>The </a:t>
-            </a:r>
-            <a:r>
-              <a:rPr lang="en-GB" i="1" dirty="0" smtClean="0"/>
-              <a:t>Map</a:t>
-            </a:r>
-            <a:r>
-              <a:rPr lang="en-GB" b="1" dirty="0" smtClean="0"/>
-              <a:t> </a:t>
-            </a:r>
-            <a:r>
-              <a:rPr lang="en-GB" dirty="0" smtClean="0"/>
-              <a:t>classes of the JCF (map = </a:t>
-            </a:r>
-            <a:r>
-              <a:rPr lang="en-US" dirty="0"/>
-              <a:t>collection whose elements are key-value </a:t>
-            </a:r>
-            <a:r>
-              <a:rPr lang="en-US" dirty="0" smtClean="0"/>
-              <a:t>pairs)</a:t>
-            </a:r>
-            <a:endParaRPr lang="en-GB" dirty="0" smtClean="0"/>
-          </a:p>
-          <a:p>
-            <a:pPr lvl="1"/>
-            <a:r>
-              <a:rPr lang="en-GB" dirty="0" smtClean="0"/>
-              <a:t>The </a:t>
-            </a:r>
-            <a:r>
-              <a:rPr lang="en-GB" b="1" dirty="0" err="1" smtClean="0"/>
-              <a:t>HashMap</a:t>
-            </a:r>
-            <a:r>
-              <a:rPr lang="en-GB" b="1" dirty="0" smtClean="0"/>
-              <a:t> </a:t>
-            </a:r>
-            <a:r>
-              <a:rPr lang="en-GB" dirty="0" smtClean="0"/>
-              <a:t>object is exactly a hash table</a:t>
-            </a:r>
-          </a:p>
-          <a:p>
-            <a:pPr lvl="1"/>
-            <a:r>
-              <a:rPr lang="en-GB" dirty="0" smtClean="0"/>
-              <a:t>Type parameters: key type and value type</a:t>
-            </a:r>
-          </a:p>
-          <a:p>
-            <a:pPr lvl="2"/>
-            <a:r>
-              <a:rPr lang="en-GB" dirty="0" err="1" smtClean="0"/>
-              <a:t>EnumMap</a:t>
-            </a:r>
-            <a:r>
-              <a:rPr lang="en-GB" dirty="0" smtClean="0"/>
-              <a:t> </a:t>
-            </a:r>
-            <a:r>
-              <a:rPr lang="en-GB" dirty="0" smtClean="0">
-                <a:sym typeface="Wingdings" panose="05000000000000000000" pitchFamily="2" charset="2"/>
-              </a:rPr>
-              <a:t> the key type must be ENUM</a:t>
-            </a:r>
-          </a:p>
-          <a:p>
-            <a:pPr lvl="2"/>
-            <a:r>
-              <a:rPr lang="en-GB" dirty="0" err="1" smtClean="0"/>
-              <a:t>TreeMap</a:t>
-            </a:r>
-            <a:r>
-              <a:rPr lang="en-GB" dirty="0" smtClean="0"/>
-              <a:t> </a:t>
-            </a:r>
-            <a:r>
-              <a:rPr lang="en-GB" dirty="0" smtClean="0">
-                <a:sym typeface="Wingdings" panose="05000000000000000000" pitchFamily="2" charset="2"/>
-              </a:rPr>
-              <a:t> keys </a:t>
-            </a:r>
-            <a:r>
-              <a:rPr lang="en-GB" dirty="0">
-                <a:sym typeface="Wingdings" panose="05000000000000000000" pitchFamily="2" charset="2"/>
-              </a:rPr>
-              <a:t>are stored in </a:t>
-            </a:r>
-            <a:r>
-              <a:rPr lang="en-GB" dirty="0" smtClean="0">
-                <a:sym typeface="Wingdings" panose="05000000000000000000" pitchFamily="2" charset="2"/>
-              </a:rPr>
-              <a:t>a linked </a:t>
-            </a:r>
-            <a:r>
-              <a:rPr lang="en-GB" dirty="0">
-                <a:sym typeface="Wingdings" panose="05000000000000000000" pitchFamily="2" charset="2"/>
-              </a:rPr>
-              <a:t>binary search </a:t>
-            </a:r>
-            <a:r>
-              <a:rPr lang="en-GB" dirty="0" smtClean="0">
-                <a:sym typeface="Wingdings" panose="05000000000000000000" pitchFamily="2" charset="2"/>
-              </a:rPr>
-              <a:t>tree; </a:t>
-            </a:r>
-            <a:r>
-              <a:rPr lang="en-US" dirty="0" smtClean="0">
-                <a:sym typeface="Wingdings" panose="05000000000000000000" pitchFamily="2" charset="2"/>
-              </a:rPr>
-              <a:t>allows </a:t>
-            </a:r>
-            <a:r>
-              <a:rPr lang="en-US" dirty="0">
-                <a:sym typeface="Wingdings" panose="05000000000000000000" pitchFamily="2" charset="2"/>
-              </a:rPr>
-              <a:t>ordered key access according to either the key type’s natural order or a Comparator</a:t>
-            </a:r>
-            <a:endParaRPr lang="nl-NL" dirty="0"/>
-          </a:p>
-        </p:txBody>
-      </p:sp>
-      <p:sp>
-        <p:nvSpPr>
-          <p:cNvPr id="4" name="Tijdelijke aanduiding voor voettekst 3"/>
-          <p:cNvSpPr>
-            <a:spLocks noGrp="1"/>
-          </p:cNvSpPr>
-          <p:nvPr>
-            <p:ph type="ftr" sz="quarter" idx="11"/>
-          </p:nvPr>
-        </p:nvSpPr>
-        <p:spPr/>
-        <p:txBody>
-          <a:bodyPr/>
-          <a:lstStyle/>
-          <a:p>
-            <a:r>
-              <a:rPr lang="it-IT" smtClean="0"/>
-              <a:t>INFDEV026A - G. Costantini, F. Di Giacomo, G. Maggiore</a:t>
-            </a:r>
-            <a:endParaRPr lang="en-GB" dirty="0"/>
-          </a:p>
-        </p:txBody>
-      </p:sp>
-    </p:spTree>
-    <p:extLst>
-      <p:ext uri="{BB962C8B-B14F-4D97-AF65-F5344CB8AC3E}">
-        <p14:creationId xmlns:p14="http://schemas.microsoft.com/office/powerpoint/2010/main" val="1858522433"/>
-      </p:ext>
-    </p:extLst>
-  </p:cSld>
-  <p:clrMapOvr>
-    <a:masterClrMapping/>
-  </p:clrMapOvr>
-  <p:timing>
-    <p:tnLst>
-      <p:par>
-        <p:cTn id="1" dur="indefinite" restart="never" nodeType="tmRoot"/>
-      </p:par>
-    </p:tnLst>
-  </p:timing>
-</p:sld>
-</file>
-
-<file path=ppt/slides/slide64.xml><?xml version="1.0" encoding="utf-8"?>
-<p:sld xmlns:a="http://schemas.openxmlformats.org/drawingml/2006/main" xmlns:r="http://schemas.openxmlformats.org/officeDocument/2006/relationships" xmlns:p="http://schemas.openxmlformats.org/presentationml/2006/main">
-  <p:cSld>
-    <p:spTree>
-      <p:nvGrpSpPr>
-        <p:cNvPr id="1" name=""/>
-        <p:cNvGrpSpPr/>
-        <p:nvPr/>
-      </p:nvGrpSpPr>
-      <p:grpSpPr>
-        <a:xfrm>
-          <a:off x="0" y="0"/>
-          <a:ext cx="0" cy="0"/>
-          <a:chOff x="0" y="0"/>
-          <a:chExt cx="0" cy="0"/>
-        </a:xfrm>
-      </p:grpSpPr>
-      <p:sp>
-        <p:nvSpPr>
-          <p:cNvPr id="2" name="Title 1"/>
-          <p:cNvSpPr>
-            <a:spLocks noGrp="1"/>
-          </p:cNvSpPr>
-          <p:nvPr>
-            <p:ph type="title"/>
-          </p:nvPr>
-        </p:nvSpPr>
-        <p:spPr/>
-        <p:txBody>
-          <a:bodyPr/>
-          <a:lstStyle/>
-          <a:p>
-            <a:r>
-              <a:rPr lang="en-GB" dirty="0" smtClean="0"/>
-              <a:t>Hash tables in C#</a:t>
-            </a:r>
-            <a:endParaRPr lang="en-GB" dirty="0"/>
-          </a:p>
-        </p:txBody>
-      </p:sp>
-      <p:sp>
-        <p:nvSpPr>
-          <p:cNvPr id="3" name="Content Placeholder 2"/>
-          <p:cNvSpPr>
-            <a:spLocks noGrp="1"/>
-          </p:cNvSpPr>
-          <p:nvPr>
-            <p:ph idx="1"/>
-          </p:nvPr>
-        </p:nvSpPr>
-        <p:spPr/>
-        <p:txBody>
-          <a:bodyPr/>
-          <a:lstStyle/>
-          <a:p>
-            <a:r>
-              <a:rPr lang="en-GB" b="1" dirty="0" smtClean="0"/>
-              <a:t>Dictionary </a:t>
-            </a:r>
-            <a:r>
-              <a:rPr lang="en-GB" dirty="0" smtClean="0"/>
-              <a:t>class </a:t>
-            </a:r>
-          </a:p>
-          <a:p>
-            <a:pPr lvl="1"/>
-            <a:r>
-              <a:rPr lang="en-GB" dirty="0" smtClean="0"/>
-              <a:t>Generic with respect to the types of keys and values </a:t>
-            </a:r>
-            <a:endParaRPr lang="en-GB" dirty="0" smtClean="0">
-              <a:hlinkClick r:id=""/>
-            </a:endParaRPr>
-          </a:p>
-          <a:p>
-            <a:pPr lvl="1"/>
-            <a:r>
-              <a:rPr lang="en-GB" dirty="0" smtClean="0">
-                <a:hlinkClick r:id=""/>
-              </a:rPr>
-              <a:t>http</a:t>
-            </a:r>
-            <a:r>
-              <a:rPr lang="en-GB" dirty="0">
-                <a:hlinkClick r:id="rId2"/>
-              </a:rPr>
-              <a:t>://</a:t>
-            </a:r>
-            <a:r>
-              <a:rPr lang="en-GB" dirty="0" smtClean="0">
-                <a:hlinkClick r:id="rId2"/>
-              </a:rPr>
-              <a:t>www.dotnetperls.com/dictionary</a:t>
-            </a:r>
-            <a:r>
-              <a:rPr lang="en-GB" dirty="0" smtClean="0"/>
-              <a:t> </a:t>
-            </a:r>
-            <a:endParaRPr lang="en-GB" dirty="0"/>
-          </a:p>
-          <a:p>
-            <a:pPr lvl="1"/>
-            <a:r>
-              <a:rPr lang="en-GB" dirty="0">
-                <a:hlinkClick r:id="rId3"/>
-              </a:rPr>
-              <a:t>http://</a:t>
-            </a:r>
-            <a:r>
-              <a:rPr lang="en-GB" dirty="0" smtClean="0">
-                <a:hlinkClick r:id="rId3"/>
-              </a:rPr>
-              <a:t>msdn.microsoft.com/en-us/library/xfhwa508%28v=vs.110%29.aspx</a:t>
-            </a:r>
-            <a:r>
-              <a:rPr lang="en-GB" dirty="0" smtClean="0"/>
-              <a:t> </a:t>
-            </a:r>
-          </a:p>
-          <a:p>
-            <a:endParaRPr lang="en-GB" dirty="0"/>
-          </a:p>
-          <a:p>
-            <a:r>
-              <a:rPr lang="en-GB" dirty="0" smtClean="0">
-                <a:solidFill>
-                  <a:srgbClr val="FF0000"/>
-                </a:solidFill>
-              </a:rPr>
-              <a:t>Live demo? </a:t>
-            </a:r>
-            <a:endParaRPr lang="en-GB" dirty="0">
-              <a:solidFill>
-                <a:srgbClr val="FF0000"/>
-              </a:solidFill>
-            </a:endParaRPr>
-          </a:p>
-        </p:txBody>
-      </p:sp>
-      <p:sp>
-        <p:nvSpPr>
-          <p:cNvPr id="4" name="Footer Placeholder 3"/>
-          <p:cNvSpPr>
-            <a:spLocks noGrp="1"/>
-          </p:cNvSpPr>
-          <p:nvPr>
-            <p:ph type="ftr" sz="quarter" idx="11"/>
-          </p:nvPr>
-        </p:nvSpPr>
-        <p:spPr/>
-        <p:txBody>
-          <a:bodyPr/>
-          <a:lstStyle/>
-          <a:p>
-            <a:r>
-              <a:rPr lang="it-IT" smtClean="0"/>
-              <a:t>INFDEV026A - G. Costantini, F. Di Giacomo, G. Maggiore</a:t>
-            </a:r>
-            <a:endParaRPr lang="en-GB"/>
-          </a:p>
-        </p:txBody>
-      </p:sp>
-    </p:spTree>
-    <p:extLst>
-      <p:ext uri="{BB962C8B-B14F-4D97-AF65-F5344CB8AC3E}">
-        <p14:creationId xmlns:p14="http://schemas.microsoft.com/office/powerpoint/2010/main" val="3980714225"/>
-      </p:ext>
-    </p:extLst>
-  </p:cSld>
-  <p:clrMapOvr>
-    <a:masterClrMapping/>
-  </p:clrMapOvr>
-  <p:timing>
-    <p:tnLst>
-      <p:par>
-        <p:cTn id="1" dur="indefinite" restart="never" nodeType="tmRoot"/>
-      </p:par>
-    </p:tnLst>
-  </p:timing>
-</p:sld>
-</file>
-
-<file path=ppt/slides/slide65.xml><?xml version="1.0" encoding="utf-8"?>
-<p:sld xmlns:a="http://schemas.openxmlformats.org/drawingml/2006/main" xmlns:r="http://schemas.openxmlformats.org/officeDocument/2006/relationships" xmlns:p="http://schemas.openxmlformats.org/presentationml/2006/main">
-  <p:cSld>
-    <p:spTree>
-      <p:nvGrpSpPr>
-        <p:cNvPr id="1" name=""/>
-        <p:cNvGrpSpPr/>
-        <p:nvPr/>
-      </p:nvGrpSpPr>
-      <p:grpSpPr>
-        <a:xfrm>
-          <a:off x="0" y="0"/>
-          <a:ext cx="0" cy="0"/>
-          <a:chOff x="0" y="0"/>
-          <a:chExt cx="0" cy="0"/>
-        </a:xfrm>
-      </p:grpSpPr>
       <p:sp>
         <p:nvSpPr>
           <p:cNvPr id="2" name="Title 1"/>
@@ -30175,7 +29931,7 @@
 </p:sld>
 </file>
 
-<file path=ppt/slides/slide66.xml><?xml version="1.0" encoding="utf-8"?>
+<file path=ppt/slides/slide64.xml><?xml version="1.0" encoding="utf-8"?>
 <p:sld xmlns:a="http://schemas.openxmlformats.org/drawingml/2006/main" xmlns:r="http://schemas.openxmlformats.org/officeDocument/2006/relationships" xmlns:p="http://schemas.openxmlformats.org/presentationml/2006/main">
   <p:cSld>
     <p:spTree>

--- a/Slides/Week 3 - Lists, Stacks, Queues, Hash tables.pptx
+++ b/Slides/Week 3 - Lists, Stacks, Queues, Hash tables.pptx
@@ -419,7 +419,7 @@
           <a:p>
             <a:fld id="{29573B9A-66FB-4A63-BCD5-E140B9429FD2}" type="slidenum">
               <a:rPr lang="en-GB" smtClean="0"/>
-              <a:t>‹#›</a:t>
+              <a:t>‹nr.›</a:t>
             </a:fld>
             <a:endParaRPr lang="en-GB"/>
           </a:p>
@@ -572,7 +572,7 @@
           <a:bodyPr/>
           <a:lstStyle/>
           <a:p>
-            <a:endParaRPr lang="en-GB"/>
+            <a:endParaRPr lang="en-GB" dirty="0"/>
           </a:p>
         </p:txBody>
       </p:sp>
@@ -842,7 +842,17 @@
             </a:r>
             <a:r>
               <a:rPr lang="en-US" baseline="0" dirty="0" smtClean="0"/>
-              <a:t> show an implementation of lists in C#</a:t>
+              <a:t> show an implementation of lists in C</a:t>
+            </a:r>
+            <a:r>
+              <a:rPr lang="en-US" baseline="0" dirty="0" smtClean="0"/>
+              <a:t># </a:t>
+            </a:r>
+            <a:r>
+              <a:rPr lang="en-US" baseline="0" dirty="0" smtClean="0">
+                <a:sym typeface="Wingdings" panose="05000000000000000000" pitchFamily="2" charset="2"/>
+              </a:rPr>
+              <a:t> http://stackoverflow.com/questions/3823848/creating-a-very-simple-linked-list </a:t>
             </a:r>
             <a:endParaRPr lang="it-IT" dirty="0"/>
           </a:p>
@@ -2260,7 +2270,7 @@
           <a:p>
             <a:fld id="{A3AAA307-BC5C-435E-9F75-3D6007B651A5}" type="slidenum">
               <a:rPr lang="en-GB" smtClean="0"/>
-              <a:t>‹#›</a:t>
+              <a:t>‹nr.›</a:t>
             </a:fld>
             <a:endParaRPr lang="en-GB"/>
           </a:p>
@@ -2515,7 +2525,7 @@
           <a:p>
             <a:fld id="{A3AAA307-BC5C-435E-9F75-3D6007B651A5}" type="slidenum">
               <a:rPr lang="en-GB" smtClean="0"/>
-              <a:t>‹#›</a:t>
+              <a:t>‹nr.›</a:t>
             </a:fld>
             <a:endParaRPr lang="en-GB"/>
           </a:p>
@@ -2833,7 +2843,7 @@
           <a:p>
             <a:fld id="{A3AAA307-BC5C-435E-9F75-3D6007B651A5}" type="slidenum">
               <a:rPr lang="en-GB" smtClean="0"/>
-              <a:t>‹#›</a:t>
+              <a:t>‹nr.›</a:t>
             </a:fld>
             <a:endParaRPr lang="en-GB"/>
           </a:p>
@@ -3164,7 +3174,7 @@
           <a:p>
             <a:fld id="{A3AAA307-BC5C-435E-9F75-3D6007B651A5}" type="slidenum">
               <a:rPr lang="en-GB" smtClean="0"/>
-              <a:t>‹#›</a:t>
+              <a:t>‹nr.›</a:t>
             </a:fld>
             <a:endParaRPr lang="en-GB"/>
           </a:p>
@@ -3482,7 +3492,7 @@
           <a:p>
             <a:fld id="{A3AAA307-BC5C-435E-9F75-3D6007B651A5}" type="slidenum">
               <a:rPr lang="en-GB" smtClean="0"/>
-              <a:t>‹#›</a:t>
+              <a:t>‹nr.›</a:t>
             </a:fld>
             <a:endParaRPr lang="en-GB"/>
           </a:p>
@@ -3873,7 +3883,7 @@
           <a:p>
             <a:fld id="{A3AAA307-BC5C-435E-9F75-3D6007B651A5}" type="slidenum">
               <a:rPr lang="en-GB" smtClean="0"/>
-              <a:t>‹#›</a:t>
+              <a:t>‹nr.›</a:t>
             </a:fld>
             <a:endParaRPr lang="en-GB"/>
           </a:p>
@@ -4047,7 +4057,7 @@
           <a:p>
             <a:fld id="{A3AAA307-BC5C-435E-9F75-3D6007B651A5}" type="slidenum">
               <a:rPr lang="en-GB" smtClean="0"/>
-              <a:t>‹#›</a:t>
+              <a:t>‹nr.›</a:t>
             </a:fld>
             <a:endParaRPr lang="en-GB"/>
           </a:p>
@@ -4231,7 +4241,7 @@
           <a:p>
             <a:fld id="{A3AAA307-BC5C-435E-9F75-3D6007B651A5}" type="slidenum">
               <a:rPr lang="en-GB" smtClean="0"/>
-              <a:t>‹#›</a:t>
+              <a:t>‹nr.›</a:t>
             </a:fld>
             <a:endParaRPr lang="en-GB"/>
           </a:p>
@@ -4405,7 +4415,7 @@
           <a:p>
             <a:fld id="{A3AAA307-BC5C-435E-9F75-3D6007B651A5}" type="slidenum">
               <a:rPr lang="en-GB" smtClean="0"/>
-              <a:t>‹#›</a:t>
+              <a:t>‹nr.›</a:t>
             </a:fld>
             <a:endParaRPr lang="en-GB"/>
           </a:p>
@@ -4656,7 +4666,7 @@
           <a:p>
             <a:fld id="{A3AAA307-BC5C-435E-9F75-3D6007B651A5}" type="slidenum">
               <a:rPr lang="en-GB" smtClean="0"/>
-              <a:t>‹#›</a:t>
+              <a:t>‹nr.›</a:t>
             </a:fld>
             <a:endParaRPr lang="en-GB"/>
           </a:p>
@@ -4892,7 +4902,7 @@
           <a:p>
             <a:fld id="{A3AAA307-BC5C-435E-9F75-3D6007B651A5}" type="slidenum">
               <a:rPr lang="en-GB" smtClean="0"/>
-              <a:t>‹#›</a:t>
+              <a:t>‹nr.›</a:t>
             </a:fld>
             <a:endParaRPr lang="en-GB"/>
           </a:p>
@@ -5270,7 +5280,7 @@
           <a:p>
             <a:fld id="{A3AAA307-BC5C-435E-9F75-3D6007B651A5}" type="slidenum">
               <a:rPr lang="en-GB" smtClean="0"/>
-              <a:t>‹#›</a:t>
+              <a:t>‹nr.›</a:t>
             </a:fld>
             <a:endParaRPr lang="en-GB"/>
           </a:p>
@@ -5397,7 +5407,7 @@
           <a:p>
             <a:fld id="{A3AAA307-BC5C-435E-9F75-3D6007B651A5}" type="slidenum">
               <a:rPr lang="en-GB" smtClean="0"/>
-              <a:t>‹#›</a:t>
+              <a:t>‹nr.›</a:t>
             </a:fld>
             <a:endParaRPr lang="en-GB"/>
           </a:p>
@@ -5496,7 +5506,7 @@
           <a:p>
             <a:fld id="{A3AAA307-BC5C-435E-9F75-3D6007B651A5}" type="slidenum">
               <a:rPr lang="en-GB" smtClean="0"/>
-              <a:t>‹#›</a:t>
+              <a:t>‹nr.›</a:t>
             </a:fld>
             <a:endParaRPr lang="en-GB"/>
           </a:p>
@@ -5755,7 +5765,7 @@
           <a:p>
             <a:fld id="{A3AAA307-BC5C-435E-9F75-3D6007B651A5}" type="slidenum">
               <a:rPr lang="en-GB" smtClean="0"/>
-              <a:t>‹#›</a:t>
+              <a:t>‹nr.›</a:t>
             </a:fld>
             <a:endParaRPr lang="en-GB"/>
           </a:p>
@@ -6022,7 +6032,7 @@
           <a:p>
             <a:fld id="{A3AAA307-BC5C-435E-9F75-3D6007B651A5}" type="slidenum">
               <a:rPr lang="en-GB" smtClean="0"/>
-              <a:t>‹#›</a:t>
+              <a:t>‹nr.›</a:t>
             </a:fld>
             <a:endParaRPr lang="en-GB"/>
           </a:p>
@@ -6807,7 +6817,7 @@
           <a:p>
             <a:fld id="{A3AAA307-BC5C-435E-9F75-3D6007B651A5}" type="slidenum">
               <a:rPr lang="en-GB" smtClean="0"/>
-              <a:t>‹#›</a:t>
+              <a:t>‹nr.›</a:t>
             </a:fld>
             <a:endParaRPr lang="en-GB"/>
           </a:p>
@@ -27726,21 +27736,21 @@
                     <a:gridCol w="1626301">
                       <a:extLst>
                         <a:ext uri="{9D8B030D-6E8A-4147-A177-3AD203B41FA5}">
-                          <a16:colId xmlns:a16="http://schemas.microsoft.com/office/drawing/2014/main" val="20000"/>
+                          <a16:colId xmlns:a16="http://schemas.microsoft.com/office/drawing/2014/main" xmlns="" val="20000"/>
                         </a:ext>
                       </a:extLst>
                     </a:gridCol>
                     <a:gridCol w="1814234">
                       <a:extLst>
                         <a:ext uri="{9D8B030D-6E8A-4147-A177-3AD203B41FA5}">
-                          <a16:colId xmlns:a16="http://schemas.microsoft.com/office/drawing/2014/main" val="20001"/>
+                          <a16:colId xmlns:a16="http://schemas.microsoft.com/office/drawing/2014/main" xmlns="" val="20001"/>
                         </a:ext>
                       </a:extLst>
                     </a:gridCol>
                     <a:gridCol w="1502411">
                       <a:extLst>
                         <a:ext uri="{9D8B030D-6E8A-4147-A177-3AD203B41FA5}">
-                          <a16:colId xmlns:a16="http://schemas.microsoft.com/office/drawing/2014/main" val="20002"/>
+                          <a16:colId xmlns:a16="http://schemas.microsoft.com/office/drawing/2014/main" xmlns="" val="20002"/>
                         </a:ext>
                       </a:extLst>
                     </a:gridCol>
@@ -27790,7 +27800,7 @@
                     </a:tc>
                     <a:extLst>
                       <a:ext uri="{0D108BD9-81ED-4DB2-BD59-A6C34878D82A}">
-                        <a16:rowId xmlns:a16="http://schemas.microsoft.com/office/drawing/2014/main" val="10000"/>
+                        <a16:rowId xmlns:a16="http://schemas.microsoft.com/office/drawing/2014/main" xmlns="" val="10000"/>
                       </a:ext>
                     </a:extLst>
                   </a:tr>
@@ -27887,7 +27897,7 @@
                     </a:tc>
                     <a:extLst>
                       <a:ext uri="{0D108BD9-81ED-4DB2-BD59-A6C34878D82A}">
-                        <a16:rowId xmlns:a16="http://schemas.microsoft.com/office/drawing/2014/main" val="10001"/>
+                        <a16:rowId xmlns:a16="http://schemas.microsoft.com/office/drawing/2014/main" xmlns="" val="10001"/>
                       </a:ext>
                     </a:extLst>
                   </a:tr>
@@ -28000,7 +28010,7 @@
                     </a:tc>
                     <a:extLst>
                       <a:ext uri="{0D108BD9-81ED-4DB2-BD59-A6C34878D82A}">
-                        <a16:rowId xmlns:a16="http://schemas.microsoft.com/office/drawing/2014/main" val="10002"/>
+                        <a16:rowId xmlns:a16="http://schemas.microsoft.com/office/drawing/2014/main" xmlns="" val="10002"/>
                       </a:ext>
                     </a:extLst>
                   </a:tr>
@@ -28113,7 +28123,7 @@
                     </a:tc>
                     <a:extLst>
                       <a:ext uri="{0D108BD9-81ED-4DB2-BD59-A6C34878D82A}">
-                        <a16:rowId xmlns:a16="http://schemas.microsoft.com/office/drawing/2014/main" val="10003"/>
+                        <a16:rowId xmlns:a16="http://schemas.microsoft.com/office/drawing/2014/main" xmlns="" val="10003"/>
                       </a:ext>
                     </a:extLst>
                   </a:tr>
